--- a/Final Project Documentation/Final Project Presentation.pptx
+++ b/Final Project Documentation/Final Project Presentation.pptx
@@ -4,16 +4,20 @@
   <p:sldMasterIdLst>
     <p:sldMasterId id="2147483648" r:id="rId1"/>
   </p:sldMasterIdLst>
+  <p:notesMasterIdLst>
+    <p:notesMasterId r:id="rId12"/>
+  </p:notesMasterIdLst>
   <p:sldIdLst>
     <p:sldId id="256" r:id="rId2"/>
     <p:sldId id="257" r:id="rId3"/>
     <p:sldId id="258" r:id="rId4"/>
     <p:sldId id="263" r:id="rId5"/>
-    <p:sldId id="262" r:id="rId6"/>
-    <p:sldId id="264" r:id="rId7"/>
-    <p:sldId id="265" r:id="rId8"/>
-    <p:sldId id="261" r:id="rId9"/>
-    <p:sldId id="266" r:id="rId10"/>
+    <p:sldId id="267" r:id="rId6"/>
+    <p:sldId id="262" r:id="rId7"/>
+    <p:sldId id="264" r:id="rId8"/>
+    <p:sldId id="265" r:id="rId9"/>
+    <p:sldId id="261" r:id="rId10"/>
+    <p:sldId id="266" r:id="rId11"/>
   </p:sldIdLst>
   <p:sldSz cx="12192000" cy="6858000"/>
   <p:notesSz cx="6858000" cy="9144000"/>
@@ -134,7 +138,7 @@
 <file path=ppt/revisionInfo.xml><?xml version="1.0" encoding="utf-8"?>
 <p1510:revInfo xmlns:a="http://schemas.openxmlformats.org/drawingml/2006/main" xmlns:r="http://schemas.openxmlformats.org/officeDocument/2006/relationships" xmlns:p1510="http://schemas.microsoft.com/office/powerpoint/2015/10/main">
   <p1510:revLst>
-    <p1510:client id="{15B7086B-3090-4F95-83B0-C8960BA57E27}" v="105" dt="2024-02-16T22:53:17.649"/>
+    <p1510:client id="{15B7086B-3090-4F95-83B0-C8960BA57E27}" v="352" dt="2024-02-21T21:44:40.541"/>
   </p1510:revLst>
 </p1510:revInfo>
 </file>
@@ -144,10 +148,41 @@
   <pc:docChgLst>
     <pc:chgData name="Kenny Cheng-Fung" userId="be7fdb39-deda-4ba6-9d8c-b82afa2813e7" providerId="ADAL" clId="{15B7086B-3090-4F95-83B0-C8960BA57E27}"/>
     <pc:docChg chg="undo custSel addSld delSld modSld sldOrd">
-      <pc:chgData name="Kenny Cheng-Fung" userId="be7fdb39-deda-4ba6-9d8c-b82afa2813e7" providerId="ADAL" clId="{15B7086B-3090-4F95-83B0-C8960BA57E27}" dt="2024-02-16T22:53:24.325" v="1091" actId="26606"/>
+      <pc:chgData name="Kenny Cheng-Fung" userId="be7fdb39-deda-4ba6-9d8c-b82afa2813e7" providerId="ADAL" clId="{15B7086B-3090-4F95-83B0-C8960BA57E27}" dt="2024-02-21T22:09:49.800" v="1667" actId="255"/>
       <pc:docMkLst>
         <pc:docMk/>
       </pc:docMkLst>
+      <pc:sldChg chg="addSp modSp mod">
+        <pc:chgData name="Kenny Cheng-Fung" userId="be7fdb39-deda-4ba6-9d8c-b82afa2813e7" providerId="ADAL" clId="{15B7086B-3090-4F95-83B0-C8960BA57E27}" dt="2024-02-21T13:32:13.957" v="1277" actId="1076"/>
+        <pc:sldMkLst>
+          <pc:docMk/>
+          <pc:sldMk cId="1245718015" sldId="256"/>
+        </pc:sldMkLst>
+        <pc:spChg chg="mod">
+          <ac:chgData name="Kenny Cheng-Fung" userId="be7fdb39-deda-4ba6-9d8c-b82afa2813e7" providerId="ADAL" clId="{15B7086B-3090-4F95-83B0-C8960BA57E27}" dt="2024-02-21T13:32:13.957" v="1277" actId="1076"/>
+          <ac:spMkLst>
+            <pc:docMk/>
+            <pc:sldMk cId="1245718015" sldId="256"/>
+            <ac:spMk id="8" creationId="{E11C36A6-4614-68AC-6259-7246033B507A}"/>
+          </ac:spMkLst>
+        </pc:spChg>
+        <pc:picChg chg="add mod">
+          <ac:chgData name="Kenny Cheng-Fung" userId="be7fdb39-deda-4ba6-9d8c-b82afa2813e7" providerId="ADAL" clId="{15B7086B-3090-4F95-83B0-C8960BA57E27}" dt="2024-02-21T13:32:02.332" v="1276" actId="1076"/>
+          <ac:picMkLst>
+            <pc:docMk/>
+            <pc:sldMk cId="1245718015" sldId="256"/>
+            <ac:picMk id="3" creationId="{2E10B9DC-373E-C057-B100-44C3BF8EE565}"/>
+          </ac:picMkLst>
+        </pc:picChg>
+        <pc:picChg chg="mod">
+          <ac:chgData name="Kenny Cheng-Fung" userId="be7fdb39-deda-4ba6-9d8c-b82afa2813e7" providerId="ADAL" clId="{15B7086B-3090-4F95-83B0-C8960BA57E27}" dt="2024-02-21T13:31:53.067" v="1275" actId="1076"/>
+          <ac:picMkLst>
+            <pc:docMk/>
+            <pc:sldMk cId="1245718015" sldId="256"/>
+            <ac:picMk id="11" creationId="{69E2B720-5D8F-1C34-A7F9-999CE8F09B92}"/>
+          </ac:picMkLst>
+        </pc:picChg>
+      </pc:sldChg>
       <pc:sldChg chg="addSp delSp modSp mod">
         <pc:chgData name="Kenny Cheng-Fung" userId="be7fdb39-deda-4ba6-9d8c-b82afa2813e7" providerId="ADAL" clId="{15B7086B-3090-4F95-83B0-C8960BA57E27}" dt="2024-02-16T22:49:20.252" v="1070" actId="255"/>
         <pc:sldMkLst>
@@ -236,13 +271,13 @@
         </pc:picChg>
       </pc:sldChg>
       <pc:sldChg chg="addSp delSp modSp mod">
-        <pc:chgData name="Kenny Cheng-Fung" userId="be7fdb39-deda-4ba6-9d8c-b82afa2813e7" providerId="ADAL" clId="{15B7086B-3090-4F95-83B0-C8960BA57E27}" dt="2024-02-16T16:47:20.047" v="604" actId="255"/>
+        <pc:chgData name="Kenny Cheng-Fung" userId="be7fdb39-deda-4ba6-9d8c-b82afa2813e7" providerId="ADAL" clId="{15B7086B-3090-4F95-83B0-C8960BA57E27}" dt="2024-02-21T16:57:32.176" v="1311" actId="1038"/>
         <pc:sldMkLst>
           <pc:docMk/>
           <pc:sldMk cId="3584544027" sldId="258"/>
         </pc:sldMkLst>
-        <pc:spChg chg="mod">
-          <ac:chgData name="Kenny Cheng-Fung" userId="be7fdb39-deda-4ba6-9d8c-b82afa2813e7" providerId="ADAL" clId="{15B7086B-3090-4F95-83B0-C8960BA57E27}" dt="2024-02-16T16:47:20.047" v="604" actId="255"/>
+        <pc:spChg chg="mod ord">
+          <ac:chgData name="Kenny Cheng-Fung" userId="be7fdb39-deda-4ba6-9d8c-b82afa2813e7" providerId="ADAL" clId="{15B7086B-3090-4F95-83B0-C8960BA57E27}" dt="2024-02-21T14:22:44.217" v="1296" actId="166"/>
           <ac:spMkLst>
             <pc:docMk/>
             <pc:sldMk cId="3584544027" sldId="258"/>
@@ -250,7 +285,7 @@
           </ac:spMkLst>
         </pc:spChg>
         <pc:spChg chg="mod ord">
-          <ac:chgData name="Kenny Cheng-Fung" userId="be7fdb39-deda-4ba6-9d8c-b82afa2813e7" providerId="ADAL" clId="{15B7086B-3090-4F95-83B0-C8960BA57E27}" dt="2024-02-16T16:47:13.448" v="603" actId="2711"/>
+          <ac:chgData name="Kenny Cheng-Fung" userId="be7fdb39-deda-4ba6-9d8c-b82afa2813e7" providerId="ADAL" clId="{15B7086B-3090-4F95-83B0-C8960BA57E27}" dt="2024-02-21T14:23:29.546" v="1300" actId="12"/>
           <ac:spMkLst>
             <pc:docMk/>
             <pc:sldMk cId="3584544027" sldId="258"/>
@@ -281,32 +316,56 @@
             <ac:spMk id="1035" creationId="{87F16C5A-0D41-47A9-B0A2-9C2AD7A8CF32}"/>
           </ac:spMkLst>
         </pc:spChg>
-        <pc:spChg chg="add mod">
-          <ac:chgData name="Kenny Cheng-Fung" userId="be7fdb39-deda-4ba6-9d8c-b82afa2813e7" providerId="ADAL" clId="{15B7086B-3090-4F95-83B0-C8960BA57E27}" dt="2024-02-16T16:47:13.448" v="603" actId="2711"/>
+        <pc:spChg chg="add del mod">
+          <ac:chgData name="Kenny Cheng-Fung" userId="be7fdb39-deda-4ba6-9d8c-b82afa2813e7" providerId="ADAL" clId="{15B7086B-3090-4F95-83B0-C8960BA57E27}" dt="2024-02-20T23:21:53.253" v="1265" actId="26606"/>
           <ac:spMkLst>
             <pc:docMk/>
             <pc:sldMk cId="3584544027" sldId="258"/>
             <ac:spMk id="1040" creationId="{6EA86598-DA2C-41D5-BC0C-E877F8818EEB}"/>
           </ac:spMkLst>
         </pc:spChg>
-        <pc:spChg chg="add mod">
-          <ac:chgData name="Kenny Cheng-Fung" userId="be7fdb39-deda-4ba6-9d8c-b82afa2813e7" providerId="ADAL" clId="{15B7086B-3090-4F95-83B0-C8960BA57E27}" dt="2024-02-16T16:47:13.448" v="603" actId="2711"/>
+        <pc:spChg chg="add del mod">
+          <ac:chgData name="Kenny Cheng-Fung" userId="be7fdb39-deda-4ba6-9d8c-b82afa2813e7" providerId="ADAL" clId="{15B7086B-3090-4F95-83B0-C8960BA57E27}" dt="2024-02-20T23:21:53.253" v="1265" actId="26606"/>
           <ac:spMkLst>
             <pc:docMk/>
             <pc:sldMk cId="3584544027" sldId="258"/>
             <ac:spMk id="1042" creationId="{450D3AD2-FA80-415F-A9CE-54D884561CD7}"/>
           </ac:spMkLst>
         </pc:spChg>
-        <pc:spChg chg="add mod">
-          <ac:chgData name="Kenny Cheng-Fung" userId="be7fdb39-deda-4ba6-9d8c-b82afa2813e7" providerId="ADAL" clId="{15B7086B-3090-4F95-83B0-C8960BA57E27}" dt="2024-02-16T16:47:13.448" v="603" actId="2711"/>
+        <pc:spChg chg="add del mod">
+          <ac:chgData name="Kenny Cheng-Fung" userId="be7fdb39-deda-4ba6-9d8c-b82afa2813e7" providerId="ADAL" clId="{15B7086B-3090-4F95-83B0-C8960BA57E27}" dt="2024-02-20T23:21:53.253" v="1265" actId="26606"/>
           <ac:spMkLst>
             <pc:docMk/>
             <pc:sldMk cId="3584544027" sldId="258"/>
             <ac:spMk id="1044" creationId="{87F16C5A-0D41-47A9-B0A2-9C2AD7A8CF32}"/>
           </ac:spMkLst>
         </pc:spChg>
+        <pc:spChg chg="add">
+          <ac:chgData name="Kenny Cheng-Fung" userId="be7fdb39-deda-4ba6-9d8c-b82afa2813e7" providerId="ADAL" clId="{15B7086B-3090-4F95-83B0-C8960BA57E27}" dt="2024-02-20T23:21:53.253" v="1265" actId="26606"/>
+          <ac:spMkLst>
+            <pc:docMk/>
+            <pc:sldMk cId="3584544027" sldId="258"/>
+            <ac:spMk id="1049" creationId="{FCCDD320-F060-4CF7-AE20-8592F7C9571D}"/>
+          </ac:spMkLst>
+        </pc:spChg>
+        <pc:spChg chg="add">
+          <ac:chgData name="Kenny Cheng-Fung" userId="be7fdb39-deda-4ba6-9d8c-b82afa2813e7" providerId="ADAL" clId="{15B7086B-3090-4F95-83B0-C8960BA57E27}" dt="2024-02-20T23:21:53.253" v="1265" actId="26606"/>
+          <ac:spMkLst>
+            <pc:docMk/>
+            <pc:sldMk cId="3584544027" sldId="258"/>
+            <ac:spMk id="1051" creationId="{4B49AD00-D954-4DA1-88A1-FFCD8F596D2D}"/>
+          </ac:spMkLst>
+        </pc:spChg>
+        <pc:picChg chg="add mod">
+          <ac:chgData name="Kenny Cheng-Fung" userId="be7fdb39-deda-4ba6-9d8c-b82afa2813e7" providerId="ADAL" clId="{15B7086B-3090-4F95-83B0-C8960BA57E27}" dt="2024-02-21T16:57:32.176" v="1311" actId="1038"/>
+          <ac:picMkLst>
+            <pc:docMk/>
+            <pc:sldMk cId="3584544027" sldId="258"/>
+            <ac:picMk id="5" creationId="{FE5E8C89-EC39-FB3E-3FD9-40C306B61CCA}"/>
+          </ac:picMkLst>
+        </pc:picChg>
         <pc:picChg chg="mod">
-          <ac:chgData name="Kenny Cheng-Fung" userId="be7fdb39-deda-4ba6-9d8c-b82afa2813e7" providerId="ADAL" clId="{15B7086B-3090-4F95-83B0-C8960BA57E27}" dt="2024-02-16T16:47:13.448" v="603" actId="2711"/>
+          <ac:chgData name="Kenny Cheng-Fung" userId="be7fdb39-deda-4ba6-9d8c-b82afa2813e7" providerId="ADAL" clId="{15B7086B-3090-4F95-83B0-C8960BA57E27}" dt="2024-02-20T23:21:53.253" v="1265" actId="26606"/>
           <ac:picMkLst>
             <pc:docMk/>
             <pc:sldMk cId="3584544027" sldId="258"/>
@@ -473,7 +532,7 @@
         </pc:picChg>
       </pc:sldChg>
       <pc:sldChg chg="addSp delSp modSp new mod setBg">
-        <pc:chgData name="Kenny Cheng-Fung" userId="be7fdb39-deda-4ba6-9d8c-b82afa2813e7" providerId="ADAL" clId="{15B7086B-3090-4F95-83B0-C8960BA57E27}" dt="2024-02-16T17:22:23.474" v="1034" actId="2711"/>
+        <pc:chgData name="Kenny Cheng-Fung" userId="be7fdb39-deda-4ba6-9d8c-b82afa2813e7" providerId="ADAL" clId="{15B7086B-3090-4F95-83B0-C8960BA57E27}" dt="2024-02-21T13:59:32.006" v="1295" actId="20577"/>
         <pc:sldMkLst>
           <pc:docMk/>
           <pc:sldMk cId="4136869874" sldId="261"/>
@@ -487,7 +546,7 @@
           </ac:spMkLst>
         </pc:spChg>
         <pc:spChg chg="add mod">
-          <ac:chgData name="Kenny Cheng-Fung" userId="be7fdb39-deda-4ba6-9d8c-b82afa2813e7" providerId="ADAL" clId="{15B7086B-3090-4F95-83B0-C8960BA57E27}" dt="2024-02-16T17:22:23.474" v="1034" actId="2711"/>
+          <ac:chgData name="Kenny Cheng-Fung" userId="be7fdb39-deda-4ba6-9d8c-b82afa2813e7" providerId="ADAL" clId="{15B7086B-3090-4F95-83B0-C8960BA57E27}" dt="2024-02-21T13:59:32.006" v="1295" actId="20577"/>
           <ac:spMkLst>
             <pc:docMk/>
             <pc:sldMk cId="4136869874" sldId="261"/>
@@ -886,7 +945,7 @@
         </pc:cxnChg>
       </pc:sldChg>
       <pc:sldChg chg="addSp delSp modSp new mod setBg">
-        <pc:chgData name="Kenny Cheng-Fung" userId="be7fdb39-deda-4ba6-9d8c-b82afa2813e7" providerId="ADAL" clId="{15B7086B-3090-4F95-83B0-C8960BA57E27}" dt="2024-02-16T17:23:32.483" v="1042"/>
+        <pc:chgData name="Kenny Cheng-Fung" userId="be7fdb39-deda-4ba6-9d8c-b82afa2813e7" providerId="ADAL" clId="{15B7086B-3090-4F95-83B0-C8960BA57E27}" dt="2024-02-19T14:31:55.417" v="1258" actId="255"/>
         <pc:sldMkLst>
           <pc:docMk/>
           <pc:sldMk cId="2801841982" sldId="264"/>
@@ -900,7 +959,7 @@
           </ac:spMkLst>
         </pc:spChg>
         <pc:spChg chg="mod">
-          <ac:chgData name="Kenny Cheng-Fung" userId="be7fdb39-deda-4ba6-9d8c-b82afa2813e7" providerId="ADAL" clId="{15B7086B-3090-4F95-83B0-C8960BA57E27}" dt="2024-02-16T17:04:08.018" v="715" actId="12"/>
+          <ac:chgData name="Kenny Cheng-Fung" userId="be7fdb39-deda-4ba6-9d8c-b82afa2813e7" providerId="ADAL" clId="{15B7086B-3090-4F95-83B0-C8960BA57E27}" dt="2024-02-19T14:31:55.417" v="1258" actId="255"/>
           <ac:spMkLst>
             <pc:docMk/>
             <pc:sldMk cId="2801841982" sldId="264"/>
@@ -924,7 +983,7 @@
           </ac:spMkLst>
         </pc:spChg>
         <pc:picChg chg="add mod">
-          <ac:chgData name="Kenny Cheng-Fung" userId="be7fdb39-deda-4ba6-9d8c-b82afa2813e7" providerId="ADAL" clId="{15B7086B-3090-4F95-83B0-C8960BA57E27}" dt="2024-02-16T17:01:11.459" v="704" actId="1076"/>
+          <ac:chgData name="Kenny Cheng-Fung" userId="be7fdb39-deda-4ba6-9d8c-b82afa2813e7" providerId="ADAL" clId="{15B7086B-3090-4F95-83B0-C8960BA57E27}" dt="2024-02-19T14:29:35.328" v="1175" actId="1035"/>
           <ac:picMkLst>
             <pc:docMk/>
             <pc:sldMk cId="2801841982" sldId="264"/>
@@ -932,7 +991,7 @@
           </ac:picMkLst>
         </pc:picChg>
         <pc:picChg chg="add mod">
-          <ac:chgData name="Kenny Cheng-Fung" userId="be7fdb39-deda-4ba6-9d8c-b82afa2813e7" providerId="ADAL" clId="{15B7086B-3090-4F95-83B0-C8960BA57E27}" dt="2024-02-16T17:02:32.700" v="709" actId="1076"/>
+          <ac:chgData name="Kenny Cheng-Fung" userId="be7fdb39-deda-4ba6-9d8c-b82afa2813e7" providerId="ADAL" clId="{15B7086B-3090-4F95-83B0-C8960BA57E27}" dt="2024-02-19T14:29:35.328" v="1175" actId="1035"/>
           <ac:picMkLst>
             <pc:docMk/>
             <pc:sldMk cId="2801841982" sldId="264"/>
@@ -940,7 +999,7 @@
           </ac:picMkLst>
         </pc:picChg>
         <pc:picChg chg="add mod">
-          <ac:chgData name="Kenny Cheng-Fung" userId="be7fdb39-deda-4ba6-9d8c-b82afa2813e7" providerId="ADAL" clId="{15B7086B-3090-4F95-83B0-C8960BA57E27}" dt="2024-02-16T17:01:42.167" v="706" actId="1076"/>
+          <ac:chgData name="Kenny Cheng-Fung" userId="be7fdb39-deda-4ba6-9d8c-b82afa2813e7" providerId="ADAL" clId="{15B7086B-3090-4F95-83B0-C8960BA57E27}" dt="2024-02-19T14:29:52.447" v="1176" actId="1076"/>
           <ac:picMkLst>
             <pc:docMk/>
             <pc:sldMk cId="2801841982" sldId="264"/>
@@ -948,7 +1007,7 @@
           </ac:picMkLst>
         </pc:picChg>
         <pc:picChg chg="add mod">
-          <ac:chgData name="Kenny Cheng-Fung" userId="be7fdb39-deda-4ba6-9d8c-b82afa2813e7" providerId="ADAL" clId="{15B7086B-3090-4F95-83B0-C8960BA57E27}" dt="2024-02-16T17:01:05.114" v="703" actId="1076"/>
+          <ac:chgData name="Kenny Cheng-Fung" userId="be7fdb39-deda-4ba6-9d8c-b82afa2813e7" providerId="ADAL" clId="{15B7086B-3090-4F95-83B0-C8960BA57E27}" dt="2024-02-19T14:29:35.328" v="1175" actId="1035"/>
           <ac:picMkLst>
             <pc:docMk/>
             <pc:sldMk cId="2801841982" sldId="264"/>
@@ -961,6 +1020,14 @@
             <pc:docMk/>
             <pc:sldMk cId="2801841982" sldId="264"/>
             <ac:picMk id="10" creationId="{5F49C9CD-89D3-48A0-D56D-92F269F64947}"/>
+          </ac:picMkLst>
+        </pc:picChg>
+        <pc:picChg chg="add mod">
+          <ac:chgData name="Kenny Cheng-Fung" userId="be7fdb39-deda-4ba6-9d8c-b82afa2813e7" providerId="ADAL" clId="{15B7086B-3090-4F95-83B0-C8960BA57E27}" dt="2024-02-19T14:29:35.328" v="1175" actId="1035"/>
+          <ac:picMkLst>
+            <pc:docMk/>
+            <pc:sldMk cId="2801841982" sldId="264"/>
+            <ac:picMk id="1026" creationId="{60EDD86D-CC06-08CD-92D0-93061721187F}"/>
           </ac:picMkLst>
         </pc:picChg>
         <pc:cxnChg chg="add">
@@ -1114,9 +1181,4721 @@
           </ac:picMkLst>
         </pc:picChg>
       </pc:sldChg>
+      <pc:sldChg chg="addSp delSp modSp new mod ord setBg modClrScheme chgLayout modNotesTx">
+        <pc:chgData name="Kenny Cheng-Fung" userId="be7fdb39-deda-4ba6-9d8c-b82afa2813e7" providerId="ADAL" clId="{15B7086B-3090-4F95-83B0-C8960BA57E27}" dt="2024-02-21T22:09:49.800" v="1667" actId="255"/>
+        <pc:sldMkLst>
+          <pc:docMk/>
+          <pc:sldMk cId="2650574482" sldId="267"/>
+        </pc:sldMkLst>
+        <pc:spChg chg="add mod">
+          <ac:chgData name="Kenny Cheng-Fung" userId="be7fdb39-deda-4ba6-9d8c-b82afa2813e7" providerId="ADAL" clId="{15B7086B-3090-4F95-83B0-C8960BA57E27}" dt="2024-02-21T22:09:49.800" v="1667" actId="255"/>
+          <ac:spMkLst>
+            <pc:docMk/>
+            <pc:sldMk cId="2650574482" sldId="267"/>
+            <ac:spMk id="2" creationId="{12375841-23B9-7FB8-6DDE-B89D6F55EFED}"/>
+          </ac:spMkLst>
+        </pc:spChg>
+        <pc:spChg chg="add del mod">
+          <ac:chgData name="Kenny Cheng-Fung" userId="be7fdb39-deda-4ba6-9d8c-b82afa2813e7" providerId="ADAL" clId="{15B7086B-3090-4F95-83B0-C8960BA57E27}" dt="2024-02-21T20:44:16.598" v="1337" actId="1032"/>
+          <ac:spMkLst>
+            <pc:docMk/>
+            <pc:sldMk cId="2650574482" sldId="267"/>
+            <ac:spMk id="3" creationId="{DD0C6D20-A883-F9F9-957B-114F6D60E3F3}"/>
+          </ac:spMkLst>
+        </pc:spChg>
+        <pc:spChg chg="add">
+          <ac:chgData name="Kenny Cheng-Fung" userId="be7fdb39-deda-4ba6-9d8c-b82afa2813e7" providerId="ADAL" clId="{15B7086B-3090-4F95-83B0-C8960BA57E27}" dt="2024-02-21T21:40:46.479" v="1603" actId="26606"/>
+          <ac:spMkLst>
+            <pc:docMk/>
+            <pc:sldMk cId="2650574482" sldId="267"/>
+            <ac:spMk id="9" creationId="{B50AB553-2A96-4A92-96F2-93548E096954}"/>
+          </ac:spMkLst>
+        </pc:spChg>
+        <pc:graphicFrameChg chg="add mod modGraphic">
+          <ac:chgData name="Kenny Cheng-Fung" userId="be7fdb39-deda-4ba6-9d8c-b82afa2813e7" providerId="ADAL" clId="{15B7086B-3090-4F95-83B0-C8960BA57E27}" dt="2024-02-21T21:43:23.294" v="1608" actId="931"/>
+          <ac:graphicFrameMkLst>
+            <pc:docMk/>
+            <pc:sldMk cId="2650574482" sldId="267"/>
+            <ac:graphicFrameMk id="4" creationId="{269C7424-87E6-94E0-AA09-641E7ED21518}"/>
+          </ac:graphicFrameMkLst>
+        </pc:graphicFrameChg>
+        <pc:picChg chg="add mod">
+          <ac:chgData name="Kenny Cheng-Fung" userId="be7fdb39-deda-4ba6-9d8c-b82afa2813e7" providerId="ADAL" clId="{15B7086B-3090-4F95-83B0-C8960BA57E27}" dt="2024-02-21T21:44:21.276" v="1615" actId="1076"/>
+          <ac:picMkLst>
+            <pc:docMk/>
+            <pc:sldMk cId="2650574482" sldId="267"/>
+            <ac:picMk id="6" creationId="{74B1C895-66FE-19A3-4A15-009E58F2F205}"/>
+          </ac:picMkLst>
+        </pc:picChg>
+        <pc:picChg chg="add mod">
+          <ac:chgData name="Kenny Cheng-Fung" userId="be7fdb39-deda-4ba6-9d8c-b82afa2813e7" providerId="ADAL" clId="{15B7086B-3090-4F95-83B0-C8960BA57E27}" dt="2024-02-21T21:44:17.488" v="1614" actId="1076"/>
+          <ac:picMkLst>
+            <pc:docMk/>
+            <pc:sldMk cId="2650574482" sldId="267"/>
+            <ac:picMk id="8" creationId="{E80640A9-71D4-6DB2-9960-04BE731562E7}"/>
+          </ac:picMkLst>
+        </pc:picChg>
+        <pc:picChg chg="add mod">
+          <ac:chgData name="Kenny Cheng-Fung" userId="be7fdb39-deda-4ba6-9d8c-b82afa2813e7" providerId="ADAL" clId="{15B7086B-3090-4F95-83B0-C8960BA57E27}" dt="2024-02-21T21:44:55.956" v="1619" actId="1076"/>
+          <ac:picMkLst>
+            <pc:docMk/>
+            <pc:sldMk cId="2650574482" sldId="267"/>
+            <ac:picMk id="11" creationId="{611CA344-31E8-E32C-1B0D-A784CCE584F4}"/>
+          </ac:picMkLst>
+        </pc:picChg>
+        <pc:picChg chg="add mod">
+          <ac:chgData name="Kenny Cheng-Fung" userId="be7fdb39-deda-4ba6-9d8c-b82afa2813e7" providerId="ADAL" clId="{15B7086B-3090-4F95-83B0-C8960BA57E27}" dt="2024-02-21T21:44:51.699" v="1618" actId="1076"/>
+          <ac:picMkLst>
+            <pc:docMk/>
+            <pc:sldMk cId="2650574482" sldId="267"/>
+            <ac:picMk id="13" creationId="{CCD6867B-2EE4-E0AF-10D7-EE6E64D580F1}"/>
+          </ac:picMkLst>
+        </pc:picChg>
+      </pc:sldChg>
     </pc:docChg>
   </pc:docChgLst>
 </pc:chgInfo>
+</file>
+
+<file path=ppt/diagrams/colors1.xml><?xml version="1.0" encoding="utf-8"?>
+<dgm:colorsDef xmlns:dgm="http://schemas.openxmlformats.org/drawingml/2006/diagram" xmlns:a="http://schemas.openxmlformats.org/drawingml/2006/main" uniqueId="urn:microsoft.com/office/officeart/2005/8/colors/accent0_3">
+  <dgm:title val=""/>
+  <dgm:desc val=""/>
+  <dgm:catLst>
+    <dgm:cat type="mainScheme" pri="10300"/>
+  </dgm:catLst>
+  <dgm:styleLbl name="node0">
+    <dgm:fillClrLst meth="repeat">
+      <a:schemeClr val="dk2"/>
+    </dgm:fillClrLst>
+    <dgm:linClrLst meth="repeat">
+      <a:schemeClr val="lt2"/>
+    </dgm:linClrLst>
+    <dgm:effectClrLst/>
+    <dgm:txLinClrLst/>
+    <dgm:txFillClrLst/>
+    <dgm:txEffectClrLst/>
+  </dgm:styleLbl>
+  <dgm:styleLbl name="alignNode1">
+    <dgm:fillClrLst meth="repeat">
+      <a:schemeClr val="dk2"/>
+    </dgm:fillClrLst>
+    <dgm:linClrLst meth="repeat">
+      <a:schemeClr val="dk2"/>
+    </dgm:linClrLst>
+    <dgm:effectClrLst/>
+    <dgm:txLinClrLst/>
+    <dgm:txFillClrLst/>
+    <dgm:txEffectClrLst/>
+  </dgm:styleLbl>
+  <dgm:styleLbl name="node1">
+    <dgm:fillClrLst meth="repeat">
+      <a:schemeClr val="dk2"/>
+    </dgm:fillClrLst>
+    <dgm:linClrLst meth="repeat">
+      <a:schemeClr val="lt2"/>
+    </dgm:linClrLst>
+    <dgm:effectClrLst/>
+    <dgm:txLinClrLst/>
+    <dgm:txFillClrLst/>
+    <dgm:txEffectClrLst/>
+  </dgm:styleLbl>
+  <dgm:styleLbl name="lnNode1">
+    <dgm:fillClrLst meth="repeat">
+      <a:schemeClr val="dk2"/>
+    </dgm:fillClrLst>
+    <dgm:linClrLst meth="repeat">
+      <a:schemeClr val="lt2"/>
+    </dgm:linClrLst>
+    <dgm:effectClrLst/>
+    <dgm:txLinClrLst/>
+    <dgm:txFillClrLst/>
+    <dgm:txEffectClrLst/>
+  </dgm:styleLbl>
+  <dgm:styleLbl name="vennNode1">
+    <dgm:fillClrLst meth="repeat">
+      <a:schemeClr val="dk2">
+        <a:alpha val="50000"/>
+      </a:schemeClr>
+    </dgm:fillClrLst>
+    <dgm:linClrLst meth="repeat">
+      <a:schemeClr val="lt2"/>
+    </dgm:linClrLst>
+    <dgm:effectClrLst/>
+    <dgm:txLinClrLst/>
+    <dgm:txFillClrLst/>
+    <dgm:txEffectClrLst/>
+  </dgm:styleLbl>
+  <dgm:styleLbl name="node2">
+    <dgm:fillClrLst meth="repeat">
+      <a:schemeClr val="dk2"/>
+    </dgm:fillClrLst>
+    <dgm:linClrLst meth="repeat">
+      <a:schemeClr val="lt2"/>
+    </dgm:linClrLst>
+    <dgm:effectClrLst/>
+    <dgm:txLinClrLst/>
+    <dgm:txFillClrLst/>
+    <dgm:txEffectClrLst/>
+  </dgm:styleLbl>
+  <dgm:styleLbl name="node3">
+    <dgm:fillClrLst meth="repeat">
+      <a:schemeClr val="dk2"/>
+    </dgm:fillClrLst>
+    <dgm:linClrLst meth="repeat">
+      <a:schemeClr val="lt2"/>
+    </dgm:linClrLst>
+    <dgm:effectClrLst/>
+    <dgm:txLinClrLst/>
+    <dgm:txFillClrLst/>
+    <dgm:txEffectClrLst/>
+  </dgm:styleLbl>
+  <dgm:styleLbl name="node4">
+    <dgm:fillClrLst meth="repeat">
+      <a:schemeClr val="dk2"/>
+    </dgm:fillClrLst>
+    <dgm:linClrLst meth="repeat">
+      <a:schemeClr val="lt2"/>
+    </dgm:linClrLst>
+    <dgm:effectClrLst/>
+    <dgm:txLinClrLst/>
+    <dgm:txFillClrLst/>
+    <dgm:txEffectClrLst/>
+  </dgm:styleLbl>
+  <dgm:styleLbl name="fgImgPlace1">
+    <dgm:fillClrLst meth="repeat">
+      <a:schemeClr val="dk2">
+        <a:tint val="50000"/>
+      </a:schemeClr>
+    </dgm:fillClrLst>
+    <dgm:linClrLst meth="repeat">
+      <a:schemeClr val="lt2"/>
+    </dgm:linClrLst>
+    <dgm:effectClrLst/>
+    <dgm:txLinClrLst/>
+    <dgm:txFillClrLst meth="repeat">
+      <a:schemeClr val="lt2"/>
+    </dgm:txFillClrLst>
+    <dgm:txEffectClrLst/>
+  </dgm:styleLbl>
+  <dgm:styleLbl name="alignImgPlace1">
+    <dgm:fillClrLst meth="repeat">
+      <a:schemeClr val="dk2">
+        <a:tint val="50000"/>
+      </a:schemeClr>
+    </dgm:fillClrLst>
+    <dgm:linClrLst meth="repeat">
+      <a:schemeClr val="dk2">
+        <a:shade val="80000"/>
+      </a:schemeClr>
+    </dgm:linClrLst>
+    <dgm:effectClrLst/>
+    <dgm:txLinClrLst/>
+    <dgm:txFillClrLst meth="repeat">
+      <a:schemeClr val="lt2"/>
+    </dgm:txFillClrLst>
+    <dgm:txEffectClrLst/>
+  </dgm:styleLbl>
+  <dgm:styleLbl name="bgImgPlace1">
+    <dgm:fillClrLst meth="repeat">
+      <a:schemeClr val="dk2">
+        <a:tint val="50000"/>
+      </a:schemeClr>
+    </dgm:fillClrLst>
+    <dgm:linClrLst meth="repeat">
+      <a:schemeClr val="dk2">
+        <a:shade val="80000"/>
+      </a:schemeClr>
+    </dgm:linClrLst>
+    <dgm:effectClrLst/>
+    <dgm:txLinClrLst/>
+    <dgm:txFillClrLst meth="repeat">
+      <a:schemeClr val="lt2"/>
+    </dgm:txFillClrLst>
+    <dgm:txEffectClrLst/>
+  </dgm:styleLbl>
+  <dgm:styleLbl name="sibTrans2D1">
+    <dgm:fillClrLst meth="repeat">
+      <a:schemeClr val="dk2">
+        <a:tint val="60000"/>
+      </a:schemeClr>
+    </dgm:fillClrLst>
+    <dgm:linClrLst meth="repeat">
+      <a:schemeClr val="dk2">
+        <a:tint val="60000"/>
+      </a:schemeClr>
+    </dgm:linClrLst>
+    <dgm:effectClrLst/>
+    <dgm:txLinClrLst/>
+    <dgm:txFillClrLst/>
+    <dgm:txEffectClrLst/>
+  </dgm:styleLbl>
+  <dgm:styleLbl name="fgSibTrans2D1">
+    <dgm:fillClrLst meth="repeat">
+      <a:schemeClr val="dk2">
+        <a:tint val="60000"/>
+      </a:schemeClr>
+    </dgm:fillClrLst>
+    <dgm:linClrLst meth="repeat">
+      <a:schemeClr val="dk2">
+        <a:tint val="60000"/>
+      </a:schemeClr>
+    </dgm:linClrLst>
+    <dgm:effectClrLst/>
+    <dgm:txLinClrLst/>
+    <dgm:txFillClrLst/>
+    <dgm:txEffectClrLst/>
+  </dgm:styleLbl>
+  <dgm:styleLbl name="bgSibTrans2D1">
+    <dgm:fillClrLst meth="repeat">
+      <a:schemeClr val="dk2">
+        <a:tint val="60000"/>
+      </a:schemeClr>
+    </dgm:fillClrLst>
+    <dgm:linClrLst meth="repeat">
+      <a:schemeClr val="dk2">
+        <a:tint val="60000"/>
+      </a:schemeClr>
+    </dgm:linClrLst>
+    <dgm:effectClrLst/>
+    <dgm:txLinClrLst/>
+    <dgm:txFillClrLst/>
+    <dgm:txEffectClrLst/>
+  </dgm:styleLbl>
+  <dgm:styleLbl name="sibTrans1D1">
+    <dgm:fillClrLst meth="repeat">
+      <a:schemeClr val="dk2"/>
+    </dgm:fillClrLst>
+    <dgm:linClrLst meth="repeat">
+      <a:schemeClr val="dk2"/>
+    </dgm:linClrLst>
+    <dgm:effectClrLst/>
+    <dgm:txLinClrLst/>
+    <dgm:txFillClrLst meth="repeat">
+      <a:schemeClr val="lt2"/>
+    </dgm:txFillClrLst>
+    <dgm:txEffectClrLst/>
+  </dgm:styleLbl>
+  <dgm:styleLbl name="callout">
+    <dgm:fillClrLst meth="repeat">
+      <a:schemeClr val="dk2"/>
+    </dgm:fillClrLst>
+    <dgm:linClrLst meth="repeat">
+      <a:schemeClr val="dk2">
+        <a:tint val="50000"/>
+      </a:schemeClr>
+    </dgm:linClrLst>
+    <dgm:effectClrLst/>
+    <dgm:txLinClrLst/>
+    <dgm:txFillClrLst meth="repeat">
+      <a:schemeClr val="lt2"/>
+    </dgm:txFillClrLst>
+    <dgm:txEffectClrLst/>
+  </dgm:styleLbl>
+  <dgm:styleLbl name="asst0">
+    <dgm:fillClrLst meth="repeat">
+      <a:schemeClr val="dk2"/>
+    </dgm:fillClrLst>
+    <dgm:linClrLst meth="repeat">
+      <a:schemeClr val="lt2"/>
+    </dgm:linClrLst>
+    <dgm:effectClrLst/>
+    <dgm:txLinClrLst/>
+    <dgm:txFillClrLst/>
+    <dgm:txEffectClrLst/>
+  </dgm:styleLbl>
+  <dgm:styleLbl name="asst1">
+    <dgm:fillClrLst meth="repeat">
+      <a:schemeClr val="dk2"/>
+    </dgm:fillClrLst>
+    <dgm:linClrLst meth="repeat">
+      <a:schemeClr val="lt2"/>
+    </dgm:linClrLst>
+    <dgm:effectClrLst/>
+    <dgm:txLinClrLst/>
+    <dgm:txFillClrLst/>
+    <dgm:txEffectClrLst/>
+  </dgm:styleLbl>
+  <dgm:styleLbl name="asst2">
+    <dgm:fillClrLst meth="repeat">
+      <a:schemeClr val="dk2"/>
+    </dgm:fillClrLst>
+    <dgm:linClrLst meth="repeat">
+      <a:schemeClr val="lt2"/>
+    </dgm:linClrLst>
+    <dgm:effectClrLst/>
+    <dgm:txLinClrLst/>
+    <dgm:txFillClrLst/>
+    <dgm:txEffectClrLst/>
+  </dgm:styleLbl>
+  <dgm:styleLbl name="asst3">
+    <dgm:fillClrLst meth="repeat">
+      <a:schemeClr val="dk2"/>
+    </dgm:fillClrLst>
+    <dgm:linClrLst meth="repeat">
+      <a:schemeClr val="lt2"/>
+    </dgm:linClrLst>
+    <dgm:effectClrLst/>
+    <dgm:txLinClrLst/>
+    <dgm:txFillClrLst/>
+    <dgm:txEffectClrLst/>
+  </dgm:styleLbl>
+  <dgm:styleLbl name="asst4">
+    <dgm:fillClrLst meth="repeat">
+      <a:schemeClr val="dk2"/>
+    </dgm:fillClrLst>
+    <dgm:linClrLst meth="repeat">
+      <a:schemeClr val="lt2"/>
+    </dgm:linClrLst>
+    <dgm:effectClrLst/>
+    <dgm:txLinClrLst/>
+    <dgm:txFillClrLst/>
+    <dgm:txEffectClrLst/>
+  </dgm:styleLbl>
+  <dgm:styleLbl name="parChTrans2D1">
+    <dgm:fillClrLst meth="repeat">
+      <a:schemeClr val="dk2">
+        <a:tint val="60000"/>
+      </a:schemeClr>
+    </dgm:fillClrLst>
+    <dgm:linClrLst meth="repeat">
+      <a:schemeClr val="dk2">
+        <a:tint val="60000"/>
+      </a:schemeClr>
+    </dgm:linClrLst>
+    <dgm:effectClrLst/>
+    <dgm:txLinClrLst/>
+    <dgm:txFillClrLst meth="repeat">
+      <a:schemeClr val="lt2"/>
+    </dgm:txFillClrLst>
+    <dgm:txEffectClrLst/>
+  </dgm:styleLbl>
+  <dgm:styleLbl name="parChTrans2D2">
+    <dgm:fillClrLst meth="repeat">
+      <a:schemeClr val="dk2"/>
+    </dgm:fillClrLst>
+    <dgm:linClrLst meth="repeat">
+      <a:schemeClr val="dk2"/>
+    </dgm:linClrLst>
+    <dgm:effectClrLst/>
+    <dgm:txLinClrLst/>
+    <dgm:txFillClrLst meth="repeat">
+      <a:schemeClr val="lt2"/>
+    </dgm:txFillClrLst>
+    <dgm:txEffectClrLst/>
+  </dgm:styleLbl>
+  <dgm:styleLbl name="parChTrans2D3">
+    <dgm:fillClrLst meth="repeat">
+      <a:schemeClr val="dk2"/>
+    </dgm:fillClrLst>
+    <dgm:linClrLst meth="repeat">
+      <a:schemeClr val="dk2"/>
+    </dgm:linClrLst>
+    <dgm:effectClrLst/>
+    <dgm:txLinClrLst/>
+    <dgm:txFillClrLst meth="repeat">
+      <a:schemeClr val="lt2"/>
+    </dgm:txFillClrLst>
+    <dgm:txEffectClrLst/>
+  </dgm:styleLbl>
+  <dgm:styleLbl name="parChTrans2D4">
+    <dgm:fillClrLst meth="repeat">
+      <a:schemeClr val="dk2"/>
+    </dgm:fillClrLst>
+    <dgm:linClrLst meth="repeat">
+      <a:schemeClr val="dk2"/>
+    </dgm:linClrLst>
+    <dgm:effectClrLst/>
+    <dgm:txLinClrLst/>
+    <dgm:txFillClrLst meth="repeat">
+      <a:schemeClr val="lt2"/>
+    </dgm:txFillClrLst>
+    <dgm:txEffectClrLst/>
+  </dgm:styleLbl>
+  <dgm:styleLbl name="parChTrans1D1">
+    <dgm:fillClrLst meth="repeat">
+      <a:schemeClr val="dk2"/>
+    </dgm:fillClrLst>
+    <dgm:linClrLst meth="repeat">
+      <a:schemeClr val="dk2">
+        <a:shade val="60000"/>
+      </a:schemeClr>
+    </dgm:linClrLst>
+    <dgm:effectClrLst/>
+    <dgm:txLinClrLst/>
+    <dgm:txFillClrLst meth="repeat">
+      <a:schemeClr val="tx1"/>
+    </dgm:txFillClrLst>
+    <dgm:txEffectClrLst/>
+  </dgm:styleLbl>
+  <dgm:styleLbl name="parChTrans1D2">
+    <dgm:fillClrLst meth="repeat">
+      <a:schemeClr val="dk2"/>
+    </dgm:fillClrLst>
+    <dgm:linClrLst meth="repeat">
+      <a:schemeClr val="dk2">
+        <a:shade val="60000"/>
+      </a:schemeClr>
+    </dgm:linClrLst>
+    <dgm:effectClrLst/>
+    <dgm:txLinClrLst/>
+    <dgm:txFillClrLst meth="repeat">
+      <a:schemeClr val="tx1"/>
+    </dgm:txFillClrLst>
+    <dgm:txEffectClrLst/>
+  </dgm:styleLbl>
+  <dgm:styleLbl name="parChTrans1D3">
+    <dgm:fillClrLst meth="repeat">
+      <a:schemeClr val="dk2"/>
+    </dgm:fillClrLst>
+    <dgm:linClrLst meth="repeat">
+      <a:schemeClr val="dk2">
+        <a:shade val="80000"/>
+      </a:schemeClr>
+    </dgm:linClrLst>
+    <dgm:effectClrLst/>
+    <dgm:txLinClrLst/>
+    <dgm:txFillClrLst meth="repeat">
+      <a:schemeClr val="tx1"/>
+    </dgm:txFillClrLst>
+    <dgm:txEffectClrLst/>
+  </dgm:styleLbl>
+  <dgm:styleLbl name="parChTrans1D4">
+    <dgm:fillClrLst meth="repeat">
+      <a:schemeClr val="dk2"/>
+    </dgm:fillClrLst>
+    <dgm:linClrLst meth="repeat">
+      <a:schemeClr val="dk2">
+        <a:shade val="80000"/>
+      </a:schemeClr>
+    </dgm:linClrLst>
+    <dgm:effectClrLst/>
+    <dgm:txLinClrLst/>
+    <dgm:txFillClrLst meth="repeat">
+      <a:schemeClr val="tx1"/>
+    </dgm:txFillClrLst>
+    <dgm:txEffectClrLst/>
+  </dgm:styleLbl>
+  <dgm:styleLbl name="fgAcc1">
+    <dgm:fillClrLst meth="repeat">
+      <a:schemeClr val="lt2">
+        <a:alpha val="90000"/>
+      </a:schemeClr>
+    </dgm:fillClrLst>
+    <dgm:linClrLst meth="repeat">
+      <a:schemeClr val="dk2"/>
+    </dgm:linClrLst>
+    <dgm:effectClrLst/>
+    <dgm:txLinClrLst/>
+    <dgm:txFillClrLst meth="repeat">
+      <a:schemeClr val="dk1"/>
+    </dgm:txFillClrLst>
+    <dgm:txEffectClrLst/>
+  </dgm:styleLbl>
+  <dgm:styleLbl name="conFgAcc1">
+    <dgm:fillClrLst meth="repeat">
+      <a:schemeClr val="lt2">
+        <a:alpha val="90000"/>
+      </a:schemeClr>
+    </dgm:fillClrLst>
+    <dgm:linClrLst meth="repeat">
+      <a:schemeClr val="dk2"/>
+    </dgm:linClrLst>
+    <dgm:effectClrLst/>
+    <dgm:txLinClrLst/>
+    <dgm:txFillClrLst meth="repeat">
+      <a:schemeClr val="dk1"/>
+    </dgm:txFillClrLst>
+    <dgm:txEffectClrLst/>
+  </dgm:styleLbl>
+  <dgm:styleLbl name="alignAcc1">
+    <dgm:fillClrLst meth="repeat">
+      <a:schemeClr val="lt2">
+        <a:alpha val="90000"/>
+      </a:schemeClr>
+    </dgm:fillClrLst>
+    <dgm:linClrLst meth="repeat">
+      <a:schemeClr val="dk2"/>
+    </dgm:linClrLst>
+    <dgm:effectClrLst/>
+    <dgm:txLinClrLst/>
+    <dgm:txFillClrLst meth="repeat">
+      <a:schemeClr val="dk1"/>
+    </dgm:txFillClrLst>
+    <dgm:txEffectClrLst/>
+  </dgm:styleLbl>
+  <dgm:styleLbl name="trAlignAcc1">
+    <dgm:fillClrLst meth="repeat">
+      <a:schemeClr val="lt2">
+        <a:alpha val="40000"/>
+      </a:schemeClr>
+    </dgm:fillClrLst>
+    <dgm:linClrLst meth="repeat">
+      <a:schemeClr val="dk2"/>
+    </dgm:linClrLst>
+    <dgm:effectClrLst/>
+    <dgm:txLinClrLst/>
+    <dgm:txFillClrLst meth="repeat">
+      <a:schemeClr val="dk1"/>
+    </dgm:txFillClrLst>
+    <dgm:txEffectClrLst/>
+  </dgm:styleLbl>
+  <dgm:styleLbl name="bgAcc1">
+    <dgm:fillClrLst meth="repeat">
+      <a:schemeClr val="lt2">
+        <a:alpha val="90000"/>
+      </a:schemeClr>
+    </dgm:fillClrLst>
+    <dgm:linClrLst meth="repeat">
+      <a:schemeClr val="dk2"/>
+    </dgm:linClrLst>
+    <dgm:effectClrLst/>
+    <dgm:txLinClrLst/>
+    <dgm:txFillClrLst meth="repeat">
+      <a:schemeClr val="dk1"/>
+    </dgm:txFillClrLst>
+    <dgm:txEffectClrLst/>
+  </dgm:styleLbl>
+  <dgm:styleLbl name="solidFgAcc1">
+    <dgm:fillClrLst meth="repeat">
+      <a:schemeClr val="lt2"/>
+    </dgm:fillClrLst>
+    <dgm:linClrLst meth="repeat">
+      <a:schemeClr val="dk2"/>
+    </dgm:linClrLst>
+    <dgm:effectClrLst/>
+    <dgm:txLinClrLst/>
+    <dgm:txFillClrLst meth="repeat">
+      <a:schemeClr val="dk1"/>
+    </dgm:txFillClrLst>
+    <dgm:txEffectClrLst/>
+  </dgm:styleLbl>
+  <dgm:styleLbl name="solidAlignAcc1">
+    <dgm:fillClrLst meth="repeat">
+      <a:schemeClr val="lt2"/>
+    </dgm:fillClrLst>
+    <dgm:linClrLst meth="repeat">
+      <a:schemeClr val="dk2"/>
+    </dgm:linClrLst>
+    <dgm:effectClrLst/>
+    <dgm:txLinClrLst/>
+    <dgm:txFillClrLst meth="repeat">
+      <a:schemeClr val="dk1"/>
+    </dgm:txFillClrLst>
+    <dgm:txEffectClrLst/>
+  </dgm:styleLbl>
+  <dgm:styleLbl name="solidBgAcc1">
+    <dgm:fillClrLst meth="repeat">
+      <a:schemeClr val="lt2"/>
+    </dgm:fillClrLst>
+    <dgm:linClrLst meth="repeat">
+      <a:schemeClr val="dk2"/>
+    </dgm:linClrLst>
+    <dgm:effectClrLst/>
+    <dgm:txLinClrLst/>
+    <dgm:txFillClrLst meth="repeat">
+      <a:schemeClr val="dk1"/>
+    </dgm:txFillClrLst>
+    <dgm:txEffectClrLst/>
+  </dgm:styleLbl>
+  <dgm:styleLbl name="fgAccFollowNode1">
+    <dgm:fillClrLst meth="repeat">
+      <a:schemeClr val="dk2">
+        <a:alpha val="90000"/>
+        <a:tint val="40000"/>
+      </a:schemeClr>
+    </dgm:fillClrLst>
+    <dgm:linClrLst meth="repeat">
+      <a:schemeClr val="dk2">
+        <a:alpha val="90000"/>
+        <a:tint val="40000"/>
+      </a:schemeClr>
+    </dgm:linClrLst>
+    <dgm:effectClrLst/>
+    <dgm:txLinClrLst/>
+    <dgm:txFillClrLst meth="repeat">
+      <a:schemeClr val="dk1"/>
+    </dgm:txFillClrLst>
+    <dgm:txEffectClrLst/>
+  </dgm:styleLbl>
+  <dgm:styleLbl name="alignAccFollowNode1">
+    <dgm:fillClrLst meth="repeat">
+      <a:schemeClr val="dk2">
+        <a:alpha val="90000"/>
+        <a:tint val="40000"/>
+      </a:schemeClr>
+    </dgm:fillClrLst>
+    <dgm:linClrLst meth="repeat">
+      <a:schemeClr val="dk2">
+        <a:alpha val="90000"/>
+        <a:tint val="40000"/>
+      </a:schemeClr>
+    </dgm:linClrLst>
+    <dgm:effectClrLst/>
+    <dgm:txLinClrLst/>
+    <dgm:txFillClrLst meth="repeat">
+      <a:schemeClr val="dk1"/>
+    </dgm:txFillClrLst>
+    <dgm:txEffectClrLst/>
+  </dgm:styleLbl>
+  <dgm:styleLbl name="bgAccFollowNode1">
+    <dgm:fillClrLst meth="repeat">
+      <a:schemeClr val="dk2">
+        <a:alpha val="90000"/>
+        <a:tint val="40000"/>
+      </a:schemeClr>
+    </dgm:fillClrLst>
+    <dgm:linClrLst meth="repeat">
+      <a:schemeClr val="dk2">
+        <a:alpha val="90000"/>
+        <a:tint val="40000"/>
+      </a:schemeClr>
+    </dgm:linClrLst>
+    <dgm:effectClrLst/>
+    <dgm:txLinClrLst/>
+    <dgm:txFillClrLst meth="repeat">
+      <a:schemeClr val="dk1"/>
+    </dgm:txFillClrLst>
+    <dgm:txEffectClrLst/>
+  </dgm:styleLbl>
+  <dgm:styleLbl name="fgAcc0">
+    <dgm:fillClrLst meth="repeat">
+      <a:schemeClr val="lt2">
+        <a:alpha val="90000"/>
+      </a:schemeClr>
+    </dgm:fillClrLst>
+    <dgm:linClrLst meth="repeat">
+      <a:schemeClr val="dk2"/>
+    </dgm:linClrLst>
+    <dgm:effectClrLst/>
+    <dgm:txLinClrLst/>
+    <dgm:txFillClrLst meth="repeat">
+      <a:schemeClr val="dk1"/>
+    </dgm:txFillClrLst>
+    <dgm:txEffectClrLst/>
+  </dgm:styleLbl>
+  <dgm:styleLbl name="fgAcc2">
+    <dgm:fillClrLst meth="repeat">
+      <a:schemeClr val="lt2">
+        <a:alpha val="90000"/>
+      </a:schemeClr>
+    </dgm:fillClrLst>
+    <dgm:linClrLst meth="repeat">
+      <a:schemeClr val="dk2"/>
+    </dgm:linClrLst>
+    <dgm:effectClrLst/>
+    <dgm:txLinClrLst/>
+    <dgm:txFillClrLst meth="repeat">
+      <a:schemeClr val="dk1"/>
+    </dgm:txFillClrLst>
+    <dgm:txEffectClrLst/>
+  </dgm:styleLbl>
+  <dgm:styleLbl name="fgAcc3">
+    <dgm:fillClrLst meth="repeat">
+      <a:schemeClr val="lt2">
+        <a:alpha val="90000"/>
+      </a:schemeClr>
+    </dgm:fillClrLst>
+    <dgm:linClrLst meth="repeat">
+      <a:schemeClr val="dk2"/>
+    </dgm:linClrLst>
+    <dgm:effectClrLst/>
+    <dgm:txLinClrLst/>
+    <dgm:txFillClrLst meth="repeat">
+      <a:schemeClr val="dk1"/>
+    </dgm:txFillClrLst>
+    <dgm:txEffectClrLst/>
+  </dgm:styleLbl>
+  <dgm:styleLbl name="fgAcc4">
+    <dgm:fillClrLst meth="repeat">
+      <a:schemeClr val="lt2">
+        <a:alpha val="90000"/>
+      </a:schemeClr>
+    </dgm:fillClrLst>
+    <dgm:linClrLst meth="repeat">
+      <a:schemeClr val="dk2"/>
+    </dgm:linClrLst>
+    <dgm:effectClrLst/>
+    <dgm:txLinClrLst/>
+    <dgm:txFillClrLst meth="repeat">
+      <a:schemeClr val="dk1"/>
+    </dgm:txFillClrLst>
+    <dgm:txEffectClrLst/>
+  </dgm:styleLbl>
+  <dgm:styleLbl name="bgShp">
+    <dgm:fillClrLst meth="repeat">
+      <a:schemeClr val="dk2">
+        <a:tint val="40000"/>
+      </a:schemeClr>
+    </dgm:fillClrLst>
+    <dgm:linClrLst meth="repeat">
+      <a:schemeClr val="dk2"/>
+    </dgm:linClrLst>
+    <dgm:effectClrLst/>
+    <dgm:txLinClrLst/>
+    <dgm:txFillClrLst meth="repeat">
+      <a:schemeClr val="dk1"/>
+    </dgm:txFillClrLst>
+    <dgm:txEffectClrLst/>
+  </dgm:styleLbl>
+  <dgm:styleLbl name="dkBgShp">
+    <dgm:fillClrLst meth="repeat">
+      <a:schemeClr val="dk2">
+        <a:shade val="80000"/>
+      </a:schemeClr>
+    </dgm:fillClrLst>
+    <dgm:linClrLst meth="repeat">
+      <a:schemeClr val="dk2"/>
+    </dgm:linClrLst>
+    <dgm:effectClrLst/>
+    <dgm:txLinClrLst/>
+    <dgm:txFillClrLst meth="repeat">
+      <a:schemeClr val="lt1"/>
+    </dgm:txFillClrLst>
+    <dgm:txEffectClrLst/>
+  </dgm:styleLbl>
+  <dgm:styleLbl name="trBgShp">
+    <dgm:fillClrLst meth="repeat">
+      <a:schemeClr val="dk2">
+        <a:tint val="50000"/>
+        <a:alpha val="40000"/>
+      </a:schemeClr>
+    </dgm:fillClrLst>
+    <dgm:linClrLst meth="repeat">
+      <a:schemeClr val="dk2"/>
+    </dgm:linClrLst>
+    <dgm:effectClrLst/>
+    <dgm:txLinClrLst/>
+    <dgm:txFillClrLst meth="repeat">
+      <a:schemeClr val="lt1"/>
+    </dgm:txFillClrLst>
+    <dgm:txEffectClrLst/>
+  </dgm:styleLbl>
+  <dgm:styleLbl name="fgShp">
+    <dgm:fillClrLst meth="repeat">
+      <a:schemeClr val="dk2">
+        <a:tint val="60000"/>
+      </a:schemeClr>
+    </dgm:fillClrLst>
+    <dgm:linClrLst meth="repeat">
+      <a:schemeClr val="lt2"/>
+    </dgm:linClrLst>
+    <dgm:effectClrLst/>
+    <dgm:txLinClrLst/>
+    <dgm:txFillClrLst meth="repeat">
+      <a:schemeClr val="dk1"/>
+    </dgm:txFillClrLst>
+    <dgm:txEffectClrLst/>
+  </dgm:styleLbl>
+  <dgm:styleLbl name="revTx">
+    <dgm:fillClrLst meth="repeat">
+      <a:schemeClr val="lt2">
+        <a:alpha val="0"/>
+      </a:schemeClr>
+    </dgm:fillClrLst>
+    <dgm:linClrLst meth="repeat">
+      <a:schemeClr val="dk1">
+        <a:alpha val="0"/>
+      </a:schemeClr>
+    </dgm:linClrLst>
+    <dgm:effectClrLst/>
+    <dgm:txLinClrLst/>
+    <dgm:txFillClrLst meth="repeat">
+      <a:schemeClr val="tx1"/>
+    </dgm:txFillClrLst>
+    <dgm:txEffectClrLst/>
+  </dgm:styleLbl>
+</dgm:colorsDef>
+</file>
+
+<file path=ppt/diagrams/data1.xml><?xml version="1.0" encoding="utf-8"?>
+<dgm:dataModel xmlns:dgm="http://schemas.openxmlformats.org/drawingml/2006/diagram" xmlns:a="http://schemas.openxmlformats.org/drawingml/2006/main">
+  <dgm:ptLst>
+    <dgm:pt modelId="{C8D7036B-8692-44DA-9260-D3B979C1BAD0}" type="doc">
+      <dgm:prSet loTypeId="urn:microsoft.com/office/officeart/2005/8/layout/hProcess4" loCatId="process" qsTypeId="urn:microsoft.com/office/officeart/2005/8/quickstyle/simple4" qsCatId="simple" csTypeId="urn:microsoft.com/office/officeart/2005/8/colors/accent0_3" csCatId="mainScheme" phldr="1"/>
+      <dgm:spPr/>
+      <dgm:t>
+        <a:bodyPr/>
+        <a:lstStyle/>
+        <a:p>
+          <a:endParaRPr lang="en-US"/>
+        </a:p>
+      </dgm:t>
+    </dgm:pt>
+    <dgm:pt modelId="{D7525DD9-C1F1-494F-9BF5-0517396E9967}">
+      <dgm:prSet phldrT="[Text]"/>
+      <dgm:spPr/>
+      <dgm:t>
+        <a:bodyPr/>
+        <a:lstStyle/>
+        <a:p>
+          <a:r>
+            <a:rPr lang="en-US" dirty="0">
+              <a:latin typeface="Ubuntu" panose="020B0504030602030204" pitchFamily="34" charset="0"/>
+            </a:rPr>
+            <a:t>User</a:t>
+          </a:r>
+        </a:p>
+      </dgm:t>
+    </dgm:pt>
+    <dgm:pt modelId="{D9CFD993-3AB4-4582-97A7-859F989E16BC}" type="parTrans" cxnId="{0963C0D9-CCA2-4D4E-9C7E-A8AA8C719F00}">
+      <dgm:prSet/>
+      <dgm:spPr/>
+      <dgm:t>
+        <a:bodyPr/>
+        <a:lstStyle/>
+        <a:p>
+          <a:endParaRPr lang="en-US"/>
+        </a:p>
+      </dgm:t>
+    </dgm:pt>
+    <dgm:pt modelId="{CD7F3329-C06D-455D-997E-BD0B30079BA8}" type="sibTrans" cxnId="{0963C0D9-CCA2-4D4E-9C7E-A8AA8C719F00}">
+      <dgm:prSet/>
+      <dgm:spPr/>
+      <dgm:t>
+        <a:bodyPr/>
+        <a:lstStyle/>
+        <a:p>
+          <a:endParaRPr lang="en-US">
+            <a:latin typeface="Ubuntu" panose="020B0504030602030204" pitchFamily="34" charset="0"/>
+          </a:endParaRPr>
+        </a:p>
+      </dgm:t>
+    </dgm:pt>
+    <dgm:pt modelId="{51C93813-1431-4F94-BED9-0BE0CBFE7B2D}">
+      <dgm:prSet phldrT="[Text]"/>
+      <dgm:spPr/>
+      <dgm:t>
+        <a:bodyPr/>
+        <a:lstStyle/>
+        <a:p>
+          <a:r>
+            <a:rPr lang="en-US" dirty="0">
+              <a:latin typeface="Ubuntu" panose="020B0504030602030204" pitchFamily="34" charset="0"/>
+            </a:rPr>
+            <a:t>Animals</a:t>
+          </a:r>
+        </a:p>
+      </dgm:t>
+    </dgm:pt>
+    <dgm:pt modelId="{A47586B3-297A-4491-B7AE-6BDAAF316A1D}" type="parTrans" cxnId="{F3D3E1DB-9B2A-4A53-854A-E973EC685D16}">
+      <dgm:prSet/>
+      <dgm:spPr/>
+      <dgm:t>
+        <a:bodyPr/>
+        <a:lstStyle/>
+        <a:p>
+          <a:endParaRPr lang="en-US"/>
+        </a:p>
+      </dgm:t>
+    </dgm:pt>
+    <dgm:pt modelId="{1EFBF2AD-C618-4009-BAA6-FD6A6A0B9390}" type="sibTrans" cxnId="{F3D3E1DB-9B2A-4A53-854A-E973EC685D16}">
+      <dgm:prSet/>
+      <dgm:spPr/>
+      <dgm:t>
+        <a:bodyPr/>
+        <a:lstStyle/>
+        <a:p>
+          <a:endParaRPr lang="en-US">
+            <a:latin typeface="Ubuntu" panose="020B0504030602030204" pitchFamily="34" charset="0"/>
+          </a:endParaRPr>
+        </a:p>
+      </dgm:t>
+    </dgm:pt>
+    <dgm:pt modelId="{65B38454-87F3-4AED-87C9-A99D43485B02}">
+      <dgm:prSet phldrT="[Text]"/>
+      <dgm:spPr/>
+      <dgm:t>
+        <a:bodyPr/>
+        <a:lstStyle/>
+        <a:p>
+          <a:r>
+            <a:rPr lang="en-US" dirty="0">
+              <a:latin typeface="Ubuntu" panose="020B0504030602030204" pitchFamily="34" charset="0"/>
+            </a:rPr>
+            <a:t>Medications</a:t>
+          </a:r>
+        </a:p>
+      </dgm:t>
+    </dgm:pt>
+    <dgm:pt modelId="{9F28F590-52FA-4BEB-B50C-20271A42AAD6}" type="parTrans" cxnId="{89FF397F-E7C4-4CDA-9734-02D0E4524FF7}">
+      <dgm:prSet/>
+      <dgm:spPr/>
+      <dgm:t>
+        <a:bodyPr/>
+        <a:lstStyle/>
+        <a:p>
+          <a:endParaRPr lang="en-US"/>
+        </a:p>
+      </dgm:t>
+    </dgm:pt>
+    <dgm:pt modelId="{6D6E3EC7-9721-4B9D-AD7A-39EEC146BACE}" type="sibTrans" cxnId="{89FF397F-E7C4-4CDA-9734-02D0E4524FF7}">
+      <dgm:prSet/>
+      <dgm:spPr/>
+      <dgm:t>
+        <a:bodyPr/>
+        <a:lstStyle/>
+        <a:p>
+          <a:endParaRPr lang="en-US"/>
+        </a:p>
+      </dgm:t>
+    </dgm:pt>
+    <dgm:pt modelId="{5A27EB71-5975-4D1F-A35E-BE9F0AD108B7}">
+      <dgm:prSet phldrT="[Text]"/>
+      <dgm:spPr/>
+      <dgm:t>
+        <a:bodyPr/>
+        <a:lstStyle/>
+        <a:p>
+          <a:r>
+            <a:rPr lang="en-US" dirty="0">
+              <a:latin typeface="Ubuntu" panose="020B0504030602030204" pitchFamily="34" charset="0"/>
+            </a:rPr>
+            <a:t>Authentication</a:t>
+          </a:r>
+        </a:p>
+      </dgm:t>
+    </dgm:pt>
+    <dgm:pt modelId="{9192C573-A398-4639-92EF-D59D6F5EA853}" type="parTrans" cxnId="{9452D4DA-1813-4273-9B96-8C28C562D686}">
+      <dgm:prSet/>
+      <dgm:spPr/>
+      <dgm:t>
+        <a:bodyPr/>
+        <a:lstStyle/>
+        <a:p>
+          <a:endParaRPr lang="en-US"/>
+        </a:p>
+      </dgm:t>
+    </dgm:pt>
+    <dgm:pt modelId="{B81E081C-98D6-430C-A09E-B8ACBCF9E8AB}" type="sibTrans" cxnId="{9452D4DA-1813-4273-9B96-8C28C562D686}">
+      <dgm:prSet/>
+      <dgm:spPr/>
+      <dgm:t>
+        <a:bodyPr/>
+        <a:lstStyle/>
+        <a:p>
+          <a:endParaRPr lang="en-US">
+            <a:latin typeface="Ubuntu" panose="020B0504030602030204" pitchFamily="34" charset="0"/>
+          </a:endParaRPr>
+        </a:p>
+      </dgm:t>
+    </dgm:pt>
+    <dgm:pt modelId="{9CE53A99-E08F-4441-9AFE-8779531D1FE9}">
+      <dgm:prSet phldrT="[Text]"/>
+      <dgm:spPr/>
+      <dgm:t>
+        <a:bodyPr/>
+        <a:lstStyle/>
+        <a:p>
+          <a:r>
+            <a:rPr lang="en-US" dirty="0">
+              <a:latin typeface="Ubuntu" panose="020B0504030602030204" pitchFamily="34" charset="0"/>
+            </a:rPr>
+            <a:t>Registration</a:t>
+          </a:r>
+        </a:p>
+      </dgm:t>
+    </dgm:pt>
+    <dgm:pt modelId="{B09E42D9-A0D6-4E92-BEF9-F7DE98135037}" type="parTrans" cxnId="{BD838070-744D-46C8-AF47-E90F92B88FEA}">
+      <dgm:prSet/>
+      <dgm:spPr/>
+      <dgm:t>
+        <a:bodyPr/>
+        <a:lstStyle/>
+        <a:p>
+          <a:endParaRPr lang="en-US"/>
+        </a:p>
+      </dgm:t>
+    </dgm:pt>
+    <dgm:pt modelId="{5B3F9091-47C0-4B46-8E33-41661E0E3C4A}" type="sibTrans" cxnId="{BD838070-744D-46C8-AF47-E90F92B88FEA}">
+      <dgm:prSet/>
+      <dgm:spPr/>
+      <dgm:t>
+        <a:bodyPr/>
+        <a:lstStyle/>
+        <a:p>
+          <a:endParaRPr lang="en-US">
+            <a:latin typeface="Ubuntu" panose="020B0504030602030204" pitchFamily="34" charset="0"/>
+          </a:endParaRPr>
+        </a:p>
+      </dgm:t>
+    </dgm:pt>
+    <dgm:pt modelId="{93031DE8-5558-4255-9FE1-608C12EC808C}">
+      <dgm:prSet phldrT="[Text]" custT="1"/>
+      <dgm:spPr/>
+      <dgm:t>
+        <a:bodyPr/>
+        <a:lstStyle/>
+        <a:p>
+          <a:r>
+            <a:rPr lang="en-US" sz="2000" dirty="0">
+              <a:latin typeface="Ubuntu" panose="020B0504030602030204" pitchFamily="34" charset="0"/>
+            </a:rPr>
+            <a:t>Authority</a:t>
+          </a:r>
+        </a:p>
+      </dgm:t>
+    </dgm:pt>
+    <dgm:pt modelId="{14878F10-56EC-4A82-8167-8A1C1B62EF38}" type="parTrans" cxnId="{58FAF2F1-0BD8-4739-AD15-09F02EF3B842}">
+      <dgm:prSet/>
+      <dgm:spPr/>
+      <dgm:t>
+        <a:bodyPr/>
+        <a:lstStyle/>
+        <a:p>
+          <a:endParaRPr lang="en-US"/>
+        </a:p>
+      </dgm:t>
+    </dgm:pt>
+    <dgm:pt modelId="{54F9D233-56AC-49E9-B95B-87F1EC34A202}" type="sibTrans" cxnId="{58FAF2F1-0BD8-4739-AD15-09F02EF3B842}">
+      <dgm:prSet/>
+      <dgm:spPr/>
+      <dgm:t>
+        <a:bodyPr/>
+        <a:lstStyle/>
+        <a:p>
+          <a:endParaRPr lang="en-US"/>
+        </a:p>
+      </dgm:t>
+    </dgm:pt>
+    <dgm:pt modelId="{8AB14A30-CF55-41A4-8458-16AFE6AD51B0}">
+      <dgm:prSet phldrT="[Text]" custT="1"/>
+      <dgm:spPr/>
+      <dgm:t>
+        <a:bodyPr/>
+        <a:lstStyle/>
+        <a:p>
+          <a:r>
+            <a:rPr lang="en-US" sz="2000" dirty="0">
+              <a:latin typeface="Ubuntu" panose="020B0504030602030204" pitchFamily="34" charset="0"/>
+            </a:rPr>
+            <a:t>Role</a:t>
+          </a:r>
+        </a:p>
+      </dgm:t>
+    </dgm:pt>
+    <dgm:pt modelId="{E1EA98A8-AE4B-4C0E-848B-4947EA1B0EBC}" type="parTrans" cxnId="{26F95EA0-FE45-4F12-AD5F-06D08E9BEDE6}">
+      <dgm:prSet/>
+      <dgm:spPr/>
+      <dgm:t>
+        <a:bodyPr/>
+        <a:lstStyle/>
+        <a:p>
+          <a:endParaRPr lang="en-US"/>
+        </a:p>
+      </dgm:t>
+    </dgm:pt>
+    <dgm:pt modelId="{1EFE8D6F-246F-49D0-92DF-536F61D7C4DE}" type="sibTrans" cxnId="{26F95EA0-FE45-4F12-AD5F-06D08E9BEDE6}">
+      <dgm:prSet/>
+      <dgm:spPr/>
+      <dgm:t>
+        <a:bodyPr/>
+        <a:lstStyle/>
+        <a:p>
+          <a:endParaRPr lang="en-US"/>
+        </a:p>
+      </dgm:t>
+    </dgm:pt>
+    <dgm:pt modelId="{77B6F95C-0BE2-4571-BA15-8F33702B5047}">
+      <dgm:prSet phldrT="[Text]" custT="1"/>
+      <dgm:spPr/>
+      <dgm:t>
+        <a:bodyPr/>
+        <a:lstStyle/>
+        <a:p>
+          <a:r>
+            <a:rPr lang="en-US" sz="2000" dirty="0">
+              <a:latin typeface="Ubuntu" panose="020B0504030602030204" pitchFamily="34" charset="0"/>
+            </a:rPr>
+            <a:t>User role by default</a:t>
+          </a:r>
+        </a:p>
+      </dgm:t>
+    </dgm:pt>
+    <dgm:pt modelId="{8A88F50F-0B72-4D64-B85A-BCDF02E247A1}" type="parTrans" cxnId="{7E1F5286-B1BF-4744-83E3-970FE5070808}">
+      <dgm:prSet/>
+      <dgm:spPr/>
+      <dgm:t>
+        <a:bodyPr/>
+        <a:lstStyle/>
+        <a:p>
+          <a:endParaRPr lang="en-US"/>
+        </a:p>
+      </dgm:t>
+    </dgm:pt>
+    <dgm:pt modelId="{5DA0B32B-18BE-4B08-8BC1-674303CF6680}" type="sibTrans" cxnId="{7E1F5286-B1BF-4744-83E3-970FE5070808}">
+      <dgm:prSet/>
+      <dgm:spPr/>
+      <dgm:t>
+        <a:bodyPr/>
+        <a:lstStyle/>
+        <a:p>
+          <a:endParaRPr lang="en-US"/>
+        </a:p>
+      </dgm:t>
+    </dgm:pt>
+    <dgm:pt modelId="{F5244544-561C-40F8-90AF-1E29AC72BB69}">
+      <dgm:prSet phldrT="[Text]" custT="1"/>
+      <dgm:spPr/>
+      <dgm:t>
+        <a:bodyPr/>
+        <a:lstStyle/>
+        <a:p>
+          <a:r>
+            <a:rPr lang="en-US" sz="2000" dirty="0">
+              <a:latin typeface="Ubuntu" panose="020B0504030602030204" pitchFamily="34" charset="0"/>
+            </a:rPr>
+            <a:t>Is this the same person?</a:t>
+          </a:r>
+        </a:p>
+      </dgm:t>
+    </dgm:pt>
+    <dgm:pt modelId="{E8E5A778-21AD-46EF-9E92-CB28F15BC2A0}" type="parTrans" cxnId="{E72B9961-5794-48EF-99E2-5BE3AEF062AD}">
+      <dgm:prSet/>
+      <dgm:spPr/>
+      <dgm:t>
+        <a:bodyPr/>
+        <a:lstStyle/>
+        <a:p>
+          <a:endParaRPr lang="en-US"/>
+        </a:p>
+      </dgm:t>
+    </dgm:pt>
+    <dgm:pt modelId="{FD97B12E-F76C-4F38-A7B8-B38B3020C7DE}" type="sibTrans" cxnId="{E72B9961-5794-48EF-99E2-5BE3AEF062AD}">
+      <dgm:prSet/>
+      <dgm:spPr/>
+      <dgm:t>
+        <a:bodyPr/>
+        <a:lstStyle/>
+        <a:p>
+          <a:endParaRPr lang="en-US"/>
+        </a:p>
+      </dgm:t>
+    </dgm:pt>
+    <dgm:pt modelId="{183BB320-E9DC-43A6-9CE1-CDFEF2B013D1}" type="pres">
+      <dgm:prSet presAssocID="{C8D7036B-8692-44DA-9260-D3B979C1BAD0}" presName="Name0" presStyleCnt="0">
+        <dgm:presLayoutVars>
+          <dgm:dir/>
+          <dgm:animLvl val="lvl"/>
+          <dgm:resizeHandles val="exact"/>
+        </dgm:presLayoutVars>
+      </dgm:prSet>
+      <dgm:spPr/>
+    </dgm:pt>
+    <dgm:pt modelId="{F130B238-F372-4045-841D-F635B4A70815}" type="pres">
+      <dgm:prSet presAssocID="{C8D7036B-8692-44DA-9260-D3B979C1BAD0}" presName="tSp" presStyleCnt="0"/>
+      <dgm:spPr/>
+    </dgm:pt>
+    <dgm:pt modelId="{B92782DD-77C2-4234-9A74-77CFE2916EA0}" type="pres">
+      <dgm:prSet presAssocID="{C8D7036B-8692-44DA-9260-D3B979C1BAD0}" presName="bSp" presStyleCnt="0"/>
+      <dgm:spPr/>
+    </dgm:pt>
+    <dgm:pt modelId="{DDB05CBF-00D0-4A6D-B3A9-795775BA10EA}" type="pres">
+      <dgm:prSet presAssocID="{C8D7036B-8692-44DA-9260-D3B979C1BAD0}" presName="process" presStyleCnt="0"/>
+      <dgm:spPr/>
+    </dgm:pt>
+    <dgm:pt modelId="{9925DFC1-B57B-481C-B05F-3540DC52CE1C}" type="pres">
+      <dgm:prSet presAssocID="{9CE53A99-E08F-4441-9AFE-8779531D1FE9}" presName="composite1" presStyleCnt="0"/>
+      <dgm:spPr/>
+    </dgm:pt>
+    <dgm:pt modelId="{839F99B4-6667-40A0-85EE-333A5B09231E}" type="pres">
+      <dgm:prSet presAssocID="{9CE53A99-E08F-4441-9AFE-8779531D1FE9}" presName="dummyNode1" presStyleLbl="node1" presStyleIdx="0" presStyleCnt="5"/>
+      <dgm:spPr/>
+    </dgm:pt>
+    <dgm:pt modelId="{A5908681-85A0-4D08-9E82-84608752AEB9}" type="pres">
+      <dgm:prSet presAssocID="{9CE53A99-E08F-4441-9AFE-8779531D1FE9}" presName="childNode1" presStyleLbl="bgAcc1" presStyleIdx="0" presStyleCnt="5">
+        <dgm:presLayoutVars>
+          <dgm:bulletEnabled val="1"/>
+        </dgm:presLayoutVars>
+      </dgm:prSet>
+      <dgm:spPr/>
+    </dgm:pt>
+    <dgm:pt modelId="{AA0D3559-ED73-45F8-8FA3-3B893624D496}" type="pres">
+      <dgm:prSet presAssocID="{9CE53A99-E08F-4441-9AFE-8779531D1FE9}" presName="childNode1tx" presStyleLbl="bgAcc1" presStyleIdx="0" presStyleCnt="5">
+        <dgm:presLayoutVars>
+          <dgm:bulletEnabled val="1"/>
+        </dgm:presLayoutVars>
+      </dgm:prSet>
+      <dgm:spPr/>
+    </dgm:pt>
+    <dgm:pt modelId="{BCFECBE7-4E4F-47A7-BB37-399C0E576331}" type="pres">
+      <dgm:prSet presAssocID="{9CE53A99-E08F-4441-9AFE-8779531D1FE9}" presName="parentNode1" presStyleLbl="node1" presStyleIdx="0" presStyleCnt="5">
+        <dgm:presLayoutVars>
+          <dgm:chMax val="1"/>
+          <dgm:bulletEnabled val="1"/>
+        </dgm:presLayoutVars>
+      </dgm:prSet>
+      <dgm:spPr/>
+    </dgm:pt>
+    <dgm:pt modelId="{D32EFBC1-12C8-4DF4-B06A-BC75F848FC14}" type="pres">
+      <dgm:prSet presAssocID="{9CE53A99-E08F-4441-9AFE-8779531D1FE9}" presName="connSite1" presStyleCnt="0"/>
+      <dgm:spPr/>
+    </dgm:pt>
+    <dgm:pt modelId="{D8B9F6EC-9C48-474D-A2A5-FFD6B67AEB5A}" type="pres">
+      <dgm:prSet presAssocID="{5B3F9091-47C0-4B46-8E33-41661E0E3C4A}" presName="Name9" presStyleLbl="sibTrans2D1" presStyleIdx="0" presStyleCnt="4"/>
+      <dgm:spPr/>
+    </dgm:pt>
+    <dgm:pt modelId="{6D0D5408-7681-4CF1-B3EE-358B64E98BC1}" type="pres">
+      <dgm:prSet presAssocID="{5A27EB71-5975-4D1F-A35E-BE9F0AD108B7}" presName="composite2" presStyleCnt="0"/>
+      <dgm:spPr/>
+    </dgm:pt>
+    <dgm:pt modelId="{10E6B49C-B757-4257-B474-A292B6647660}" type="pres">
+      <dgm:prSet presAssocID="{5A27EB71-5975-4D1F-A35E-BE9F0AD108B7}" presName="dummyNode2" presStyleLbl="node1" presStyleIdx="0" presStyleCnt="5"/>
+      <dgm:spPr/>
+    </dgm:pt>
+    <dgm:pt modelId="{75B36371-0E5B-4497-8E7A-98F00386AEAB}" type="pres">
+      <dgm:prSet presAssocID="{5A27EB71-5975-4D1F-A35E-BE9F0AD108B7}" presName="childNode2" presStyleLbl="bgAcc1" presStyleIdx="1" presStyleCnt="5">
+        <dgm:presLayoutVars>
+          <dgm:bulletEnabled val="1"/>
+        </dgm:presLayoutVars>
+      </dgm:prSet>
+      <dgm:spPr/>
+    </dgm:pt>
+    <dgm:pt modelId="{57B7FB04-9614-4ECD-B473-142573F39A7F}" type="pres">
+      <dgm:prSet presAssocID="{5A27EB71-5975-4D1F-A35E-BE9F0AD108B7}" presName="childNode2tx" presStyleLbl="bgAcc1" presStyleIdx="1" presStyleCnt="5">
+        <dgm:presLayoutVars>
+          <dgm:bulletEnabled val="1"/>
+        </dgm:presLayoutVars>
+      </dgm:prSet>
+      <dgm:spPr/>
+    </dgm:pt>
+    <dgm:pt modelId="{CDF17065-C85C-4628-B06E-A26087BC625F}" type="pres">
+      <dgm:prSet presAssocID="{5A27EB71-5975-4D1F-A35E-BE9F0AD108B7}" presName="parentNode2" presStyleLbl="node1" presStyleIdx="1" presStyleCnt="5">
+        <dgm:presLayoutVars>
+          <dgm:chMax val="0"/>
+          <dgm:bulletEnabled val="1"/>
+        </dgm:presLayoutVars>
+      </dgm:prSet>
+      <dgm:spPr/>
+    </dgm:pt>
+    <dgm:pt modelId="{A06805F4-A348-4F7D-9970-C22307CFF111}" type="pres">
+      <dgm:prSet presAssocID="{5A27EB71-5975-4D1F-A35E-BE9F0AD108B7}" presName="connSite2" presStyleCnt="0"/>
+      <dgm:spPr/>
+    </dgm:pt>
+    <dgm:pt modelId="{04399D72-FE33-4155-9FE0-FD23BAA6A095}" type="pres">
+      <dgm:prSet presAssocID="{B81E081C-98D6-430C-A09E-B8ACBCF9E8AB}" presName="Name18" presStyleLbl="sibTrans2D1" presStyleIdx="1" presStyleCnt="4"/>
+      <dgm:spPr/>
+    </dgm:pt>
+    <dgm:pt modelId="{17C04DFA-AE45-4F6C-9180-5B5C01003F79}" type="pres">
+      <dgm:prSet presAssocID="{D7525DD9-C1F1-494F-9BF5-0517396E9967}" presName="composite1" presStyleCnt="0"/>
+      <dgm:spPr/>
+    </dgm:pt>
+    <dgm:pt modelId="{FF41C211-6BFE-4ED0-AD86-D9AC16875CC8}" type="pres">
+      <dgm:prSet presAssocID="{D7525DD9-C1F1-494F-9BF5-0517396E9967}" presName="dummyNode1" presStyleLbl="node1" presStyleIdx="1" presStyleCnt="5"/>
+      <dgm:spPr/>
+    </dgm:pt>
+    <dgm:pt modelId="{A8DE54B0-D2A0-42E5-A6ED-A4430C305803}" type="pres">
+      <dgm:prSet presAssocID="{D7525DD9-C1F1-494F-9BF5-0517396E9967}" presName="childNode1" presStyleLbl="bgAcc1" presStyleIdx="2" presStyleCnt="5">
+        <dgm:presLayoutVars>
+          <dgm:bulletEnabled val="1"/>
+        </dgm:presLayoutVars>
+      </dgm:prSet>
+      <dgm:spPr/>
+    </dgm:pt>
+    <dgm:pt modelId="{E81FD376-A2C7-42BE-BD72-F112DC06487E}" type="pres">
+      <dgm:prSet presAssocID="{D7525DD9-C1F1-494F-9BF5-0517396E9967}" presName="childNode1tx" presStyleLbl="bgAcc1" presStyleIdx="2" presStyleCnt="5">
+        <dgm:presLayoutVars>
+          <dgm:bulletEnabled val="1"/>
+        </dgm:presLayoutVars>
+      </dgm:prSet>
+      <dgm:spPr/>
+    </dgm:pt>
+    <dgm:pt modelId="{E45CFD28-030C-473A-A9E9-0932071F544C}" type="pres">
+      <dgm:prSet presAssocID="{D7525DD9-C1F1-494F-9BF5-0517396E9967}" presName="parentNode1" presStyleLbl="node1" presStyleIdx="2" presStyleCnt="5">
+        <dgm:presLayoutVars>
+          <dgm:chMax val="1"/>
+          <dgm:bulletEnabled val="1"/>
+        </dgm:presLayoutVars>
+      </dgm:prSet>
+      <dgm:spPr/>
+    </dgm:pt>
+    <dgm:pt modelId="{05C8DD94-FD7F-4A47-B888-1C2789883B79}" type="pres">
+      <dgm:prSet presAssocID="{D7525DD9-C1F1-494F-9BF5-0517396E9967}" presName="connSite1" presStyleCnt="0"/>
+      <dgm:spPr/>
+    </dgm:pt>
+    <dgm:pt modelId="{058E44C3-E6EE-4CB0-B9CE-A1D251CDD8E1}" type="pres">
+      <dgm:prSet presAssocID="{CD7F3329-C06D-455D-997E-BD0B30079BA8}" presName="Name9" presStyleLbl="sibTrans2D1" presStyleIdx="2" presStyleCnt="4"/>
+      <dgm:spPr/>
+    </dgm:pt>
+    <dgm:pt modelId="{12F8445A-B68E-4EC7-AECC-3CB96BF78264}" type="pres">
+      <dgm:prSet presAssocID="{51C93813-1431-4F94-BED9-0BE0CBFE7B2D}" presName="composite2" presStyleCnt="0"/>
+      <dgm:spPr/>
+    </dgm:pt>
+    <dgm:pt modelId="{B84D41A8-3E66-4A4F-A7D1-8C4EE7148311}" type="pres">
+      <dgm:prSet presAssocID="{51C93813-1431-4F94-BED9-0BE0CBFE7B2D}" presName="dummyNode2" presStyleLbl="node1" presStyleIdx="2" presStyleCnt="5"/>
+      <dgm:spPr/>
+    </dgm:pt>
+    <dgm:pt modelId="{C1308771-16D5-4BDC-AA26-D0C2EA2B954C}" type="pres">
+      <dgm:prSet presAssocID="{51C93813-1431-4F94-BED9-0BE0CBFE7B2D}" presName="childNode2" presStyleLbl="bgAcc1" presStyleIdx="3" presStyleCnt="5">
+        <dgm:presLayoutVars>
+          <dgm:bulletEnabled val="1"/>
+        </dgm:presLayoutVars>
+      </dgm:prSet>
+      <dgm:spPr/>
+    </dgm:pt>
+    <dgm:pt modelId="{62FA2987-3899-4E0E-B9A8-D8EFA13DB9E6}" type="pres">
+      <dgm:prSet presAssocID="{51C93813-1431-4F94-BED9-0BE0CBFE7B2D}" presName="childNode2tx" presStyleLbl="bgAcc1" presStyleIdx="3" presStyleCnt="5">
+        <dgm:presLayoutVars>
+          <dgm:bulletEnabled val="1"/>
+        </dgm:presLayoutVars>
+      </dgm:prSet>
+      <dgm:spPr/>
+    </dgm:pt>
+    <dgm:pt modelId="{F99FC991-37FA-4F8B-B225-ECF2377713CF}" type="pres">
+      <dgm:prSet presAssocID="{51C93813-1431-4F94-BED9-0BE0CBFE7B2D}" presName="parentNode2" presStyleLbl="node1" presStyleIdx="3" presStyleCnt="5">
+        <dgm:presLayoutVars>
+          <dgm:chMax val="0"/>
+          <dgm:bulletEnabled val="1"/>
+        </dgm:presLayoutVars>
+      </dgm:prSet>
+      <dgm:spPr/>
+    </dgm:pt>
+    <dgm:pt modelId="{D7C5F208-AFC3-4F66-9167-8A95573DBB09}" type="pres">
+      <dgm:prSet presAssocID="{51C93813-1431-4F94-BED9-0BE0CBFE7B2D}" presName="connSite2" presStyleCnt="0"/>
+      <dgm:spPr/>
+    </dgm:pt>
+    <dgm:pt modelId="{2E2F7FA5-F836-40FA-A5EC-3340ECB23962}" type="pres">
+      <dgm:prSet presAssocID="{1EFBF2AD-C618-4009-BAA6-FD6A6A0B9390}" presName="Name18" presStyleLbl="sibTrans2D1" presStyleIdx="3" presStyleCnt="4"/>
+      <dgm:spPr/>
+    </dgm:pt>
+    <dgm:pt modelId="{35A2CA22-37AA-4FE7-A522-9FF6F0ECC925}" type="pres">
+      <dgm:prSet presAssocID="{65B38454-87F3-4AED-87C9-A99D43485B02}" presName="composite1" presStyleCnt="0"/>
+      <dgm:spPr/>
+    </dgm:pt>
+    <dgm:pt modelId="{59221563-20D5-4A4B-8EFC-DEDC778DDBB7}" type="pres">
+      <dgm:prSet presAssocID="{65B38454-87F3-4AED-87C9-A99D43485B02}" presName="dummyNode1" presStyleLbl="node1" presStyleIdx="3" presStyleCnt="5"/>
+      <dgm:spPr/>
+    </dgm:pt>
+    <dgm:pt modelId="{9C0EDD06-8418-4AF0-A9BC-46CFED82098C}" type="pres">
+      <dgm:prSet presAssocID="{65B38454-87F3-4AED-87C9-A99D43485B02}" presName="childNode1" presStyleLbl="bgAcc1" presStyleIdx="4" presStyleCnt="5">
+        <dgm:presLayoutVars>
+          <dgm:bulletEnabled val="1"/>
+        </dgm:presLayoutVars>
+      </dgm:prSet>
+      <dgm:spPr/>
+    </dgm:pt>
+    <dgm:pt modelId="{38A2B0DB-27BB-4974-8872-3182E20473C3}" type="pres">
+      <dgm:prSet presAssocID="{65B38454-87F3-4AED-87C9-A99D43485B02}" presName="childNode1tx" presStyleLbl="bgAcc1" presStyleIdx="4" presStyleCnt="5">
+        <dgm:presLayoutVars>
+          <dgm:bulletEnabled val="1"/>
+        </dgm:presLayoutVars>
+      </dgm:prSet>
+      <dgm:spPr/>
+    </dgm:pt>
+    <dgm:pt modelId="{FC6F480A-F5AE-4FEA-B587-14C47C144DF0}" type="pres">
+      <dgm:prSet presAssocID="{65B38454-87F3-4AED-87C9-A99D43485B02}" presName="parentNode1" presStyleLbl="node1" presStyleIdx="4" presStyleCnt="5">
+        <dgm:presLayoutVars>
+          <dgm:chMax val="1"/>
+          <dgm:bulletEnabled val="1"/>
+        </dgm:presLayoutVars>
+      </dgm:prSet>
+      <dgm:spPr/>
+    </dgm:pt>
+    <dgm:pt modelId="{65A5B592-566D-4CEC-A550-5B1C6EB77A99}" type="pres">
+      <dgm:prSet presAssocID="{65B38454-87F3-4AED-87C9-A99D43485B02}" presName="connSite1" presStyleCnt="0"/>
+      <dgm:spPr/>
+    </dgm:pt>
+  </dgm:ptLst>
+  <dgm:cxnLst>
+    <dgm:cxn modelId="{3FA28206-1E2C-4BD6-AEBC-6B8BD37C4BF0}" type="presOf" srcId="{C8D7036B-8692-44DA-9260-D3B979C1BAD0}" destId="{183BB320-E9DC-43A6-9CE1-CDFEF2B013D1}" srcOrd="0" destOrd="0" presId="urn:microsoft.com/office/officeart/2005/8/layout/hProcess4"/>
+    <dgm:cxn modelId="{70582F29-68C8-4672-8D9C-7DD6C6894261}" type="presOf" srcId="{B81E081C-98D6-430C-A09E-B8ACBCF9E8AB}" destId="{04399D72-FE33-4155-9FE0-FD23BAA6A095}" srcOrd="0" destOrd="0" presId="urn:microsoft.com/office/officeart/2005/8/layout/hProcess4"/>
+    <dgm:cxn modelId="{8C35F63B-5695-406F-A487-7E65536AB6D1}" type="presOf" srcId="{F5244544-561C-40F8-90AF-1E29AC72BB69}" destId="{75B36371-0E5B-4497-8E7A-98F00386AEAB}" srcOrd="0" destOrd="0" presId="urn:microsoft.com/office/officeart/2005/8/layout/hProcess4"/>
+    <dgm:cxn modelId="{21AD553D-D056-487A-B5CC-367358E62D53}" type="presOf" srcId="{1EFBF2AD-C618-4009-BAA6-FD6A6A0B9390}" destId="{2E2F7FA5-F836-40FA-A5EC-3340ECB23962}" srcOrd="0" destOrd="0" presId="urn:microsoft.com/office/officeart/2005/8/layout/hProcess4"/>
+    <dgm:cxn modelId="{E72B9961-5794-48EF-99E2-5BE3AEF062AD}" srcId="{5A27EB71-5975-4D1F-A35E-BE9F0AD108B7}" destId="{F5244544-561C-40F8-90AF-1E29AC72BB69}" srcOrd="0" destOrd="0" parTransId="{E8E5A778-21AD-46EF-9E92-CB28F15BC2A0}" sibTransId="{FD97B12E-F76C-4F38-A7B8-B38B3020C7DE}"/>
+    <dgm:cxn modelId="{3D448E66-211F-49EC-9FC4-93A61B2BA4B3}" type="presOf" srcId="{8AB14A30-CF55-41A4-8458-16AFE6AD51B0}" destId="{E81FD376-A2C7-42BE-BD72-F112DC06487E}" srcOrd="1" destOrd="1" presId="urn:microsoft.com/office/officeart/2005/8/layout/hProcess4"/>
+    <dgm:cxn modelId="{4396844B-6C4E-4F1D-9D9F-05A17F9B0478}" type="presOf" srcId="{5B3F9091-47C0-4B46-8E33-41661E0E3C4A}" destId="{D8B9F6EC-9C48-474D-A2A5-FFD6B67AEB5A}" srcOrd="0" destOrd="0" presId="urn:microsoft.com/office/officeart/2005/8/layout/hProcess4"/>
+    <dgm:cxn modelId="{DE2D246D-4496-4EA3-B700-70DF6E4E82A4}" type="presOf" srcId="{77B6F95C-0BE2-4571-BA15-8F33702B5047}" destId="{A5908681-85A0-4D08-9E82-84608752AEB9}" srcOrd="0" destOrd="0" presId="urn:microsoft.com/office/officeart/2005/8/layout/hProcess4"/>
+    <dgm:cxn modelId="{5608806F-18D9-46A4-AA46-5C7909831F0D}" type="presOf" srcId="{8AB14A30-CF55-41A4-8458-16AFE6AD51B0}" destId="{A8DE54B0-D2A0-42E5-A6ED-A4430C305803}" srcOrd="0" destOrd="1" presId="urn:microsoft.com/office/officeart/2005/8/layout/hProcess4"/>
+    <dgm:cxn modelId="{BD838070-744D-46C8-AF47-E90F92B88FEA}" srcId="{C8D7036B-8692-44DA-9260-D3B979C1BAD0}" destId="{9CE53A99-E08F-4441-9AFE-8779531D1FE9}" srcOrd="0" destOrd="0" parTransId="{B09E42D9-A0D6-4E92-BEF9-F7DE98135037}" sibTransId="{5B3F9091-47C0-4B46-8E33-41661E0E3C4A}"/>
+    <dgm:cxn modelId="{6F382873-AE55-4928-BA66-CB5CA4DEA7DD}" type="presOf" srcId="{F5244544-561C-40F8-90AF-1E29AC72BB69}" destId="{57B7FB04-9614-4ECD-B473-142573F39A7F}" srcOrd="1" destOrd="0" presId="urn:microsoft.com/office/officeart/2005/8/layout/hProcess4"/>
+    <dgm:cxn modelId="{E898C258-8B87-4218-BD6C-366D21BD7F08}" type="presOf" srcId="{D7525DD9-C1F1-494F-9BF5-0517396E9967}" destId="{E45CFD28-030C-473A-A9E9-0932071F544C}" srcOrd="0" destOrd="0" presId="urn:microsoft.com/office/officeart/2005/8/layout/hProcess4"/>
+    <dgm:cxn modelId="{89FF397F-E7C4-4CDA-9734-02D0E4524FF7}" srcId="{C8D7036B-8692-44DA-9260-D3B979C1BAD0}" destId="{65B38454-87F3-4AED-87C9-A99D43485B02}" srcOrd="4" destOrd="0" parTransId="{9F28F590-52FA-4BEB-B50C-20271A42AAD6}" sibTransId="{6D6E3EC7-9721-4B9D-AD7A-39EEC146BACE}"/>
+    <dgm:cxn modelId="{7A10A680-54D1-4F7D-9464-6AC877557915}" type="presOf" srcId="{93031DE8-5558-4255-9FE1-608C12EC808C}" destId="{E81FD376-A2C7-42BE-BD72-F112DC06487E}" srcOrd="1" destOrd="0" presId="urn:microsoft.com/office/officeart/2005/8/layout/hProcess4"/>
+    <dgm:cxn modelId="{7E1F5286-B1BF-4744-83E3-970FE5070808}" srcId="{9CE53A99-E08F-4441-9AFE-8779531D1FE9}" destId="{77B6F95C-0BE2-4571-BA15-8F33702B5047}" srcOrd="0" destOrd="0" parTransId="{8A88F50F-0B72-4D64-B85A-BCDF02E247A1}" sibTransId="{5DA0B32B-18BE-4B08-8BC1-674303CF6680}"/>
+    <dgm:cxn modelId="{46915392-B3F8-4B8C-801F-3EF8059DCE29}" type="presOf" srcId="{CD7F3329-C06D-455D-997E-BD0B30079BA8}" destId="{058E44C3-E6EE-4CB0-B9CE-A1D251CDD8E1}" srcOrd="0" destOrd="0" presId="urn:microsoft.com/office/officeart/2005/8/layout/hProcess4"/>
+    <dgm:cxn modelId="{E4FAF09B-EEC8-4EB0-9C39-1D65C1D7B700}" type="presOf" srcId="{93031DE8-5558-4255-9FE1-608C12EC808C}" destId="{A8DE54B0-D2A0-42E5-A6ED-A4430C305803}" srcOrd="0" destOrd="0" presId="urn:microsoft.com/office/officeart/2005/8/layout/hProcess4"/>
+    <dgm:cxn modelId="{26F95EA0-FE45-4F12-AD5F-06D08E9BEDE6}" srcId="{D7525DD9-C1F1-494F-9BF5-0517396E9967}" destId="{8AB14A30-CF55-41A4-8458-16AFE6AD51B0}" srcOrd="1" destOrd="0" parTransId="{E1EA98A8-AE4B-4C0E-848B-4947EA1B0EBC}" sibTransId="{1EFE8D6F-246F-49D0-92DF-536F61D7C4DE}"/>
+    <dgm:cxn modelId="{871276A7-2D30-455D-98E3-F855C9BC26BE}" type="presOf" srcId="{51C93813-1431-4F94-BED9-0BE0CBFE7B2D}" destId="{F99FC991-37FA-4F8B-B225-ECF2377713CF}" srcOrd="0" destOrd="0" presId="urn:microsoft.com/office/officeart/2005/8/layout/hProcess4"/>
+    <dgm:cxn modelId="{0963C0D9-CCA2-4D4E-9C7E-A8AA8C719F00}" srcId="{C8D7036B-8692-44DA-9260-D3B979C1BAD0}" destId="{D7525DD9-C1F1-494F-9BF5-0517396E9967}" srcOrd="2" destOrd="0" parTransId="{D9CFD993-3AB4-4582-97A7-859F989E16BC}" sibTransId="{CD7F3329-C06D-455D-997E-BD0B30079BA8}"/>
+    <dgm:cxn modelId="{9452D4DA-1813-4273-9B96-8C28C562D686}" srcId="{C8D7036B-8692-44DA-9260-D3B979C1BAD0}" destId="{5A27EB71-5975-4D1F-A35E-BE9F0AD108B7}" srcOrd="1" destOrd="0" parTransId="{9192C573-A398-4639-92EF-D59D6F5EA853}" sibTransId="{B81E081C-98D6-430C-A09E-B8ACBCF9E8AB}"/>
+    <dgm:cxn modelId="{F3D3E1DB-9B2A-4A53-854A-E973EC685D16}" srcId="{C8D7036B-8692-44DA-9260-D3B979C1BAD0}" destId="{51C93813-1431-4F94-BED9-0BE0CBFE7B2D}" srcOrd="3" destOrd="0" parTransId="{A47586B3-297A-4491-B7AE-6BDAAF316A1D}" sibTransId="{1EFBF2AD-C618-4009-BAA6-FD6A6A0B9390}"/>
+    <dgm:cxn modelId="{552620E3-6266-4C0B-A06A-EA7BC063F8CA}" type="presOf" srcId="{65B38454-87F3-4AED-87C9-A99D43485B02}" destId="{FC6F480A-F5AE-4FEA-B587-14C47C144DF0}" srcOrd="0" destOrd="0" presId="urn:microsoft.com/office/officeart/2005/8/layout/hProcess4"/>
+    <dgm:cxn modelId="{D5AA7AEF-FDF8-4230-8985-FF5966B850EA}" type="presOf" srcId="{77B6F95C-0BE2-4571-BA15-8F33702B5047}" destId="{AA0D3559-ED73-45F8-8FA3-3B893624D496}" srcOrd="1" destOrd="0" presId="urn:microsoft.com/office/officeart/2005/8/layout/hProcess4"/>
+    <dgm:cxn modelId="{58FAF2F1-0BD8-4739-AD15-09F02EF3B842}" srcId="{D7525DD9-C1F1-494F-9BF5-0517396E9967}" destId="{93031DE8-5558-4255-9FE1-608C12EC808C}" srcOrd="0" destOrd="0" parTransId="{14878F10-56EC-4A82-8167-8A1C1B62EF38}" sibTransId="{54F9D233-56AC-49E9-B95B-87F1EC34A202}"/>
+    <dgm:cxn modelId="{57C003F9-0595-4E02-9101-86A9EE217138}" type="presOf" srcId="{9CE53A99-E08F-4441-9AFE-8779531D1FE9}" destId="{BCFECBE7-4E4F-47A7-BB37-399C0E576331}" srcOrd="0" destOrd="0" presId="urn:microsoft.com/office/officeart/2005/8/layout/hProcess4"/>
+    <dgm:cxn modelId="{B0E473FE-4C8E-4C2F-ADE4-15DD4757BBA6}" type="presOf" srcId="{5A27EB71-5975-4D1F-A35E-BE9F0AD108B7}" destId="{CDF17065-C85C-4628-B06E-A26087BC625F}" srcOrd="0" destOrd="0" presId="urn:microsoft.com/office/officeart/2005/8/layout/hProcess4"/>
+    <dgm:cxn modelId="{CCCBCFA2-6524-4238-BA3B-AC18D739ECFA}" type="presParOf" srcId="{183BB320-E9DC-43A6-9CE1-CDFEF2B013D1}" destId="{F130B238-F372-4045-841D-F635B4A70815}" srcOrd="0" destOrd="0" presId="urn:microsoft.com/office/officeart/2005/8/layout/hProcess4"/>
+    <dgm:cxn modelId="{C1AE14C6-1D8B-4248-BF8B-5479A085E58F}" type="presParOf" srcId="{183BB320-E9DC-43A6-9CE1-CDFEF2B013D1}" destId="{B92782DD-77C2-4234-9A74-77CFE2916EA0}" srcOrd="1" destOrd="0" presId="urn:microsoft.com/office/officeart/2005/8/layout/hProcess4"/>
+    <dgm:cxn modelId="{C206E806-4305-45CF-A964-ECF4413C8258}" type="presParOf" srcId="{183BB320-E9DC-43A6-9CE1-CDFEF2B013D1}" destId="{DDB05CBF-00D0-4A6D-B3A9-795775BA10EA}" srcOrd="2" destOrd="0" presId="urn:microsoft.com/office/officeart/2005/8/layout/hProcess4"/>
+    <dgm:cxn modelId="{6751E25C-E62D-4121-9FFE-F8287B33F5F5}" type="presParOf" srcId="{DDB05CBF-00D0-4A6D-B3A9-795775BA10EA}" destId="{9925DFC1-B57B-481C-B05F-3540DC52CE1C}" srcOrd="0" destOrd="0" presId="urn:microsoft.com/office/officeart/2005/8/layout/hProcess4"/>
+    <dgm:cxn modelId="{2090514E-E411-4E99-A53A-807DA43D6A46}" type="presParOf" srcId="{9925DFC1-B57B-481C-B05F-3540DC52CE1C}" destId="{839F99B4-6667-40A0-85EE-333A5B09231E}" srcOrd="0" destOrd="0" presId="urn:microsoft.com/office/officeart/2005/8/layout/hProcess4"/>
+    <dgm:cxn modelId="{3CC40BFB-0E1A-4F95-8950-CA999C5AF668}" type="presParOf" srcId="{9925DFC1-B57B-481C-B05F-3540DC52CE1C}" destId="{A5908681-85A0-4D08-9E82-84608752AEB9}" srcOrd="1" destOrd="0" presId="urn:microsoft.com/office/officeart/2005/8/layout/hProcess4"/>
+    <dgm:cxn modelId="{E0B09342-0283-477E-9ECA-32AA5A4F3D14}" type="presParOf" srcId="{9925DFC1-B57B-481C-B05F-3540DC52CE1C}" destId="{AA0D3559-ED73-45F8-8FA3-3B893624D496}" srcOrd="2" destOrd="0" presId="urn:microsoft.com/office/officeart/2005/8/layout/hProcess4"/>
+    <dgm:cxn modelId="{3DFC26E7-F7C8-4693-8586-DE57163EBCC2}" type="presParOf" srcId="{9925DFC1-B57B-481C-B05F-3540DC52CE1C}" destId="{BCFECBE7-4E4F-47A7-BB37-399C0E576331}" srcOrd="3" destOrd="0" presId="urn:microsoft.com/office/officeart/2005/8/layout/hProcess4"/>
+    <dgm:cxn modelId="{186D4FD0-DF17-4321-B12B-B8CD52A074D7}" type="presParOf" srcId="{9925DFC1-B57B-481C-B05F-3540DC52CE1C}" destId="{D32EFBC1-12C8-4DF4-B06A-BC75F848FC14}" srcOrd="4" destOrd="0" presId="urn:microsoft.com/office/officeart/2005/8/layout/hProcess4"/>
+    <dgm:cxn modelId="{B88C0423-872A-42E7-8A33-4969DD915C59}" type="presParOf" srcId="{DDB05CBF-00D0-4A6D-B3A9-795775BA10EA}" destId="{D8B9F6EC-9C48-474D-A2A5-FFD6B67AEB5A}" srcOrd="1" destOrd="0" presId="urn:microsoft.com/office/officeart/2005/8/layout/hProcess4"/>
+    <dgm:cxn modelId="{5B5D04BD-398A-42E7-8B27-1D334542A69F}" type="presParOf" srcId="{DDB05CBF-00D0-4A6D-B3A9-795775BA10EA}" destId="{6D0D5408-7681-4CF1-B3EE-358B64E98BC1}" srcOrd="2" destOrd="0" presId="urn:microsoft.com/office/officeart/2005/8/layout/hProcess4"/>
+    <dgm:cxn modelId="{60D76266-C1D3-4E08-9F00-5AB73563DF9C}" type="presParOf" srcId="{6D0D5408-7681-4CF1-B3EE-358B64E98BC1}" destId="{10E6B49C-B757-4257-B474-A292B6647660}" srcOrd="0" destOrd="0" presId="urn:microsoft.com/office/officeart/2005/8/layout/hProcess4"/>
+    <dgm:cxn modelId="{BCB0CB5A-0FE6-450E-BEC7-C7E0A24C839B}" type="presParOf" srcId="{6D0D5408-7681-4CF1-B3EE-358B64E98BC1}" destId="{75B36371-0E5B-4497-8E7A-98F00386AEAB}" srcOrd="1" destOrd="0" presId="urn:microsoft.com/office/officeart/2005/8/layout/hProcess4"/>
+    <dgm:cxn modelId="{17500442-3DDB-44DE-AF5D-0415B55DCC05}" type="presParOf" srcId="{6D0D5408-7681-4CF1-B3EE-358B64E98BC1}" destId="{57B7FB04-9614-4ECD-B473-142573F39A7F}" srcOrd="2" destOrd="0" presId="urn:microsoft.com/office/officeart/2005/8/layout/hProcess4"/>
+    <dgm:cxn modelId="{C93E0CC3-913C-4AAA-862A-C027F8EE4BC1}" type="presParOf" srcId="{6D0D5408-7681-4CF1-B3EE-358B64E98BC1}" destId="{CDF17065-C85C-4628-B06E-A26087BC625F}" srcOrd="3" destOrd="0" presId="urn:microsoft.com/office/officeart/2005/8/layout/hProcess4"/>
+    <dgm:cxn modelId="{EB5CDAFC-6004-4A47-991E-E72A929319B3}" type="presParOf" srcId="{6D0D5408-7681-4CF1-B3EE-358B64E98BC1}" destId="{A06805F4-A348-4F7D-9970-C22307CFF111}" srcOrd="4" destOrd="0" presId="urn:microsoft.com/office/officeart/2005/8/layout/hProcess4"/>
+    <dgm:cxn modelId="{A4ECA8A8-B61A-44DF-ABFE-411C31EAE6B0}" type="presParOf" srcId="{DDB05CBF-00D0-4A6D-B3A9-795775BA10EA}" destId="{04399D72-FE33-4155-9FE0-FD23BAA6A095}" srcOrd="3" destOrd="0" presId="urn:microsoft.com/office/officeart/2005/8/layout/hProcess4"/>
+    <dgm:cxn modelId="{56A63532-52B7-4B46-8504-A696C1CB8FA1}" type="presParOf" srcId="{DDB05CBF-00D0-4A6D-B3A9-795775BA10EA}" destId="{17C04DFA-AE45-4F6C-9180-5B5C01003F79}" srcOrd="4" destOrd="0" presId="urn:microsoft.com/office/officeart/2005/8/layout/hProcess4"/>
+    <dgm:cxn modelId="{5ADB3152-82C2-439E-A6BF-B58968B420E7}" type="presParOf" srcId="{17C04DFA-AE45-4F6C-9180-5B5C01003F79}" destId="{FF41C211-6BFE-4ED0-AD86-D9AC16875CC8}" srcOrd="0" destOrd="0" presId="urn:microsoft.com/office/officeart/2005/8/layout/hProcess4"/>
+    <dgm:cxn modelId="{AC1A5935-D7A6-44A2-97AF-FA99204B3692}" type="presParOf" srcId="{17C04DFA-AE45-4F6C-9180-5B5C01003F79}" destId="{A8DE54B0-D2A0-42E5-A6ED-A4430C305803}" srcOrd="1" destOrd="0" presId="urn:microsoft.com/office/officeart/2005/8/layout/hProcess4"/>
+    <dgm:cxn modelId="{C2B920B0-5592-4C87-B3AA-4A9031196253}" type="presParOf" srcId="{17C04DFA-AE45-4F6C-9180-5B5C01003F79}" destId="{E81FD376-A2C7-42BE-BD72-F112DC06487E}" srcOrd="2" destOrd="0" presId="urn:microsoft.com/office/officeart/2005/8/layout/hProcess4"/>
+    <dgm:cxn modelId="{03F1DC91-F031-4D67-A91D-975E8CBE7449}" type="presParOf" srcId="{17C04DFA-AE45-4F6C-9180-5B5C01003F79}" destId="{E45CFD28-030C-473A-A9E9-0932071F544C}" srcOrd="3" destOrd="0" presId="urn:microsoft.com/office/officeart/2005/8/layout/hProcess4"/>
+    <dgm:cxn modelId="{B2E2B192-8AA5-4FA1-A1B3-85506D6AB762}" type="presParOf" srcId="{17C04DFA-AE45-4F6C-9180-5B5C01003F79}" destId="{05C8DD94-FD7F-4A47-B888-1C2789883B79}" srcOrd="4" destOrd="0" presId="urn:microsoft.com/office/officeart/2005/8/layout/hProcess4"/>
+    <dgm:cxn modelId="{E44C5EE5-6002-4EFB-98E9-101516A07136}" type="presParOf" srcId="{DDB05CBF-00D0-4A6D-B3A9-795775BA10EA}" destId="{058E44C3-E6EE-4CB0-B9CE-A1D251CDD8E1}" srcOrd="5" destOrd="0" presId="urn:microsoft.com/office/officeart/2005/8/layout/hProcess4"/>
+    <dgm:cxn modelId="{72B295E4-0685-4336-B93B-3B51109128F5}" type="presParOf" srcId="{DDB05CBF-00D0-4A6D-B3A9-795775BA10EA}" destId="{12F8445A-B68E-4EC7-AECC-3CB96BF78264}" srcOrd="6" destOrd="0" presId="urn:microsoft.com/office/officeart/2005/8/layout/hProcess4"/>
+    <dgm:cxn modelId="{F1C1DED5-DA71-41C9-9B7B-C5A93F97C44B}" type="presParOf" srcId="{12F8445A-B68E-4EC7-AECC-3CB96BF78264}" destId="{B84D41A8-3E66-4A4F-A7D1-8C4EE7148311}" srcOrd="0" destOrd="0" presId="urn:microsoft.com/office/officeart/2005/8/layout/hProcess4"/>
+    <dgm:cxn modelId="{D7449A1E-91E3-4B2F-9D63-C4F4F4752A9D}" type="presParOf" srcId="{12F8445A-B68E-4EC7-AECC-3CB96BF78264}" destId="{C1308771-16D5-4BDC-AA26-D0C2EA2B954C}" srcOrd="1" destOrd="0" presId="urn:microsoft.com/office/officeart/2005/8/layout/hProcess4"/>
+    <dgm:cxn modelId="{3BA466BA-86CC-46A3-9719-E9AF66A01085}" type="presParOf" srcId="{12F8445A-B68E-4EC7-AECC-3CB96BF78264}" destId="{62FA2987-3899-4E0E-B9A8-D8EFA13DB9E6}" srcOrd="2" destOrd="0" presId="urn:microsoft.com/office/officeart/2005/8/layout/hProcess4"/>
+    <dgm:cxn modelId="{C0C6C5E8-6397-409D-B13C-4E3C31AAC7EB}" type="presParOf" srcId="{12F8445A-B68E-4EC7-AECC-3CB96BF78264}" destId="{F99FC991-37FA-4F8B-B225-ECF2377713CF}" srcOrd="3" destOrd="0" presId="urn:microsoft.com/office/officeart/2005/8/layout/hProcess4"/>
+    <dgm:cxn modelId="{5E67A282-22C7-437D-BA76-4B76F2CFCB23}" type="presParOf" srcId="{12F8445A-B68E-4EC7-AECC-3CB96BF78264}" destId="{D7C5F208-AFC3-4F66-9167-8A95573DBB09}" srcOrd="4" destOrd="0" presId="urn:microsoft.com/office/officeart/2005/8/layout/hProcess4"/>
+    <dgm:cxn modelId="{26B6702E-C67D-4CB1-B9D3-3469FF9D95BF}" type="presParOf" srcId="{DDB05CBF-00D0-4A6D-B3A9-795775BA10EA}" destId="{2E2F7FA5-F836-40FA-A5EC-3340ECB23962}" srcOrd="7" destOrd="0" presId="urn:microsoft.com/office/officeart/2005/8/layout/hProcess4"/>
+    <dgm:cxn modelId="{82120FD6-9851-4B97-96AA-5BAA76DB58F5}" type="presParOf" srcId="{DDB05CBF-00D0-4A6D-B3A9-795775BA10EA}" destId="{35A2CA22-37AA-4FE7-A522-9FF6F0ECC925}" srcOrd="8" destOrd="0" presId="urn:microsoft.com/office/officeart/2005/8/layout/hProcess4"/>
+    <dgm:cxn modelId="{C17E227D-194D-4FE1-A0F4-8FA150786721}" type="presParOf" srcId="{35A2CA22-37AA-4FE7-A522-9FF6F0ECC925}" destId="{59221563-20D5-4A4B-8EFC-DEDC778DDBB7}" srcOrd="0" destOrd="0" presId="urn:microsoft.com/office/officeart/2005/8/layout/hProcess4"/>
+    <dgm:cxn modelId="{DDB92FE9-45A9-4E38-A219-8EB8C99FE54F}" type="presParOf" srcId="{35A2CA22-37AA-4FE7-A522-9FF6F0ECC925}" destId="{9C0EDD06-8418-4AF0-A9BC-46CFED82098C}" srcOrd="1" destOrd="0" presId="urn:microsoft.com/office/officeart/2005/8/layout/hProcess4"/>
+    <dgm:cxn modelId="{EE46029D-70A0-4654-8B3A-45F8C7ABDEDA}" type="presParOf" srcId="{35A2CA22-37AA-4FE7-A522-9FF6F0ECC925}" destId="{38A2B0DB-27BB-4974-8872-3182E20473C3}" srcOrd="2" destOrd="0" presId="urn:microsoft.com/office/officeart/2005/8/layout/hProcess4"/>
+    <dgm:cxn modelId="{E467EAA4-DE28-4736-88E5-03458125D4D6}" type="presParOf" srcId="{35A2CA22-37AA-4FE7-A522-9FF6F0ECC925}" destId="{FC6F480A-F5AE-4FEA-B587-14C47C144DF0}" srcOrd="3" destOrd="0" presId="urn:microsoft.com/office/officeart/2005/8/layout/hProcess4"/>
+    <dgm:cxn modelId="{BC4DED16-4E35-4B39-B026-2B6E854FF4C1}" type="presParOf" srcId="{35A2CA22-37AA-4FE7-A522-9FF6F0ECC925}" destId="{65A5B592-566D-4CEC-A550-5B1C6EB77A99}" srcOrd="4" destOrd="0" presId="urn:microsoft.com/office/officeart/2005/8/layout/hProcess4"/>
+  </dgm:cxnLst>
+  <dgm:bg/>
+  <dgm:whole/>
+  <dgm:extLst>
+    <a:ext uri="http://schemas.microsoft.com/office/drawing/2008/diagram">
+      <dsp:dataModelExt xmlns:dsp="http://schemas.microsoft.com/office/drawing/2008/diagram" relId="rId7" minVer="http://schemas.openxmlformats.org/drawingml/2006/diagram"/>
+    </a:ext>
+  </dgm:extLst>
+</dgm:dataModel>
+</file>
+
+<file path=ppt/diagrams/drawing1.xml><?xml version="1.0" encoding="utf-8"?>
+<dsp:drawing xmlns:dgm="http://schemas.openxmlformats.org/drawingml/2006/diagram" xmlns:dsp="http://schemas.microsoft.com/office/drawing/2008/diagram" xmlns:a="http://schemas.openxmlformats.org/drawingml/2006/main">
+  <dsp:spTree>
+    <dsp:nvGrpSpPr>
+      <dsp:cNvPr id="0" name=""/>
+      <dsp:cNvGrpSpPr/>
+    </dsp:nvGrpSpPr>
+    <dsp:grpSpPr/>
+    <dsp:sp modelId="{A5908681-85A0-4D08-9E82-84608752AEB9}">
+      <dsp:nvSpPr>
+        <dsp:cNvPr id="0" name=""/>
+        <dsp:cNvSpPr/>
+      </dsp:nvSpPr>
+      <dsp:spPr>
+        <a:xfrm>
+          <a:off x="26" y="1494795"/>
+          <a:ext cx="1651021" cy="1361747"/>
+        </a:xfrm>
+        <a:prstGeom prst="roundRect">
+          <a:avLst>
+            <a:gd name="adj" fmla="val 10000"/>
+          </a:avLst>
+        </a:prstGeom>
+        <a:solidFill>
+          <a:schemeClr val="lt2">
+            <a:alpha val="90000"/>
+            <a:hueOff val="0"/>
+            <a:satOff val="0"/>
+            <a:lumOff val="0"/>
+            <a:alphaOff val="0"/>
+          </a:schemeClr>
+        </a:solidFill>
+        <a:ln w="6350" cap="flat" cmpd="sng" algn="ctr">
+          <a:solidFill>
+            <a:schemeClr val="dk2">
+              <a:hueOff val="0"/>
+              <a:satOff val="0"/>
+              <a:lumOff val="0"/>
+              <a:alphaOff val="0"/>
+            </a:schemeClr>
+          </a:solidFill>
+          <a:prstDash val="solid"/>
+          <a:miter lim="800000"/>
+        </a:ln>
+        <a:effectLst/>
+      </dsp:spPr>
+      <dsp:style>
+        <a:lnRef idx="1">
+          <a:scrgbClr r="0" g="0" b="0"/>
+        </a:lnRef>
+        <a:fillRef idx="1">
+          <a:scrgbClr r="0" g="0" b="0"/>
+        </a:fillRef>
+        <a:effectRef idx="0">
+          <a:scrgbClr r="0" g="0" b="0"/>
+        </a:effectRef>
+        <a:fontRef idx="minor"/>
+      </dsp:style>
+      <dsp:txBody>
+        <a:bodyPr spcFirstLastPara="0" vert="horz" wrap="square" lIns="123825" tIns="123825" rIns="123825" bIns="123825" numCol="1" spcCol="1270" anchor="t" anchorCtr="0">
+          <a:noAutofit/>
+        </a:bodyPr>
+        <a:lstStyle/>
+        <a:p>
+          <a:pPr marL="228600" lvl="1" indent="-228600" algn="l" defTabSz="889000">
+            <a:lnSpc>
+              <a:spcPct val="90000"/>
+            </a:lnSpc>
+            <a:spcBef>
+              <a:spcPct val="0"/>
+            </a:spcBef>
+            <a:spcAft>
+              <a:spcPct val="15000"/>
+            </a:spcAft>
+            <a:buChar char="•"/>
+          </a:pPr>
+          <a:r>
+            <a:rPr lang="en-US" sz="2000" kern="1200" dirty="0">
+              <a:latin typeface="Ubuntu" panose="020B0504030602030204" pitchFamily="34" charset="0"/>
+            </a:rPr>
+            <a:t>User role by default</a:t>
+          </a:r>
+        </a:p>
+      </dsp:txBody>
+      <dsp:txXfrm>
+        <a:off x="31364" y="1526133"/>
+        <a:ext cx="1588345" cy="1007268"/>
+      </dsp:txXfrm>
+    </dsp:sp>
+    <dsp:sp modelId="{D8B9F6EC-9C48-474D-A2A5-FFD6B67AEB5A}">
+      <dsp:nvSpPr>
+        <dsp:cNvPr id="0" name=""/>
+        <dsp:cNvSpPr/>
+      </dsp:nvSpPr>
+      <dsp:spPr>
+        <a:xfrm>
+          <a:off x="909009" y="1751427"/>
+          <a:ext cx="1920774" cy="1920774"/>
+        </a:xfrm>
+        <a:prstGeom prst="leftCircularArrow">
+          <a:avLst>
+            <a:gd name="adj1" fmla="val 3671"/>
+            <a:gd name="adj2" fmla="val 457399"/>
+            <a:gd name="adj3" fmla="val 2232910"/>
+            <a:gd name="adj4" fmla="val 9024489"/>
+            <a:gd name="adj5" fmla="val 4283"/>
+          </a:avLst>
+        </a:prstGeom>
+        <a:gradFill rotWithShape="0">
+          <a:gsLst>
+            <a:gs pos="0">
+              <a:schemeClr val="dk2">
+                <a:tint val="60000"/>
+                <a:hueOff val="0"/>
+                <a:satOff val="0"/>
+                <a:lumOff val="0"/>
+                <a:alphaOff val="0"/>
+                <a:satMod val="103000"/>
+                <a:lumMod val="102000"/>
+                <a:tint val="94000"/>
+              </a:schemeClr>
+            </a:gs>
+            <a:gs pos="50000">
+              <a:schemeClr val="dk2">
+                <a:tint val="60000"/>
+                <a:hueOff val="0"/>
+                <a:satOff val="0"/>
+                <a:lumOff val="0"/>
+                <a:alphaOff val="0"/>
+                <a:satMod val="110000"/>
+                <a:lumMod val="100000"/>
+                <a:shade val="100000"/>
+              </a:schemeClr>
+            </a:gs>
+            <a:gs pos="100000">
+              <a:schemeClr val="dk2">
+                <a:tint val="60000"/>
+                <a:hueOff val="0"/>
+                <a:satOff val="0"/>
+                <a:lumOff val="0"/>
+                <a:alphaOff val="0"/>
+                <a:lumMod val="99000"/>
+                <a:satMod val="120000"/>
+                <a:shade val="78000"/>
+              </a:schemeClr>
+            </a:gs>
+          </a:gsLst>
+          <a:lin ang="5400000" scaled="0"/>
+        </a:gradFill>
+        <a:ln>
+          <a:noFill/>
+        </a:ln>
+        <a:effectLst/>
+      </dsp:spPr>
+      <dsp:style>
+        <a:lnRef idx="0">
+          <a:scrgbClr r="0" g="0" b="0"/>
+        </a:lnRef>
+        <a:fillRef idx="3">
+          <a:scrgbClr r="0" g="0" b="0"/>
+        </a:fillRef>
+        <a:effectRef idx="2">
+          <a:scrgbClr r="0" g="0" b="0"/>
+        </a:effectRef>
+        <a:fontRef idx="minor">
+          <a:schemeClr val="lt1"/>
+        </a:fontRef>
+      </dsp:style>
+    </dsp:sp>
+    <dsp:sp modelId="{BCFECBE7-4E4F-47A7-BB37-399C0E576331}">
+      <dsp:nvSpPr>
+        <dsp:cNvPr id="0" name=""/>
+        <dsp:cNvSpPr/>
+      </dsp:nvSpPr>
+      <dsp:spPr>
+        <a:xfrm>
+          <a:off x="366919" y="2564739"/>
+          <a:ext cx="1467575" cy="583606"/>
+        </a:xfrm>
+        <a:prstGeom prst="roundRect">
+          <a:avLst>
+            <a:gd name="adj" fmla="val 10000"/>
+          </a:avLst>
+        </a:prstGeom>
+        <a:gradFill rotWithShape="0">
+          <a:gsLst>
+            <a:gs pos="0">
+              <a:schemeClr val="dk2">
+                <a:hueOff val="0"/>
+                <a:satOff val="0"/>
+                <a:lumOff val="0"/>
+                <a:alphaOff val="0"/>
+                <a:satMod val="103000"/>
+                <a:lumMod val="102000"/>
+                <a:tint val="94000"/>
+              </a:schemeClr>
+            </a:gs>
+            <a:gs pos="50000">
+              <a:schemeClr val="dk2">
+                <a:hueOff val="0"/>
+                <a:satOff val="0"/>
+                <a:lumOff val="0"/>
+                <a:alphaOff val="0"/>
+                <a:satMod val="110000"/>
+                <a:lumMod val="100000"/>
+                <a:shade val="100000"/>
+              </a:schemeClr>
+            </a:gs>
+            <a:gs pos="100000">
+              <a:schemeClr val="dk2">
+                <a:hueOff val="0"/>
+                <a:satOff val="0"/>
+                <a:lumOff val="0"/>
+                <a:alphaOff val="0"/>
+                <a:lumMod val="99000"/>
+                <a:satMod val="120000"/>
+                <a:shade val="78000"/>
+              </a:schemeClr>
+            </a:gs>
+          </a:gsLst>
+          <a:lin ang="5400000" scaled="0"/>
+        </a:gradFill>
+        <a:ln>
+          <a:noFill/>
+        </a:ln>
+        <a:effectLst/>
+      </dsp:spPr>
+      <dsp:style>
+        <a:lnRef idx="0">
+          <a:scrgbClr r="0" g="0" b="0"/>
+        </a:lnRef>
+        <a:fillRef idx="3">
+          <a:scrgbClr r="0" g="0" b="0"/>
+        </a:fillRef>
+        <a:effectRef idx="2">
+          <a:scrgbClr r="0" g="0" b="0"/>
+        </a:effectRef>
+        <a:fontRef idx="minor">
+          <a:schemeClr val="lt1"/>
+        </a:fontRef>
+      </dsp:style>
+      <dsp:txBody>
+        <a:bodyPr spcFirstLastPara="0" vert="horz" wrap="square" lIns="28575" tIns="19050" rIns="28575" bIns="19050" numCol="1" spcCol="1270" anchor="ctr" anchorCtr="0">
+          <a:noAutofit/>
+        </a:bodyPr>
+        <a:lstStyle/>
+        <a:p>
+          <a:pPr marL="0" lvl="0" indent="0" algn="ctr" defTabSz="666750">
+            <a:lnSpc>
+              <a:spcPct val="90000"/>
+            </a:lnSpc>
+            <a:spcBef>
+              <a:spcPct val="0"/>
+            </a:spcBef>
+            <a:spcAft>
+              <a:spcPct val="35000"/>
+            </a:spcAft>
+            <a:buNone/>
+          </a:pPr>
+          <a:r>
+            <a:rPr lang="en-US" sz="1500" kern="1200" dirty="0">
+              <a:latin typeface="Ubuntu" panose="020B0504030602030204" pitchFamily="34" charset="0"/>
+            </a:rPr>
+            <a:t>Registration</a:t>
+          </a:r>
+        </a:p>
+      </dsp:txBody>
+      <dsp:txXfrm>
+        <a:off x="384012" y="2581832"/>
+        <a:ext cx="1433389" cy="549420"/>
+      </dsp:txXfrm>
+    </dsp:sp>
+    <dsp:sp modelId="{75B36371-0E5B-4497-8E7A-98F00386AEAB}">
+      <dsp:nvSpPr>
+        <dsp:cNvPr id="0" name=""/>
+        <dsp:cNvSpPr/>
+      </dsp:nvSpPr>
+      <dsp:spPr>
+        <a:xfrm>
+          <a:off x="2170295" y="1494795"/>
+          <a:ext cx="1651021" cy="1361747"/>
+        </a:xfrm>
+        <a:prstGeom prst="roundRect">
+          <a:avLst>
+            <a:gd name="adj" fmla="val 10000"/>
+          </a:avLst>
+        </a:prstGeom>
+        <a:solidFill>
+          <a:schemeClr val="lt2">
+            <a:alpha val="90000"/>
+            <a:hueOff val="0"/>
+            <a:satOff val="0"/>
+            <a:lumOff val="0"/>
+            <a:alphaOff val="0"/>
+          </a:schemeClr>
+        </a:solidFill>
+        <a:ln w="6350" cap="flat" cmpd="sng" algn="ctr">
+          <a:solidFill>
+            <a:schemeClr val="dk2">
+              <a:hueOff val="0"/>
+              <a:satOff val="0"/>
+              <a:lumOff val="0"/>
+              <a:alphaOff val="0"/>
+            </a:schemeClr>
+          </a:solidFill>
+          <a:prstDash val="solid"/>
+          <a:miter lim="800000"/>
+        </a:ln>
+        <a:effectLst/>
+      </dsp:spPr>
+      <dsp:style>
+        <a:lnRef idx="1">
+          <a:scrgbClr r="0" g="0" b="0"/>
+        </a:lnRef>
+        <a:fillRef idx="1">
+          <a:scrgbClr r="0" g="0" b="0"/>
+        </a:fillRef>
+        <a:effectRef idx="0">
+          <a:scrgbClr r="0" g="0" b="0"/>
+        </a:effectRef>
+        <a:fontRef idx="minor"/>
+      </dsp:style>
+      <dsp:txBody>
+        <a:bodyPr spcFirstLastPara="0" vert="horz" wrap="square" lIns="123825" tIns="123825" rIns="123825" bIns="123825" numCol="1" spcCol="1270" anchor="t" anchorCtr="0">
+          <a:noAutofit/>
+        </a:bodyPr>
+        <a:lstStyle/>
+        <a:p>
+          <a:pPr marL="228600" lvl="1" indent="-228600" algn="l" defTabSz="889000">
+            <a:lnSpc>
+              <a:spcPct val="90000"/>
+            </a:lnSpc>
+            <a:spcBef>
+              <a:spcPct val="0"/>
+            </a:spcBef>
+            <a:spcAft>
+              <a:spcPct val="15000"/>
+            </a:spcAft>
+            <a:buChar char="•"/>
+          </a:pPr>
+          <a:r>
+            <a:rPr lang="en-US" sz="2000" kern="1200" dirty="0">
+              <a:latin typeface="Ubuntu" panose="020B0504030602030204" pitchFamily="34" charset="0"/>
+            </a:rPr>
+            <a:t>Is this the same person?</a:t>
+          </a:r>
+        </a:p>
+      </dsp:txBody>
+      <dsp:txXfrm>
+        <a:off x="2201633" y="1817936"/>
+        <a:ext cx="1588345" cy="1007268"/>
+      </dsp:txXfrm>
+    </dsp:sp>
+    <dsp:sp modelId="{04399D72-FE33-4155-9FE0-FD23BAA6A095}">
+      <dsp:nvSpPr>
+        <dsp:cNvPr id="0" name=""/>
+        <dsp:cNvSpPr/>
+      </dsp:nvSpPr>
+      <dsp:spPr>
+        <a:xfrm>
+          <a:off x="3065520" y="625743"/>
+          <a:ext cx="2131738" cy="2131738"/>
+        </a:xfrm>
+        <a:prstGeom prst="circularArrow">
+          <a:avLst>
+            <a:gd name="adj1" fmla="val 3308"/>
+            <a:gd name="adj2" fmla="val 408578"/>
+            <a:gd name="adj3" fmla="val 19415911"/>
+            <a:gd name="adj4" fmla="val 12575511"/>
+            <a:gd name="adj5" fmla="val 3859"/>
+          </a:avLst>
+        </a:prstGeom>
+        <a:gradFill rotWithShape="0">
+          <a:gsLst>
+            <a:gs pos="0">
+              <a:schemeClr val="dk2">
+                <a:tint val="60000"/>
+                <a:hueOff val="0"/>
+                <a:satOff val="0"/>
+                <a:lumOff val="0"/>
+                <a:alphaOff val="0"/>
+                <a:satMod val="103000"/>
+                <a:lumMod val="102000"/>
+                <a:tint val="94000"/>
+              </a:schemeClr>
+            </a:gs>
+            <a:gs pos="50000">
+              <a:schemeClr val="dk2">
+                <a:tint val="60000"/>
+                <a:hueOff val="0"/>
+                <a:satOff val="0"/>
+                <a:lumOff val="0"/>
+                <a:alphaOff val="0"/>
+                <a:satMod val="110000"/>
+                <a:lumMod val="100000"/>
+                <a:shade val="100000"/>
+              </a:schemeClr>
+            </a:gs>
+            <a:gs pos="100000">
+              <a:schemeClr val="dk2">
+                <a:tint val="60000"/>
+                <a:hueOff val="0"/>
+                <a:satOff val="0"/>
+                <a:lumOff val="0"/>
+                <a:alphaOff val="0"/>
+                <a:lumMod val="99000"/>
+                <a:satMod val="120000"/>
+                <a:shade val="78000"/>
+              </a:schemeClr>
+            </a:gs>
+          </a:gsLst>
+          <a:lin ang="5400000" scaled="0"/>
+        </a:gradFill>
+        <a:ln>
+          <a:noFill/>
+        </a:ln>
+        <a:effectLst/>
+      </dsp:spPr>
+      <dsp:style>
+        <a:lnRef idx="0">
+          <a:scrgbClr r="0" g="0" b="0"/>
+        </a:lnRef>
+        <a:fillRef idx="3">
+          <a:scrgbClr r="0" g="0" b="0"/>
+        </a:fillRef>
+        <a:effectRef idx="2">
+          <a:scrgbClr r="0" g="0" b="0"/>
+        </a:effectRef>
+        <a:fontRef idx="minor">
+          <a:schemeClr val="lt1"/>
+        </a:fontRef>
+      </dsp:style>
+    </dsp:sp>
+    <dsp:sp modelId="{CDF17065-C85C-4628-B06E-A26087BC625F}">
+      <dsp:nvSpPr>
+        <dsp:cNvPr id="0" name=""/>
+        <dsp:cNvSpPr/>
+      </dsp:nvSpPr>
+      <dsp:spPr>
+        <a:xfrm>
+          <a:off x="2537189" y="1202991"/>
+          <a:ext cx="1467575" cy="583606"/>
+        </a:xfrm>
+        <a:prstGeom prst="roundRect">
+          <a:avLst>
+            <a:gd name="adj" fmla="val 10000"/>
+          </a:avLst>
+        </a:prstGeom>
+        <a:gradFill rotWithShape="0">
+          <a:gsLst>
+            <a:gs pos="0">
+              <a:schemeClr val="dk2">
+                <a:hueOff val="0"/>
+                <a:satOff val="0"/>
+                <a:lumOff val="0"/>
+                <a:alphaOff val="0"/>
+                <a:satMod val="103000"/>
+                <a:lumMod val="102000"/>
+                <a:tint val="94000"/>
+              </a:schemeClr>
+            </a:gs>
+            <a:gs pos="50000">
+              <a:schemeClr val="dk2">
+                <a:hueOff val="0"/>
+                <a:satOff val="0"/>
+                <a:lumOff val="0"/>
+                <a:alphaOff val="0"/>
+                <a:satMod val="110000"/>
+                <a:lumMod val="100000"/>
+                <a:shade val="100000"/>
+              </a:schemeClr>
+            </a:gs>
+            <a:gs pos="100000">
+              <a:schemeClr val="dk2">
+                <a:hueOff val="0"/>
+                <a:satOff val="0"/>
+                <a:lumOff val="0"/>
+                <a:alphaOff val="0"/>
+                <a:lumMod val="99000"/>
+                <a:satMod val="120000"/>
+                <a:shade val="78000"/>
+              </a:schemeClr>
+            </a:gs>
+          </a:gsLst>
+          <a:lin ang="5400000" scaled="0"/>
+        </a:gradFill>
+        <a:ln>
+          <a:noFill/>
+        </a:ln>
+        <a:effectLst/>
+      </dsp:spPr>
+      <dsp:style>
+        <a:lnRef idx="0">
+          <a:scrgbClr r="0" g="0" b="0"/>
+        </a:lnRef>
+        <a:fillRef idx="3">
+          <a:scrgbClr r="0" g="0" b="0"/>
+        </a:fillRef>
+        <a:effectRef idx="2">
+          <a:scrgbClr r="0" g="0" b="0"/>
+        </a:effectRef>
+        <a:fontRef idx="minor">
+          <a:schemeClr val="lt1"/>
+        </a:fontRef>
+      </dsp:style>
+      <dsp:txBody>
+        <a:bodyPr spcFirstLastPara="0" vert="horz" wrap="square" lIns="28575" tIns="19050" rIns="28575" bIns="19050" numCol="1" spcCol="1270" anchor="ctr" anchorCtr="0">
+          <a:noAutofit/>
+        </a:bodyPr>
+        <a:lstStyle/>
+        <a:p>
+          <a:pPr marL="0" lvl="0" indent="0" algn="ctr" defTabSz="666750">
+            <a:lnSpc>
+              <a:spcPct val="90000"/>
+            </a:lnSpc>
+            <a:spcBef>
+              <a:spcPct val="0"/>
+            </a:spcBef>
+            <a:spcAft>
+              <a:spcPct val="35000"/>
+            </a:spcAft>
+            <a:buNone/>
+          </a:pPr>
+          <a:r>
+            <a:rPr lang="en-US" sz="1500" kern="1200" dirty="0">
+              <a:latin typeface="Ubuntu" panose="020B0504030602030204" pitchFamily="34" charset="0"/>
+            </a:rPr>
+            <a:t>Authentication</a:t>
+          </a:r>
+        </a:p>
+      </dsp:txBody>
+      <dsp:txXfrm>
+        <a:off x="2554282" y="1220084"/>
+        <a:ext cx="1433389" cy="549420"/>
+      </dsp:txXfrm>
+    </dsp:sp>
+    <dsp:sp modelId="{A8DE54B0-D2A0-42E5-A6ED-A4430C305803}">
+      <dsp:nvSpPr>
+        <dsp:cNvPr id="0" name=""/>
+        <dsp:cNvSpPr/>
+      </dsp:nvSpPr>
+      <dsp:spPr>
+        <a:xfrm>
+          <a:off x="4340565" y="1494795"/>
+          <a:ext cx="1651021" cy="1361747"/>
+        </a:xfrm>
+        <a:prstGeom prst="roundRect">
+          <a:avLst>
+            <a:gd name="adj" fmla="val 10000"/>
+          </a:avLst>
+        </a:prstGeom>
+        <a:solidFill>
+          <a:schemeClr val="lt2">
+            <a:alpha val="90000"/>
+            <a:hueOff val="0"/>
+            <a:satOff val="0"/>
+            <a:lumOff val="0"/>
+            <a:alphaOff val="0"/>
+          </a:schemeClr>
+        </a:solidFill>
+        <a:ln w="6350" cap="flat" cmpd="sng" algn="ctr">
+          <a:solidFill>
+            <a:schemeClr val="dk2">
+              <a:hueOff val="0"/>
+              <a:satOff val="0"/>
+              <a:lumOff val="0"/>
+              <a:alphaOff val="0"/>
+            </a:schemeClr>
+          </a:solidFill>
+          <a:prstDash val="solid"/>
+          <a:miter lim="800000"/>
+        </a:ln>
+        <a:effectLst/>
+      </dsp:spPr>
+      <dsp:style>
+        <a:lnRef idx="1">
+          <a:scrgbClr r="0" g="0" b="0"/>
+        </a:lnRef>
+        <a:fillRef idx="1">
+          <a:scrgbClr r="0" g="0" b="0"/>
+        </a:fillRef>
+        <a:effectRef idx="0">
+          <a:scrgbClr r="0" g="0" b="0"/>
+        </a:effectRef>
+        <a:fontRef idx="minor"/>
+      </dsp:style>
+      <dsp:txBody>
+        <a:bodyPr spcFirstLastPara="0" vert="horz" wrap="square" lIns="123825" tIns="123825" rIns="123825" bIns="123825" numCol="1" spcCol="1270" anchor="t" anchorCtr="0">
+          <a:noAutofit/>
+        </a:bodyPr>
+        <a:lstStyle/>
+        <a:p>
+          <a:pPr marL="228600" lvl="1" indent="-228600" algn="l" defTabSz="889000">
+            <a:lnSpc>
+              <a:spcPct val="90000"/>
+            </a:lnSpc>
+            <a:spcBef>
+              <a:spcPct val="0"/>
+            </a:spcBef>
+            <a:spcAft>
+              <a:spcPct val="15000"/>
+            </a:spcAft>
+            <a:buChar char="•"/>
+          </a:pPr>
+          <a:r>
+            <a:rPr lang="en-US" sz="2000" kern="1200" dirty="0">
+              <a:latin typeface="Ubuntu" panose="020B0504030602030204" pitchFamily="34" charset="0"/>
+            </a:rPr>
+            <a:t>Authority</a:t>
+          </a:r>
+        </a:p>
+        <a:p>
+          <a:pPr marL="228600" lvl="1" indent="-228600" algn="l" defTabSz="889000">
+            <a:lnSpc>
+              <a:spcPct val="90000"/>
+            </a:lnSpc>
+            <a:spcBef>
+              <a:spcPct val="0"/>
+            </a:spcBef>
+            <a:spcAft>
+              <a:spcPct val="15000"/>
+            </a:spcAft>
+            <a:buChar char="•"/>
+          </a:pPr>
+          <a:r>
+            <a:rPr lang="en-US" sz="2000" kern="1200" dirty="0">
+              <a:latin typeface="Ubuntu" panose="020B0504030602030204" pitchFamily="34" charset="0"/>
+            </a:rPr>
+            <a:t>Role</a:t>
+          </a:r>
+        </a:p>
+      </dsp:txBody>
+      <dsp:txXfrm>
+        <a:off x="4371903" y="1526133"/>
+        <a:ext cx="1588345" cy="1007268"/>
+      </dsp:txXfrm>
+    </dsp:sp>
+    <dsp:sp modelId="{058E44C3-E6EE-4CB0-B9CE-A1D251CDD8E1}">
+      <dsp:nvSpPr>
+        <dsp:cNvPr id="0" name=""/>
+        <dsp:cNvSpPr/>
+      </dsp:nvSpPr>
+      <dsp:spPr>
+        <a:xfrm>
+          <a:off x="5249548" y="1751427"/>
+          <a:ext cx="1920774" cy="1920774"/>
+        </a:xfrm>
+        <a:prstGeom prst="leftCircularArrow">
+          <a:avLst>
+            <a:gd name="adj1" fmla="val 3671"/>
+            <a:gd name="adj2" fmla="val 457399"/>
+            <a:gd name="adj3" fmla="val 2232910"/>
+            <a:gd name="adj4" fmla="val 9024489"/>
+            <a:gd name="adj5" fmla="val 4283"/>
+          </a:avLst>
+        </a:prstGeom>
+        <a:gradFill rotWithShape="0">
+          <a:gsLst>
+            <a:gs pos="0">
+              <a:schemeClr val="dk2">
+                <a:tint val="60000"/>
+                <a:hueOff val="0"/>
+                <a:satOff val="0"/>
+                <a:lumOff val="0"/>
+                <a:alphaOff val="0"/>
+                <a:satMod val="103000"/>
+                <a:lumMod val="102000"/>
+                <a:tint val="94000"/>
+              </a:schemeClr>
+            </a:gs>
+            <a:gs pos="50000">
+              <a:schemeClr val="dk2">
+                <a:tint val="60000"/>
+                <a:hueOff val="0"/>
+                <a:satOff val="0"/>
+                <a:lumOff val="0"/>
+                <a:alphaOff val="0"/>
+                <a:satMod val="110000"/>
+                <a:lumMod val="100000"/>
+                <a:shade val="100000"/>
+              </a:schemeClr>
+            </a:gs>
+            <a:gs pos="100000">
+              <a:schemeClr val="dk2">
+                <a:tint val="60000"/>
+                <a:hueOff val="0"/>
+                <a:satOff val="0"/>
+                <a:lumOff val="0"/>
+                <a:alphaOff val="0"/>
+                <a:lumMod val="99000"/>
+                <a:satMod val="120000"/>
+                <a:shade val="78000"/>
+              </a:schemeClr>
+            </a:gs>
+          </a:gsLst>
+          <a:lin ang="5400000" scaled="0"/>
+        </a:gradFill>
+        <a:ln>
+          <a:noFill/>
+        </a:ln>
+        <a:effectLst/>
+      </dsp:spPr>
+      <dsp:style>
+        <a:lnRef idx="0">
+          <a:scrgbClr r="0" g="0" b="0"/>
+        </a:lnRef>
+        <a:fillRef idx="3">
+          <a:scrgbClr r="0" g="0" b="0"/>
+        </a:fillRef>
+        <a:effectRef idx="2">
+          <a:scrgbClr r="0" g="0" b="0"/>
+        </a:effectRef>
+        <a:fontRef idx="minor">
+          <a:schemeClr val="lt1"/>
+        </a:fontRef>
+      </dsp:style>
+    </dsp:sp>
+    <dsp:sp modelId="{E45CFD28-030C-473A-A9E9-0932071F544C}">
+      <dsp:nvSpPr>
+        <dsp:cNvPr id="0" name=""/>
+        <dsp:cNvSpPr/>
+      </dsp:nvSpPr>
+      <dsp:spPr>
+        <a:xfrm>
+          <a:off x="4707459" y="2564739"/>
+          <a:ext cx="1467575" cy="583606"/>
+        </a:xfrm>
+        <a:prstGeom prst="roundRect">
+          <a:avLst>
+            <a:gd name="adj" fmla="val 10000"/>
+          </a:avLst>
+        </a:prstGeom>
+        <a:gradFill rotWithShape="0">
+          <a:gsLst>
+            <a:gs pos="0">
+              <a:schemeClr val="dk2">
+                <a:hueOff val="0"/>
+                <a:satOff val="0"/>
+                <a:lumOff val="0"/>
+                <a:alphaOff val="0"/>
+                <a:satMod val="103000"/>
+                <a:lumMod val="102000"/>
+                <a:tint val="94000"/>
+              </a:schemeClr>
+            </a:gs>
+            <a:gs pos="50000">
+              <a:schemeClr val="dk2">
+                <a:hueOff val="0"/>
+                <a:satOff val="0"/>
+                <a:lumOff val="0"/>
+                <a:alphaOff val="0"/>
+                <a:satMod val="110000"/>
+                <a:lumMod val="100000"/>
+                <a:shade val="100000"/>
+              </a:schemeClr>
+            </a:gs>
+            <a:gs pos="100000">
+              <a:schemeClr val="dk2">
+                <a:hueOff val="0"/>
+                <a:satOff val="0"/>
+                <a:lumOff val="0"/>
+                <a:alphaOff val="0"/>
+                <a:lumMod val="99000"/>
+                <a:satMod val="120000"/>
+                <a:shade val="78000"/>
+              </a:schemeClr>
+            </a:gs>
+          </a:gsLst>
+          <a:lin ang="5400000" scaled="0"/>
+        </a:gradFill>
+        <a:ln>
+          <a:noFill/>
+        </a:ln>
+        <a:effectLst/>
+      </dsp:spPr>
+      <dsp:style>
+        <a:lnRef idx="0">
+          <a:scrgbClr r="0" g="0" b="0"/>
+        </a:lnRef>
+        <a:fillRef idx="3">
+          <a:scrgbClr r="0" g="0" b="0"/>
+        </a:fillRef>
+        <a:effectRef idx="2">
+          <a:scrgbClr r="0" g="0" b="0"/>
+        </a:effectRef>
+        <a:fontRef idx="minor">
+          <a:schemeClr val="lt1"/>
+        </a:fontRef>
+      </dsp:style>
+      <dsp:txBody>
+        <a:bodyPr spcFirstLastPara="0" vert="horz" wrap="square" lIns="28575" tIns="19050" rIns="28575" bIns="19050" numCol="1" spcCol="1270" anchor="ctr" anchorCtr="0">
+          <a:noAutofit/>
+        </a:bodyPr>
+        <a:lstStyle/>
+        <a:p>
+          <a:pPr marL="0" lvl="0" indent="0" algn="ctr" defTabSz="666750">
+            <a:lnSpc>
+              <a:spcPct val="90000"/>
+            </a:lnSpc>
+            <a:spcBef>
+              <a:spcPct val="0"/>
+            </a:spcBef>
+            <a:spcAft>
+              <a:spcPct val="35000"/>
+            </a:spcAft>
+            <a:buNone/>
+          </a:pPr>
+          <a:r>
+            <a:rPr lang="en-US" sz="1500" kern="1200" dirty="0">
+              <a:latin typeface="Ubuntu" panose="020B0504030602030204" pitchFamily="34" charset="0"/>
+            </a:rPr>
+            <a:t>User</a:t>
+          </a:r>
+        </a:p>
+      </dsp:txBody>
+      <dsp:txXfrm>
+        <a:off x="4724552" y="2581832"/>
+        <a:ext cx="1433389" cy="549420"/>
+      </dsp:txXfrm>
+    </dsp:sp>
+    <dsp:sp modelId="{C1308771-16D5-4BDC-AA26-D0C2EA2B954C}">
+      <dsp:nvSpPr>
+        <dsp:cNvPr id="0" name=""/>
+        <dsp:cNvSpPr/>
+      </dsp:nvSpPr>
+      <dsp:spPr>
+        <a:xfrm>
+          <a:off x="6510835" y="1494795"/>
+          <a:ext cx="1651021" cy="1361747"/>
+        </a:xfrm>
+        <a:prstGeom prst="roundRect">
+          <a:avLst>
+            <a:gd name="adj" fmla="val 10000"/>
+          </a:avLst>
+        </a:prstGeom>
+        <a:solidFill>
+          <a:schemeClr val="lt2">
+            <a:alpha val="90000"/>
+            <a:hueOff val="0"/>
+            <a:satOff val="0"/>
+            <a:lumOff val="0"/>
+            <a:alphaOff val="0"/>
+          </a:schemeClr>
+        </a:solidFill>
+        <a:ln w="6350" cap="flat" cmpd="sng" algn="ctr">
+          <a:solidFill>
+            <a:schemeClr val="dk2">
+              <a:hueOff val="0"/>
+              <a:satOff val="0"/>
+              <a:lumOff val="0"/>
+              <a:alphaOff val="0"/>
+            </a:schemeClr>
+          </a:solidFill>
+          <a:prstDash val="solid"/>
+          <a:miter lim="800000"/>
+        </a:ln>
+        <a:effectLst/>
+      </dsp:spPr>
+      <dsp:style>
+        <a:lnRef idx="1">
+          <a:scrgbClr r="0" g="0" b="0"/>
+        </a:lnRef>
+        <a:fillRef idx="1">
+          <a:scrgbClr r="0" g="0" b="0"/>
+        </a:fillRef>
+        <a:effectRef idx="0">
+          <a:scrgbClr r="0" g="0" b="0"/>
+        </a:effectRef>
+        <a:fontRef idx="minor"/>
+      </dsp:style>
+    </dsp:sp>
+    <dsp:sp modelId="{2E2F7FA5-F836-40FA-A5EC-3340ECB23962}">
+      <dsp:nvSpPr>
+        <dsp:cNvPr id="0" name=""/>
+        <dsp:cNvSpPr/>
+      </dsp:nvSpPr>
+      <dsp:spPr>
+        <a:xfrm>
+          <a:off x="7406060" y="625743"/>
+          <a:ext cx="2131738" cy="2131738"/>
+        </a:xfrm>
+        <a:prstGeom prst="circularArrow">
+          <a:avLst>
+            <a:gd name="adj1" fmla="val 3308"/>
+            <a:gd name="adj2" fmla="val 408578"/>
+            <a:gd name="adj3" fmla="val 19415911"/>
+            <a:gd name="adj4" fmla="val 12575511"/>
+            <a:gd name="adj5" fmla="val 3859"/>
+          </a:avLst>
+        </a:prstGeom>
+        <a:gradFill rotWithShape="0">
+          <a:gsLst>
+            <a:gs pos="0">
+              <a:schemeClr val="dk2">
+                <a:tint val="60000"/>
+                <a:hueOff val="0"/>
+                <a:satOff val="0"/>
+                <a:lumOff val="0"/>
+                <a:alphaOff val="0"/>
+                <a:satMod val="103000"/>
+                <a:lumMod val="102000"/>
+                <a:tint val="94000"/>
+              </a:schemeClr>
+            </a:gs>
+            <a:gs pos="50000">
+              <a:schemeClr val="dk2">
+                <a:tint val="60000"/>
+                <a:hueOff val="0"/>
+                <a:satOff val="0"/>
+                <a:lumOff val="0"/>
+                <a:alphaOff val="0"/>
+                <a:satMod val="110000"/>
+                <a:lumMod val="100000"/>
+                <a:shade val="100000"/>
+              </a:schemeClr>
+            </a:gs>
+            <a:gs pos="100000">
+              <a:schemeClr val="dk2">
+                <a:tint val="60000"/>
+                <a:hueOff val="0"/>
+                <a:satOff val="0"/>
+                <a:lumOff val="0"/>
+                <a:alphaOff val="0"/>
+                <a:lumMod val="99000"/>
+                <a:satMod val="120000"/>
+                <a:shade val="78000"/>
+              </a:schemeClr>
+            </a:gs>
+          </a:gsLst>
+          <a:lin ang="5400000" scaled="0"/>
+        </a:gradFill>
+        <a:ln>
+          <a:noFill/>
+        </a:ln>
+        <a:effectLst/>
+      </dsp:spPr>
+      <dsp:style>
+        <a:lnRef idx="0">
+          <a:scrgbClr r="0" g="0" b="0"/>
+        </a:lnRef>
+        <a:fillRef idx="3">
+          <a:scrgbClr r="0" g="0" b="0"/>
+        </a:fillRef>
+        <a:effectRef idx="2">
+          <a:scrgbClr r="0" g="0" b="0"/>
+        </a:effectRef>
+        <a:fontRef idx="minor">
+          <a:schemeClr val="lt1"/>
+        </a:fontRef>
+      </dsp:style>
+    </dsp:sp>
+    <dsp:sp modelId="{F99FC991-37FA-4F8B-B225-ECF2377713CF}">
+      <dsp:nvSpPr>
+        <dsp:cNvPr id="0" name=""/>
+        <dsp:cNvSpPr/>
+      </dsp:nvSpPr>
+      <dsp:spPr>
+        <a:xfrm>
+          <a:off x="6877729" y="1202991"/>
+          <a:ext cx="1467575" cy="583606"/>
+        </a:xfrm>
+        <a:prstGeom prst="roundRect">
+          <a:avLst>
+            <a:gd name="adj" fmla="val 10000"/>
+          </a:avLst>
+        </a:prstGeom>
+        <a:gradFill rotWithShape="0">
+          <a:gsLst>
+            <a:gs pos="0">
+              <a:schemeClr val="dk2">
+                <a:hueOff val="0"/>
+                <a:satOff val="0"/>
+                <a:lumOff val="0"/>
+                <a:alphaOff val="0"/>
+                <a:satMod val="103000"/>
+                <a:lumMod val="102000"/>
+                <a:tint val="94000"/>
+              </a:schemeClr>
+            </a:gs>
+            <a:gs pos="50000">
+              <a:schemeClr val="dk2">
+                <a:hueOff val="0"/>
+                <a:satOff val="0"/>
+                <a:lumOff val="0"/>
+                <a:alphaOff val="0"/>
+                <a:satMod val="110000"/>
+                <a:lumMod val="100000"/>
+                <a:shade val="100000"/>
+              </a:schemeClr>
+            </a:gs>
+            <a:gs pos="100000">
+              <a:schemeClr val="dk2">
+                <a:hueOff val="0"/>
+                <a:satOff val="0"/>
+                <a:lumOff val="0"/>
+                <a:alphaOff val="0"/>
+                <a:lumMod val="99000"/>
+                <a:satMod val="120000"/>
+                <a:shade val="78000"/>
+              </a:schemeClr>
+            </a:gs>
+          </a:gsLst>
+          <a:lin ang="5400000" scaled="0"/>
+        </a:gradFill>
+        <a:ln>
+          <a:noFill/>
+        </a:ln>
+        <a:effectLst/>
+      </dsp:spPr>
+      <dsp:style>
+        <a:lnRef idx="0">
+          <a:scrgbClr r="0" g="0" b="0"/>
+        </a:lnRef>
+        <a:fillRef idx="3">
+          <a:scrgbClr r="0" g="0" b="0"/>
+        </a:fillRef>
+        <a:effectRef idx="2">
+          <a:scrgbClr r="0" g="0" b="0"/>
+        </a:effectRef>
+        <a:fontRef idx="minor">
+          <a:schemeClr val="lt1"/>
+        </a:fontRef>
+      </dsp:style>
+      <dsp:txBody>
+        <a:bodyPr spcFirstLastPara="0" vert="horz" wrap="square" lIns="28575" tIns="19050" rIns="28575" bIns="19050" numCol="1" spcCol="1270" anchor="ctr" anchorCtr="0">
+          <a:noAutofit/>
+        </a:bodyPr>
+        <a:lstStyle/>
+        <a:p>
+          <a:pPr marL="0" lvl="0" indent="0" algn="ctr" defTabSz="666750">
+            <a:lnSpc>
+              <a:spcPct val="90000"/>
+            </a:lnSpc>
+            <a:spcBef>
+              <a:spcPct val="0"/>
+            </a:spcBef>
+            <a:spcAft>
+              <a:spcPct val="35000"/>
+            </a:spcAft>
+            <a:buNone/>
+          </a:pPr>
+          <a:r>
+            <a:rPr lang="en-US" sz="1500" kern="1200" dirty="0">
+              <a:latin typeface="Ubuntu" panose="020B0504030602030204" pitchFamily="34" charset="0"/>
+            </a:rPr>
+            <a:t>Animals</a:t>
+          </a:r>
+        </a:p>
+      </dsp:txBody>
+      <dsp:txXfrm>
+        <a:off x="6894822" y="1220084"/>
+        <a:ext cx="1433389" cy="549420"/>
+      </dsp:txXfrm>
+    </dsp:sp>
+    <dsp:sp modelId="{9C0EDD06-8418-4AF0-A9BC-46CFED82098C}">
+      <dsp:nvSpPr>
+        <dsp:cNvPr id="0" name=""/>
+        <dsp:cNvSpPr/>
+      </dsp:nvSpPr>
+      <dsp:spPr>
+        <a:xfrm>
+          <a:off x="8681105" y="1494795"/>
+          <a:ext cx="1651021" cy="1361747"/>
+        </a:xfrm>
+        <a:prstGeom prst="roundRect">
+          <a:avLst>
+            <a:gd name="adj" fmla="val 10000"/>
+          </a:avLst>
+        </a:prstGeom>
+        <a:solidFill>
+          <a:schemeClr val="lt2">
+            <a:alpha val="90000"/>
+            <a:hueOff val="0"/>
+            <a:satOff val="0"/>
+            <a:lumOff val="0"/>
+            <a:alphaOff val="0"/>
+          </a:schemeClr>
+        </a:solidFill>
+        <a:ln w="6350" cap="flat" cmpd="sng" algn="ctr">
+          <a:solidFill>
+            <a:schemeClr val="dk2">
+              <a:hueOff val="0"/>
+              <a:satOff val="0"/>
+              <a:lumOff val="0"/>
+              <a:alphaOff val="0"/>
+            </a:schemeClr>
+          </a:solidFill>
+          <a:prstDash val="solid"/>
+          <a:miter lim="800000"/>
+        </a:ln>
+        <a:effectLst/>
+      </dsp:spPr>
+      <dsp:style>
+        <a:lnRef idx="1">
+          <a:scrgbClr r="0" g="0" b="0"/>
+        </a:lnRef>
+        <a:fillRef idx="1">
+          <a:scrgbClr r="0" g="0" b="0"/>
+        </a:fillRef>
+        <a:effectRef idx="0">
+          <a:scrgbClr r="0" g="0" b="0"/>
+        </a:effectRef>
+        <a:fontRef idx="minor"/>
+      </dsp:style>
+    </dsp:sp>
+    <dsp:sp modelId="{FC6F480A-F5AE-4FEA-B587-14C47C144DF0}">
+      <dsp:nvSpPr>
+        <dsp:cNvPr id="0" name=""/>
+        <dsp:cNvSpPr/>
+      </dsp:nvSpPr>
+      <dsp:spPr>
+        <a:xfrm>
+          <a:off x="9047998" y="2564739"/>
+          <a:ext cx="1467575" cy="583606"/>
+        </a:xfrm>
+        <a:prstGeom prst="roundRect">
+          <a:avLst>
+            <a:gd name="adj" fmla="val 10000"/>
+          </a:avLst>
+        </a:prstGeom>
+        <a:gradFill rotWithShape="0">
+          <a:gsLst>
+            <a:gs pos="0">
+              <a:schemeClr val="dk2">
+                <a:hueOff val="0"/>
+                <a:satOff val="0"/>
+                <a:lumOff val="0"/>
+                <a:alphaOff val="0"/>
+                <a:satMod val="103000"/>
+                <a:lumMod val="102000"/>
+                <a:tint val="94000"/>
+              </a:schemeClr>
+            </a:gs>
+            <a:gs pos="50000">
+              <a:schemeClr val="dk2">
+                <a:hueOff val="0"/>
+                <a:satOff val="0"/>
+                <a:lumOff val="0"/>
+                <a:alphaOff val="0"/>
+                <a:satMod val="110000"/>
+                <a:lumMod val="100000"/>
+                <a:shade val="100000"/>
+              </a:schemeClr>
+            </a:gs>
+            <a:gs pos="100000">
+              <a:schemeClr val="dk2">
+                <a:hueOff val="0"/>
+                <a:satOff val="0"/>
+                <a:lumOff val="0"/>
+                <a:alphaOff val="0"/>
+                <a:lumMod val="99000"/>
+                <a:satMod val="120000"/>
+                <a:shade val="78000"/>
+              </a:schemeClr>
+            </a:gs>
+          </a:gsLst>
+          <a:lin ang="5400000" scaled="0"/>
+        </a:gradFill>
+        <a:ln>
+          <a:noFill/>
+        </a:ln>
+        <a:effectLst/>
+      </dsp:spPr>
+      <dsp:style>
+        <a:lnRef idx="0">
+          <a:scrgbClr r="0" g="0" b="0"/>
+        </a:lnRef>
+        <a:fillRef idx="3">
+          <a:scrgbClr r="0" g="0" b="0"/>
+        </a:fillRef>
+        <a:effectRef idx="2">
+          <a:scrgbClr r="0" g="0" b="0"/>
+        </a:effectRef>
+        <a:fontRef idx="minor">
+          <a:schemeClr val="lt1"/>
+        </a:fontRef>
+      </dsp:style>
+      <dsp:txBody>
+        <a:bodyPr spcFirstLastPara="0" vert="horz" wrap="square" lIns="28575" tIns="19050" rIns="28575" bIns="19050" numCol="1" spcCol="1270" anchor="ctr" anchorCtr="0">
+          <a:noAutofit/>
+        </a:bodyPr>
+        <a:lstStyle/>
+        <a:p>
+          <a:pPr marL="0" lvl="0" indent="0" algn="ctr" defTabSz="666750">
+            <a:lnSpc>
+              <a:spcPct val="90000"/>
+            </a:lnSpc>
+            <a:spcBef>
+              <a:spcPct val="0"/>
+            </a:spcBef>
+            <a:spcAft>
+              <a:spcPct val="35000"/>
+            </a:spcAft>
+            <a:buNone/>
+          </a:pPr>
+          <a:r>
+            <a:rPr lang="en-US" sz="1500" kern="1200" dirty="0">
+              <a:latin typeface="Ubuntu" panose="020B0504030602030204" pitchFamily="34" charset="0"/>
+            </a:rPr>
+            <a:t>Medications</a:t>
+          </a:r>
+        </a:p>
+      </dsp:txBody>
+      <dsp:txXfrm>
+        <a:off x="9065091" y="2581832"/>
+        <a:ext cx="1433389" cy="549420"/>
+      </dsp:txXfrm>
+    </dsp:sp>
+  </dsp:spTree>
+</dsp:drawing>
+</file>
+
+<file path=ppt/diagrams/layout1.xml><?xml version="1.0" encoding="utf-8"?>
+<dgm:layoutDef xmlns:dgm="http://schemas.openxmlformats.org/drawingml/2006/diagram" xmlns:a="http://schemas.openxmlformats.org/drawingml/2006/main" uniqueId="urn:microsoft.com/office/officeart/2005/8/layout/hProcess4">
+  <dgm:title val=""/>
+  <dgm:desc val=""/>
+  <dgm:catLst>
+    <dgm:cat type="process" pri="4000"/>
+  </dgm:catLst>
+  <dgm:sampData>
+    <dgm:dataModel>
+      <dgm:ptLst>
+        <dgm:pt modelId="0" type="doc"/>
+        <dgm:pt modelId="1">
+          <dgm:prSet phldr="1"/>
+        </dgm:pt>
+        <dgm:pt modelId="11">
+          <dgm:prSet phldr="1"/>
+        </dgm:pt>
+        <dgm:pt modelId="12">
+          <dgm:prSet phldr="1"/>
+        </dgm:pt>
+        <dgm:pt modelId="2">
+          <dgm:prSet phldr="1"/>
+        </dgm:pt>
+        <dgm:pt modelId="21">
+          <dgm:prSet phldr="1"/>
+        </dgm:pt>
+        <dgm:pt modelId="22">
+          <dgm:prSet phldr="1"/>
+        </dgm:pt>
+        <dgm:pt modelId="3">
+          <dgm:prSet phldr="1"/>
+        </dgm:pt>
+        <dgm:pt modelId="31">
+          <dgm:prSet phldr="1"/>
+        </dgm:pt>
+        <dgm:pt modelId="32">
+          <dgm:prSet phldr="1"/>
+        </dgm:pt>
+      </dgm:ptLst>
+      <dgm:cxnLst>
+        <dgm:cxn modelId="4" srcId="0" destId="1" srcOrd="0" destOrd="0"/>
+        <dgm:cxn modelId="5" srcId="0" destId="2" srcOrd="1" destOrd="0"/>
+        <dgm:cxn modelId="6" srcId="0" destId="3" srcOrd="2" destOrd="0"/>
+        <dgm:cxn modelId="13" srcId="1" destId="11" srcOrd="0" destOrd="0"/>
+        <dgm:cxn modelId="14" srcId="1" destId="12" srcOrd="1" destOrd="0"/>
+        <dgm:cxn modelId="23" srcId="2" destId="21" srcOrd="0" destOrd="0"/>
+        <dgm:cxn modelId="24" srcId="2" destId="22" srcOrd="1" destOrd="0"/>
+        <dgm:cxn modelId="33" srcId="3" destId="31" srcOrd="0" destOrd="0"/>
+        <dgm:cxn modelId="34" srcId="3" destId="32" srcOrd="1" destOrd="0"/>
+      </dgm:cxnLst>
+      <dgm:bg/>
+      <dgm:whole/>
+    </dgm:dataModel>
+  </dgm:sampData>
+  <dgm:styleData>
+    <dgm:dataModel>
+      <dgm:ptLst>
+        <dgm:pt modelId="0" type="doc"/>
+        <dgm:pt modelId="1"/>
+        <dgm:pt modelId="11"/>
+        <dgm:pt modelId="2"/>
+        <dgm:pt modelId="21"/>
+      </dgm:ptLst>
+      <dgm:cxnLst>
+        <dgm:cxn modelId="4" srcId="0" destId="1" srcOrd="0" destOrd="0"/>
+        <dgm:cxn modelId="5" srcId="0" destId="2" srcOrd="1" destOrd="0"/>
+        <dgm:cxn modelId="13" srcId="1" destId="11" srcOrd="0" destOrd="0"/>
+        <dgm:cxn modelId="23" srcId="2" destId="21" srcOrd="0" destOrd="0"/>
+      </dgm:cxnLst>
+      <dgm:bg/>
+      <dgm:whole/>
+    </dgm:dataModel>
+  </dgm:styleData>
+  <dgm:clrData>
+    <dgm:dataModel>
+      <dgm:ptLst>
+        <dgm:pt modelId="0" type="doc"/>
+        <dgm:pt modelId="1"/>
+        <dgm:pt modelId="11"/>
+        <dgm:pt modelId="2"/>
+        <dgm:pt modelId="21"/>
+        <dgm:pt modelId="3"/>
+        <dgm:pt modelId="31"/>
+        <dgm:pt modelId="4"/>
+        <dgm:pt modelId="41"/>
+      </dgm:ptLst>
+      <dgm:cxnLst>
+        <dgm:cxn modelId="5" srcId="0" destId="1" srcOrd="0" destOrd="0"/>
+        <dgm:cxn modelId="6" srcId="0" destId="2" srcOrd="1" destOrd="0"/>
+        <dgm:cxn modelId="7" srcId="0" destId="3" srcOrd="2" destOrd="0"/>
+        <dgm:cxn modelId="8" srcId="0" destId="4" srcOrd="3" destOrd="0"/>
+        <dgm:cxn modelId="13" srcId="1" destId="11" srcOrd="0" destOrd="0"/>
+        <dgm:cxn modelId="23" srcId="2" destId="21" srcOrd="0" destOrd="0"/>
+        <dgm:cxn modelId="33" srcId="3" destId="31" srcOrd="0" destOrd="0"/>
+        <dgm:cxn modelId="43" srcId="4" destId="41" srcOrd="0" destOrd="0"/>
+      </dgm:cxnLst>
+      <dgm:bg/>
+      <dgm:whole/>
+    </dgm:dataModel>
+  </dgm:clrData>
+  <dgm:layoutNode name="Name0">
+    <dgm:varLst>
+      <dgm:dir/>
+      <dgm:animLvl val="lvl"/>
+      <dgm:resizeHandles val="exact"/>
+    </dgm:varLst>
+    <dgm:alg type="composite"/>
+    <dgm:shape xmlns:r="http://schemas.openxmlformats.org/officeDocument/2006/relationships" r:blip="">
+      <dgm:adjLst/>
+    </dgm:shape>
+    <dgm:presOf/>
+    <dgm:constrLst>
+      <dgm:constr type="w" for="ch" forName="tSp" refType="w"/>
+      <dgm:constr type="h" for="ch" forName="tSp" refType="h" fact="0.15"/>
+      <dgm:constr type="l" for="ch" forName="tSp"/>
+      <dgm:constr type="t" for="ch" forName="tSp"/>
+      <dgm:constr type="w" for="ch" forName="bSp" refType="w"/>
+      <dgm:constr type="h" for="ch" forName="bSp" refType="h" fact="0.15"/>
+      <dgm:constr type="l" for="ch" forName="bSp"/>
+      <dgm:constr type="t" for="ch" forName="bSp" refType="h" fact="0.85"/>
+      <dgm:constr type="w" for="ch" forName="process" refType="w"/>
+      <dgm:constr type="h" for="ch" forName="process" refType="h" fact="0.7"/>
+      <dgm:constr type="l" for="ch" forName="process"/>
+      <dgm:constr type="t" for="ch" forName="process" refType="h" fact="0.15"/>
+    </dgm:constrLst>
+    <dgm:ruleLst/>
+    <dgm:layoutNode name="tSp">
+      <dgm:alg type="sp"/>
+      <dgm:shape xmlns:r="http://schemas.openxmlformats.org/officeDocument/2006/relationships" r:blip="">
+        <dgm:adjLst/>
+      </dgm:shape>
+      <dgm:presOf/>
+      <dgm:constrLst/>
+      <dgm:ruleLst/>
+    </dgm:layoutNode>
+    <dgm:layoutNode name="bSp">
+      <dgm:alg type="sp"/>
+      <dgm:shape xmlns:r="http://schemas.openxmlformats.org/officeDocument/2006/relationships" r:blip="">
+        <dgm:adjLst/>
+      </dgm:shape>
+      <dgm:presOf/>
+      <dgm:constrLst/>
+      <dgm:ruleLst/>
+    </dgm:layoutNode>
+    <dgm:layoutNode name="process">
+      <dgm:choose name="Name1">
+        <dgm:if name="Name2" func="var" arg="dir" op="equ" val="norm">
+          <dgm:alg type="lin">
+            <dgm:param type="linDir" val="fromL"/>
+          </dgm:alg>
+        </dgm:if>
+        <dgm:else name="Name3">
+          <dgm:alg type="lin">
+            <dgm:param type="linDir" val="fromR"/>
+          </dgm:alg>
+        </dgm:else>
+      </dgm:choose>
+      <dgm:shape xmlns:r="http://schemas.openxmlformats.org/officeDocument/2006/relationships" r:blip="">
+        <dgm:adjLst/>
+      </dgm:shape>
+      <dgm:presOf/>
+      <dgm:constrLst>
+        <dgm:constr type="w" for="ch" forName="composite1" refType="w"/>
+        <dgm:constr type="w" for="ch" forName="composite2" refType="w" refFor="ch" refForName="composite1" op="equ"/>
+        <dgm:constr type="h" for="ch" forName="composite1" refType="h"/>
+        <dgm:constr type="h" for="ch" forName="composite2" refType="h" refFor="ch" refForName="composite1" op="equ"/>
+        <dgm:constr type="primFontSz" for="des" forName="parentNode1" val="65"/>
+        <dgm:constr type="primFontSz" for="des" forName="parentNode2" refType="primFontSz" refFor="des" refForName="parentNode1" op="equ"/>
+        <dgm:constr type="secFontSz" for="des" forName="childNode1tx" val="65"/>
+        <dgm:constr type="secFontSz" for="des" forName="childNode2tx" refType="secFontSz" refFor="des" refForName="childNode1tx" op="equ"/>
+        <dgm:constr type="w" for="des" ptType="sibTrans" refType="w" refFor="ch" refForName="composite1" op="equ" fact="0.05"/>
+      </dgm:constrLst>
+      <dgm:ruleLst/>
+      <dgm:forEach name="Name4" axis="ch" ptType="node" step="2">
+        <dgm:layoutNode name="composite1">
+          <dgm:alg type="composite">
+            <dgm:param type="ar" val="0.943"/>
+          </dgm:alg>
+          <dgm:shape xmlns:r="http://schemas.openxmlformats.org/officeDocument/2006/relationships" r:blip="">
+            <dgm:adjLst/>
+          </dgm:shape>
+          <dgm:presOf/>
+          <dgm:choose name="Name5">
+            <dgm:if name="Name6" func="var" arg="dir" op="equ" val="norm">
+              <dgm:constrLst>
+                <dgm:constr type="h" refType="w" fact="1.06"/>
+                <dgm:constr type="w" for="ch" forName="dummyNode1" refType="w"/>
+                <dgm:constr type="h" for="ch" forName="dummyNode1" refType="h"/>
+                <dgm:constr type="t" for="ch" forName="dummyNode1"/>
+                <dgm:constr type="l" for="ch" forName="dummyNode1"/>
+                <dgm:constr type="w" for="ch" forName="childNode1" refType="w" fact="0.9"/>
+                <dgm:constr type="h" for="ch" forName="childNode1" refType="h" fact="0.7"/>
+                <dgm:constr type="t" for="ch" forName="childNode1" refType="h" fact="0.15"/>
+                <dgm:constr type="l" for="ch" forName="childNode1"/>
+                <dgm:constr type="w" for="ch" forName="childNode1tx" refType="w" fact="0.9"/>
+                <dgm:constr type="h" for="ch" forName="childNode1tx" refType="h" fact="0.55"/>
+                <dgm:constr type="t" for="ch" forName="childNode1tx" refType="h" fact="0.15"/>
+                <dgm:constr type="l" for="ch" forName="childNode1tx"/>
+                <dgm:constr type="w" for="ch" forName="parentNode1" refType="w" fact="0.8"/>
+                <dgm:constr type="h" for="ch" forName="parentNode1" refType="h" fact="0.3"/>
+                <dgm:constr type="t" for="ch" forName="parentNode1" refType="h" fact="0.7"/>
+                <dgm:constr type="l" for="ch" forName="parentNode1" refType="w" fact="0.2"/>
+                <dgm:constr type="w" for="ch" forName="connSite1" refType="w" fact="0.01"/>
+                <dgm:constr type="h" for="ch" forName="connSite1" refType="h" fact="0.01"/>
+                <dgm:constr type="t" for="ch" forName="connSite1"/>
+                <dgm:constr type="l" for="ch" forName="connSite1" refType="w" fact="0.35"/>
+              </dgm:constrLst>
+            </dgm:if>
+            <dgm:else name="Name7">
+              <dgm:constrLst>
+                <dgm:constr type="h" refType="w" fact="1.06"/>
+                <dgm:constr type="w" for="ch" forName="dummyNode1" refType="w"/>
+                <dgm:constr type="h" for="ch" forName="dummyNode1" refType="h"/>
+                <dgm:constr type="t" for="ch" forName="dummyNode1"/>
+                <dgm:constr type="l" for="ch" forName="dummyNode1"/>
+                <dgm:constr type="w" for="ch" forName="childNode1" refType="w" fact="0.9"/>
+                <dgm:constr type="h" for="ch" forName="childNode1" refType="h" fact="0.7"/>
+                <dgm:constr type="t" for="ch" forName="childNode1" refType="h" fact="0.15"/>
+                <dgm:constr type="l" for="ch" forName="childNode1" refType="w" fact="0.1"/>
+                <dgm:constr type="w" for="ch" forName="childNode1tx" refType="w" fact="0.9"/>
+                <dgm:constr type="h" for="ch" forName="childNode1tx" refType="h" fact="0.55"/>
+                <dgm:constr type="t" for="ch" forName="childNode1tx" refType="h" fact="0.15"/>
+                <dgm:constr type="l" for="ch" forName="childNode1tx" refType="w" fact="0.1"/>
+                <dgm:constr type="w" for="ch" forName="parentNode1" refType="w" fact="0.8"/>
+                <dgm:constr type="h" for="ch" forName="parentNode1" refType="h" fact="0.3"/>
+                <dgm:constr type="t" for="ch" forName="parentNode1" refType="h" fact="0.7"/>
+                <dgm:constr type="l" for="ch" forName="parentNode1"/>
+                <dgm:constr type="w" for="ch" forName="connSite1" refType="w" fact="0.01"/>
+                <dgm:constr type="h" for="ch" forName="connSite1" refType="h" fact="0.01"/>
+                <dgm:constr type="t" for="ch" forName="connSite1"/>
+                <dgm:constr type="l" for="ch" forName="connSite1" refType="w" fact="0.65"/>
+              </dgm:constrLst>
+            </dgm:else>
+          </dgm:choose>
+          <dgm:ruleLst/>
+          <dgm:layoutNode name="dummyNode1">
+            <dgm:alg type="sp"/>
+            <dgm:shape xmlns:r="http://schemas.openxmlformats.org/officeDocument/2006/relationships" type="rect" r:blip="" hideGeom="1">
+              <dgm:adjLst/>
+            </dgm:shape>
+            <dgm:presOf/>
+            <dgm:constrLst/>
+            <dgm:ruleLst/>
+          </dgm:layoutNode>
+          <dgm:layoutNode name="childNode1" styleLbl="bgAcc1">
+            <dgm:varLst>
+              <dgm:bulletEnabled val="1"/>
+            </dgm:varLst>
+            <dgm:alg type="sp"/>
+            <dgm:shape xmlns:r="http://schemas.openxmlformats.org/officeDocument/2006/relationships" type="roundRect" r:blip="">
+              <dgm:adjLst>
+                <dgm:adj idx="1" val="0.1"/>
+              </dgm:adjLst>
+            </dgm:shape>
+            <dgm:presOf axis="des" ptType="node"/>
+            <dgm:constrLst/>
+            <dgm:ruleLst/>
+          </dgm:layoutNode>
+          <dgm:layoutNode name="childNode1tx" styleLbl="bgAcc1">
+            <dgm:varLst>
+              <dgm:bulletEnabled val="1"/>
+            </dgm:varLst>
+            <dgm:alg type="tx">
+              <dgm:param type="stBulletLvl" val="1"/>
+            </dgm:alg>
+            <dgm:shape xmlns:r="http://schemas.openxmlformats.org/officeDocument/2006/relationships" type="roundRect" r:blip="" hideGeom="1">
+              <dgm:adjLst>
+                <dgm:adj idx="1" val="0.1"/>
+              </dgm:adjLst>
+            </dgm:shape>
+            <dgm:presOf axis="des" ptType="node"/>
+            <dgm:constrLst>
+              <dgm:constr type="secFontSz" val="65"/>
+              <dgm:constr type="primFontSz" refType="secFontSz"/>
+              <dgm:constr type="tMarg" refType="secFontSz" fact="0.15"/>
+              <dgm:constr type="bMarg" refType="secFontSz" fact="0.15"/>
+              <dgm:constr type="lMarg" refType="secFontSz" fact="0.15"/>
+              <dgm:constr type="rMarg" refType="secFontSz" fact="0.15"/>
+            </dgm:constrLst>
+            <dgm:ruleLst>
+              <dgm:rule type="secFontSz" val="5" fact="NaN" max="NaN"/>
+            </dgm:ruleLst>
+          </dgm:layoutNode>
+          <dgm:layoutNode name="parentNode1" styleLbl="node1">
+            <dgm:varLst>
+              <dgm:chMax val="1"/>
+              <dgm:bulletEnabled val="1"/>
+            </dgm:varLst>
+            <dgm:alg type="tx"/>
+            <dgm:shape xmlns:r="http://schemas.openxmlformats.org/officeDocument/2006/relationships" type="roundRect" r:blip="">
+              <dgm:adjLst>
+                <dgm:adj idx="1" val="0.1"/>
+              </dgm:adjLst>
+            </dgm:shape>
+            <dgm:presOf axis="self"/>
+            <dgm:constrLst>
+              <dgm:constr type="tMarg" refType="primFontSz" fact="0.1"/>
+              <dgm:constr type="bMarg" refType="primFontSz" fact="0.1"/>
+              <dgm:constr type="lMarg" refType="primFontSz" fact="0.15"/>
+              <dgm:constr type="rMarg" refType="primFontSz" fact="0.15"/>
+            </dgm:constrLst>
+            <dgm:ruleLst>
+              <dgm:rule type="primFontSz" val="5" fact="NaN" max="NaN"/>
+            </dgm:ruleLst>
+          </dgm:layoutNode>
+          <dgm:layoutNode name="connSite1" moveWith="childNode1">
+            <dgm:alg type="sp"/>
+            <dgm:shape xmlns:r="http://schemas.openxmlformats.org/officeDocument/2006/relationships" r:blip="">
+              <dgm:adjLst/>
+            </dgm:shape>
+            <dgm:presOf/>
+            <dgm:constrLst/>
+            <dgm:ruleLst/>
+          </dgm:layoutNode>
+        </dgm:layoutNode>
+        <dgm:forEach name="Name8" axis="followSib" ptType="sibTrans" cnt="1">
+          <dgm:layoutNode name="Name9">
+            <dgm:alg type="conn">
+              <dgm:param type="connRout" val="curve"/>
+              <dgm:param type="srcNode" val="parentNode1"/>
+              <dgm:param type="dstNode" val="connSite2"/>
+              <dgm:param type="begPts" val="bCtr"/>
+              <dgm:param type="endPts" val="bCtr"/>
+            </dgm:alg>
+            <dgm:shape xmlns:r="http://schemas.openxmlformats.org/officeDocument/2006/relationships" type="conn" r:blip="" zOrderOff="-2">
+              <dgm:adjLst/>
+            </dgm:shape>
+            <dgm:presOf axis="self"/>
+            <dgm:choose name="Name10">
+              <dgm:if name="Name11" func="var" arg="dir" op="equ" val="norm">
+                <dgm:constrLst>
+                  <dgm:constr type="h" refType="w" fact="0.35"/>
+                  <dgm:constr type="wArH" refType="h"/>
+                  <dgm:constr type="hArH" refType="h"/>
+                  <dgm:constr type="connDist"/>
+                  <dgm:constr type="diam" refType="connDist" fact="-1.15"/>
+                  <dgm:constr type="begPad"/>
+                  <dgm:constr type="endPad"/>
+                </dgm:constrLst>
+              </dgm:if>
+              <dgm:else name="Name12">
+                <dgm:constrLst>
+                  <dgm:constr type="h" refType="w" fact="0.35"/>
+                  <dgm:constr type="wArH" refType="h"/>
+                  <dgm:constr type="hArH" refType="h"/>
+                  <dgm:constr type="connDist"/>
+                  <dgm:constr type="diam" refType="connDist" fact="1.15"/>
+                  <dgm:constr type="begPad"/>
+                  <dgm:constr type="endPad"/>
+                </dgm:constrLst>
+              </dgm:else>
+            </dgm:choose>
+            <dgm:ruleLst/>
+          </dgm:layoutNode>
+        </dgm:forEach>
+        <dgm:forEach name="Name13" axis="followSib" ptType="node" cnt="1">
+          <dgm:layoutNode name="composite2">
+            <dgm:alg type="composite">
+              <dgm:param type="ar" val="0.943"/>
+            </dgm:alg>
+            <dgm:shape xmlns:r="http://schemas.openxmlformats.org/officeDocument/2006/relationships" r:blip="">
+              <dgm:adjLst/>
+            </dgm:shape>
+            <dgm:presOf/>
+            <dgm:choose name="Name14">
+              <dgm:if name="Name15" func="var" arg="dir" op="equ" val="norm">
+                <dgm:constrLst>
+                  <dgm:constr type="h" refType="w" fact="1.06"/>
+                  <dgm:constr type="w" for="ch" forName="dummyNode2" refType="w"/>
+                  <dgm:constr type="h" for="ch" forName="dummyNode2" refType="h"/>
+                  <dgm:constr type="t" for="ch" forName="dummyNode2"/>
+                  <dgm:constr type="l" for="ch" forName="dummyNode2"/>
+                  <dgm:constr type="w" for="ch" forName="childNode2" refType="w" fact="0.9"/>
+                  <dgm:constr type="h" for="ch" forName="childNode2" refType="h" fact="0.7"/>
+                  <dgm:constr type="t" for="ch" forName="childNode2" refType="h" fact="0.15"/>
+                  <dgm:constr type="l" for="ch" forName="childNode2"/>
+                  <dgm:constr type="w" for="ch" forName="childNode2tx" refType="w" fact="0.9"/>
+                  <dgm:constr type="h" for="ch" forName="childNode2tx" refType="h" fact="0.55"/>
+                  <dgm:constr type="t" for="ch" forName="childNode2tx" refType="h" fact="0.3"/>
+                  <dgm:constr type="l" for="ch" forName="childNode2tx"/>
+                  <dgm:constr type="w" for="ch" forName="parentNode2" refType="w" fact="0.8"/>
+                  <dgm:constr type="h" for="ch" forName="parentNode2" refType="h" fact="0.3"/>
+                  <dgm:constr type="t" for="ch" forName="parentNode2"/>
+                  <dgm:constr type="l" for="ch" forName="parentNode2" refType="w" fact="0.2"/>
+                  <dgm:constr type="w" for="ch" forName="connSite2" refType="w" fact="0.01"/>
+                  <dgm:constr type="h" for="ch" forName="connSite2" refType="h" fact="0.01"/>
+                  <dgm:constr type="t" for="ch" forName="connSite2" refType="h" fact="0.99"/>
+                  <dgm:constr type="l" for="ch" forName="connSite2" refType="w" fact="0.25"/>
+                </dgm:constrLst>
+              </dgm:if>
+              <dgm:else name="Name16">
+                <dgm:constrLst>
+                  <dgm:constr type="h" refType="w" fact="1.06"/>
+                  <dgm:constr type="w" for="ch" forName="dummyNode2" refType="w"/>
+                  <dgm:constr type="h" for="ch" forName="dummyNode2" refType="h"/>
+                  <dgm:constr type="t" for="ch" forName="dummyNode2"/>
+                  <dgm:constr type="l" for="ch" forName="dummyNode2"/>
+                  <dgm:constr type="w" for="ch" forName="childNode2" refType="w" fact="0.9"/>
+                  <dgm:constr type="h" for="ch" forName="childNode2" refType="h" fact="0.7"/>
+                  <dgm:constr type="t" for="ch" forName="childNode2" refType="h" fact="0.15"/>
+                  <dgm:constr type="l" for="ch" forName="childNode2" refType="w" fact="0.1"/>
+                  <dgm:constr type="w" for="ch" forName="childNode2tx" refType="w" fact="0.9"/>
+                  <dgm:constr type="h" for="ch" forName="childNode2tx" refType="h" fact="0.55"/>
+                  <dgm:constr type="t" for="ch" forName="childNode2tx" refType="h" fact="0.3"/>
+                  <dgm:constr type="l" for="ch" forName="childNode2tx" refType="w" fact="0.1"/>
+                  <dgm:constr type="w" for="ch" forName="parentNode2" refType="w" fact="0.8"/>
+                  <dgm:constr type="h" for="ch" forName="parentNode2" refType="h" fact="0.3"/>
+                  <dgm:constr type="t" for="ch" forName="parentNode2"/>
+                  <dgm:constr type="l" for="ch" forName="parentNode2"/>
+                  <dgm:constr type="w" for="ch" forName="connSite2" refType="w" fact="0.01"/>
+                  <dgm:constr type="h" for="ch" forName="connSite2" refType="h" fact="0.01"/>
+                  <dgm:constr type="t" for="ch" forName="connSite2" refType="h" fact="0.99"/>
+                  <dgm:constr type="l" for="ch" forName="connSite2" refType="w" fact="0.85"/>
+                </dgm:constrLst>
+              </dgm:else>
+            </dgm:choose>
+            <dgm:ruleLst/>
+            <dgm:layoutNode name="dummyNode2">
+              <dgm:alg type="sp"/>
+              <dgm:shape xmlns:r="http://schemas.openxmlformats.org/officeDocument/2006/relationships" type="rect" r:blip="" hideGeom="1">
+                <dgm:adjLst/>
+              </dgm:shape>
+              <dgm:presOf/>
+              <dgm:constrLst/>
+              <dgm:ruleLst/>
+            </dgm:layoutNode>
+            <dgm:layoutNode name="childNode2" styleLbl="bgAcc1">
+              <dgm:varLst>
+                <dgm:bulletEnabled val="1"/>
+              </dgm:varLst>
+              <dgm:alg type="sp"/>
+              <dgm:shape xmlns:r="http://schemas.openxmlformats.org/officeDocument/2006/relationships" type="roundRect" r:blip="">
+                <dgm:adjLst>
+                  <dgm:adj idx="1" val="0.1"/>
+                </dgm:adjLst>
+              </dgm:shape>
+              <dgm:presOf axis="des" ptType="node"/>
+              <dgm:constrLst/>
+              <dgm:ruleLst/>
+            </dgm:layoutNode>
+            <dgm:layoutNode name="childNode2tx" styleLbl="bgAcc1">
+              <dgm:varLst>
+                <dgm:bulletEnabled val="1"/>
+              </dgm:varLst>
+              <dgm:alg type="tx">
+                <dgm:param type="stBulletLvl" val="1"/>
+              </dgm:alg>
+              <dgm:shape xmlns:r="http://schemas.openxmlformats.org/officeDocument/2006/relationships" type="roundRect" r:blip="" hideGeom="1">
+                <dgm:adjLst>
+                  <dgm:adj idx="1" val="0.1"/>
+                </dgm:adjLst>
+              </dgm:shape>
+              <dgm:presOf axis="des" ptType="node"/>
+              <dgm:constrLst>
+                <dgm:constr type="secFontSz" val="65"/>
+                <dgm:constr type="primFontSz" refType="secFontSz"/>
+                <dgm:constr type="tMarg" refType="secFontSz" fact="0.15"/>
+                <dgm:constr type="bMarg" refType="secFontSz" fact="0.15"/>
+                <dgm:constr type="lMarg" refType="secFontSz" fact="0.15"/>
+                <dgm:constr type="rMarg" refType="secFontSz" fact="0.15"/>
+              </dgm:constrLst>
+              <dgm:ruleLst>
+                <dgm:rule type="secFontSz" val="5" fact="NaN" max="NaN"/>
+              </dgm:ruleLst>
+            </dgm:layoutNode>
+            <dgm:layoutNode name="parentNode2" styleLbl="node1">
+              <dgm:varLst>
+                <dgm:chMax val="0"/>
+                <dgm:bulletEnabled val="1"/>
+              </dgm:varLst>
+              <dgm:alg type="tx"/>
+              <dgm:shape xmlns:r="http://schemas.openxmlformats.org/officeDocument/2006/relationships" type="roundRect" r:blip="">
+                <dgm:adjLst>
+                  <dgm:adj idx="1" val="0.1"/>
+                </dgm:adjLst>
+              </dgm:shape>
+              <dgm:presOf axis="self"/>
+              <dgm:constrLst>
+                <dgm:constr type="tMarg" refType="primFontSz" fact="0.1"/>
+                <dgm:constr type="bMarg" refType="primFontSz" fact="0.1"/>
+                <dgm:constr type="lMarg" refType="primFontSz" fact="0.15"/>
+                <dgm:constr type="rMarg" refType="primFontSz" fact="0.15"/>
+              </dgm:constrLst>
+              <dgm:ruleLst>
+                <dgm:rule type="primFontSz" val="5" fact="NaN" max="NaN"/>
+              </dgm:ruleLst>
+            </dgm:layoutNode>
+            <dgm:layoutNode name="connSite2" moveWith="childNode2">
+              <dgm:alg type="sp"/>
+              <dgm:shape xmlns:r="http://schemas.openxmlformats.org/officeDocument/2006/relationships" r:blip="">
+                <dgm:adjLst/>
+              </dgm:shape>
+              <dgm:presOf/>
+              <dgm:constrLst/>
+              <dgm:ruleLst/>
+            </dgm:layoutNode>
+          </dgm:layoutNode>
+          <dgm:forEach name="Name17" axis="followSib" ptType="sibTrans" cnt="1">
+            <dgm:layoutNode name="Name18">
+              <dgm:alg type="conn">
+                <dgm:param type="connRout" val="curve"/>
+                <dgm:param type="srcNode" val="parentNode2"/>
+                <dgm:param type="dstNode" val="connSite1"/>
+                <dgm:param type="begPts" val="tCtr"/>
+                <dgm:param type="endPts" val="tCtr"/>
+              </dgm:alg>
+              <dgm:shape xmlns:r="http://schemas.openxmlformats.org/officeDocument/2006/relationships" type="conn" r:blip="" zOrderOff="-2">
+                <dgm:adjLst/>
+              </dgm:shape>
+              <dgm:presOf axis="self"/>
+              <dgm:choose name="Name19">
+                <dgm:if name="Name20" func="var" arg="dir" op="equ" val="norm">
+                  <dgm:constrLst>
+                    <dgm:constr type="h" refType="w" fact="0.35"/>
+                    <dgm:constr type="wArH" refType="h"/>
+                    <dgm:constr type="hArH" refType="h"/>
+                    <dgm:constr type="connDist"/>
+                    <dgm:constr type="diam" refType="connDist" fact="1.15"/>
+                    <dgm:constr type="begPad"/>
+                    <dgm:constr type="endPad"/>
+                  </dgm:constrLst>
+                </dgm:if>
+                <dgm:else name="Name21">
+                  <dgm:constrLst>
+                    <dgm:constr type="h" refType="w" fact="0.35"/>
+                    <dgm:constr type="wArH" refType="h"/>
+                    <dgm:constr type="hArH" refType="h"/>
+                    <dgm:constr type="connDist"/>
+                    <dgm:constr type="diam" refType="connDist" fact="-1.15"/>
+                    <dgm:constr type="begPad"/>
+                    <dgm:constr type="endPad"/>
+                  </dgm:constrLst>
+                </dgm:else>
+              </dgm:choose>
+              <dgm:ruleLst/>
+            </dgm:layoutNode>
+          </dgm:forEach>
+        </dgm:forEach>
+      </dgm:forEach>
+    </dgm:layoutNode>
+  </dgm:layoutNode>
+</dgm:layoutDef>
+</file>
+
+<file path=ppt/diagrams/quickStyle1.xml><?xml version="1.0" encoding="utf-8"?>
+<dgm:styleDef xmlns:dgm="http://schemas.openxmlformats.org/drawingml/2006/diagram" xmlns:a="http://schemas.openxmlformats.org/drawingml/2006/main" uniqueId="urn:microsoft.com/office/officeart/2005/8/quickstyle/simple4">
+  <dgm:title val=""/>
+  <dgm:desc val=""/>
+  <dgm:catLst>
+    <dgm:cat type="simple" pri="10400"/>
+  </dgm:catLst>
+  <dgm:scene3d>
+    <a:camera prst="orthographicFront"/>
+    <a:lightRig rig="threePt" dir="t"/>
+  </dgm:scene3d>
+  <dgm:styleLbl name="node0">
+    <dgm:scene3d>
+      <a:camera prst="orthographicFront"/>
+      <a:lightRig rig="threePt" dir="t"/>
+    </dgm:scene3d>
+    <dgm:sp3d/>
+    <dgm:txPr/>
+    <dgm:style>
+      <a:lnRef idx="0">
+        <a:scrgbClr r="0" g="0" b="0"/>
+      </a:lnRef>
+      <a:fillRef idx="3">
+        <a:scrgbClr r="0" g="0" b="0"/>
+      </a:fillRef>
+      <a:effectRef idx="2">
+        <a:scrgbClr r="0" g="0" b="0"/>
+      </a:effectRef>
+      <a:fontRef idx="minor">
+        <a:schemeClr val="lt1"/>
+      </a:fontRef>
+    </dgm:style>
+  </dgm:styleLbl>
+  <dgm:styleLbl name="lnNode1">
+    <dgm:scene3d>
+      <a:camera prst="orthographicFront"/>
+      <a:lightRig rig="threePt" dir="t"/>
+    </dgm:scene3d>
+    <dgm:sp3d/>
+    <dgm:txPr/>
+    <dgm:style>
+      <a:lnRef idx="1">
+        <a:scrgbClr r="0" g="0" b="0"/>
+      </a:lnRef>
+      <a:fillRef idx="3">
+        <a:scrgbClr r="0" g="0" b="0"/>
+      </a:fillRef>
+      <a:effectRef idx="2">
+        <a:scrgbClr r="0" g="0" b="0"/>
+      </a:effectRef>
+      <a:fontRef idx="minor">
+        <a:schemeClr val="lt1"/>
+      </a:fontRef>
+    </dgm:style>
+  </dgm:styleLbl>
+  <dgm:styleLbl name="vennNode1">
+    <dgm:scene3d>
+      <a:camera prst="orthographicFront"/>
+      <a:lightRig rig="threePt" dir="t"/>
+    </dgm:scene3d>
+    <dgm:sp3d/>
+    <dgm:txPr/>
+    <dgm:style>
+      <a:lnRef idx="0">
+        <a:scrgbClr r="0" g="0" b="0"/>
+      </a:lnRef>
+      <a:fillRef idx="3">
+        <a:scrgbClr r="0" g="0" b="0"/>
+      </a:fillRef>
+      <a:effectRef idx="0">
+        <a:scrgbClr r="0" g="0" b="0"/>
+      </a:effectRef>
+      <a:fontRef idx="minor">
+        <a:schemeClr val="tx1"/>
+      </a:fontRef>
+    </dgm:style>
+  </dgm:styleLbl>
+  <dgm:styleLbl name="alignNode1">
+    <dgm:scene3d>
+      <a:camera prst="orthographicFront"/>
+      <a:lightRig rig="threePt" dir="t"/>
+    </dgm:scene3d>
+    <dgm:sp3d/>
+    <dgm:txPr/>
+    <dgm:style>
+      <a:lnRef idx="1">
+        <a:scrgbClr r="0" g="0" b="0"/>
+      </a:lnRef>
+      <a:fillRef idx="3">
+        <a:scrgbClr r="0" g="0" b="0"/>
+      </a:fillRef>
+      <a:effectRef idx="2">
+        <a:scrgbClr r="0" g="0" b="0"/>
+      </a:effectRef>
+      <a:fontRef idx="minor">
+        <a:schemeClr val="lt1"/>
+      </a:fontRef>
+    </dgm:style>
+  </dgm:styleLbl>
+  <dgm:styleLbl name="node1">
+    <dgm:scene3d>
+      <a:camera prst="orthographicFront"/>
+      <a:lightRig rig="threePt" dir="t"/>
+    </dgm:scene3d>
+    <dgm:sp3d/>
+    <dgm:txPr/>
+    <dgm:style>
+      <a:lnRef idx="0">
+        <a:scrgbClr r="0" g="0" b="0"/>
+      </a:lnRef>
+      <a:fillRef idx="3">
+        <a:scrgbClr r="0" g="0" b="0"/>
+      </a:fillRef>
+      <a:effectRef idx="2">
+        <a:scrgbClr r="0" g="0" b="0"/>
+      </a:effectRef>
+      <a:fontRef idx="minor">
+        <a:schemeClr val="lt1"/>
+      </a:fontRef>
+    </dgm:style>
+  </dgm:styleLbl>
+  <dgm:styleLbl name="node2">
+    <dgm:scene3d>
+      <a:camera prst="orthographicFront"/>
+      <a:lightRig rig="threePt" dir="t"/>
+    </dgm:scene3d>
+    <dgm:sp3d/>
+    <dgm:txPr/>
+    <dgm:style>
+      <a:lnRef idx="0">
+        <a:scrgbClr r="0" g="0" b="0"/>
+      </a:lnRef>
+      <a:fillRef idx="3">
+        <a:scrgbClr r="0" g="0" b="0"/>
+      </a:fillRef>
+      <a:effectRef idx="2">
+        <a:scrgbClr r="0" g="0" b="0"/>
+      </a:effectRef>
+      <a:fontRef idx="minor">
+        <a:schemeClr val="lt1"/>
+      </a:fontRef>
+    </dgm:style>
+  </dgm:styleLbl>
+  <dgm:styleLbl name="node3">
+    <dgm:scene3d>
+      <a:camera prst="orthographicFront"/>
+      <a:lightRig rig="threePt" dir="t"/>
+    </dgm:scene3d>
+    <dgm:sp3d/>
+    <dgm:txPr/>
+    <dgm:style>
+      <a:lnRef idx="0">
+        <a:scrgbClr r="0" g="0" b="0"/>
+      </a:lnRef>
+      <a:fillRef idx="3">
+        <a:scrgbClr r="0" g="0" b="0"/>
+      </a:fillRef>
+      <a:effectRef idx="2">
+        <a:scrgbClr r="0" g="0" b="0"/>
+      </a:effectRef>
+      <a:fontRef idx="minor">
+        <a:schemeClr val="lt1"/>
+      </a:fontRef>
+    </dgm:style>
+  </dgm:styleLbl>
+  <dgm:styleLbl name="node4">
+    <dgm:scene3d>
+      <a:camera prst="orthographicFront"/>
+      <a:lightRig rig="threePt" dir="t"/>
+    </dgm:scene3d>
+    <dgm:sp3d/>
+    <dgm:txPr/>
+    <dgm:style>
+      <a:lnRef idx="0">
+        <a:scrgbClr r="0" g="0" b="0"/>
+      </a:lnRef>
+      <a:fillRef idx="3">
+        <a:scrgbClr r="0" g="0" b="0"/>
+      </a:fillRef>
+      <a:effectRef idx="2">
+        <a:scrgbClr r="0" g="0" b="0"/>
+      </a:effectRef>
+      <a:fontRef idx="minor">
+        <a:schemeClr val="lt1"/>
+      </a:fontRef>
+    </dgm:style>
+  </dgm:styleLbl>
+  <dgm:styleLbl name="fgImgPlace1">
+    <dgm:scene3d>
+      <a:camera prst="orthographicFront"/>
+      <a:lightRig rig="threePt" dir="t"/>
+    </dgm:scene3d>
+    <dgm:sp3d/>
+    <dgm:txPr/>
+    <dgm:style>
+      <a:lnRef idx="0">
+        <a:scrgbClr r="0" g="0" b="0"/>
+      </a:lnRef>
+      <a:fillRef idx="1">
+        <a:scrgbClr r="0" g="0" b="0"/>
+      </a:fillRef>
+      <a:effectRef idx="2">
+        <a:scrgbClr r="0" g="0" b="0"/>
+      </a:effectRef>
+      <a:fontRef idx="minor"/>
+    </dgm:style>
+  </dgm:styleLbl>
+  <dgm:styleLbl name="alignImgPlace1">
+    <dgm:scene3d>
+      <a:camera prst="orthographicFront"/>
+      <a:lightRig rig="threePt" dir="t"/>
+    </dgm:scene3d>
+    <dgm:sp3d/>
+    <dgm:txPr/>
+    <dgm:style>
+      <a:lnRef idx="0">
+        <a:scrgbClr r="0" g="0" b="0"/>
+      </a:lnRef>
+      <a:fillRef idx="1">
+        <a:scrgbClr r="0" g="0" b="0"/>
+      </a:fillRef>
+      <a:effectRef idx="2">
+        <a:scrgbClr r="0" g="0" b="0"/>
+      </a:effectRef>
+      <a:fontRef idx="minor"/>
+    </dgm:style>
+  </dgm:styleLbl>
+  <dgm:styleLbl name="bgImgPlace1">
+    <dgm:scene3d>
+      <a:camera prst="orthographicFront"/>
+      <a:lightRig rig="threePt" dir="t"/>
+    </dgm:scene3d>
+    <dgm:sp3d/>
+    <dgm:txPr/>
+    <dgm:style>
+      <a:lnRef idx="0">
+        <a:scrgbClr r="0" g="0" b="0"/>
+      </a:lnRef>
+      <a:fillRef idx="1">
+        <a:scrgbClr r="0" g="0" b="0"/>
+      </a:fillRef>
+      <a:effectRef idx="2">
+        <a:scrgbClr r="0" g="0" b="0"/>
+      </a:effectRef>
+      <a:fontRef idx="minor"/>
+    </dgm:style>
+  </dgm:styleLbl>
+  <dgm:styleLbl name="sibTrans2D1">
+    <dgm:scene3d>
+      <a:camera prst="orthographicFront"/>
+      <a:lightRig rig="threePt" dir="t"/>
+    </dgm:scene3d>
+    <dgm:sp3d/>
+    <dgm:txPr/>
+    <dgm:style>
+      <a:lnRef idx="0">
+        <a:scrgbClr r="0" g="0" b="0"/>
+      </a:lnRef>
+      <a:fillRef idx="3">
+        <a:scrgbClr r="0" g="0" b="0"/>
+      </a:fillRef>
+      <a:effectRef idx="2">
+        <a:scrgbClr r="0" g="0" b="0"/>
+      </a:effectRef>
+      <a:fontRef idx="minor">
+        <a:schemeClr val="lt1"/>
+      </a:fontRef>
+    </dgm:style>
+  </dgm:styleLbl>
+  <dgm:styleLbl name="fgSibTrans2D1">
+    <dgm:scene3d>
+      <a:camera prst="orthographicFront"/>
+      <a:lightRig rig="threePt" dir="t"/>
+    </dgm:scene3d>
+    <dgm:sp3d/>
+    <dgm:txPr/>
+    <dgm:style>
+      <a:lnRef idx="0">
+        <a:scrgbClr r="0" g="0" b="0"/>
+      </a:lnRef>
+      <a:fillRef idx="3">
+        <a:scrgbClr r="0" g="0" b="0"/>
+      </a:fillRef>
+      <a:effectRef idx="2">
+        <a:scrgbClr r="0" g="0" b="0"/>
+      </a:effectRef>
+      <a:fontRef idx="minor">
+        <a:schemeClr val="lt1"/>
+      </a:fontRef>
+    </dgm:style>
+  </dgm:styleLbl>
+  <dgm:styleLbl name="bgSibTrans2D1">
+    <dgm:scene3d>
+      <a:camera prst="orthographicFront"/>
+      <a:lightRig rig="threePt" dir="t"/>
+    </dgm:scene3d>
+    <dgm:sp3d/>
+    <dgm:txPr/>
+    <dgm:style>
+      <a:lnRef idx="0">
+        <a:scrgbClr r="0" g="0" b="0"/>
+      </a:lnRef>
+      <a:fillRef idx="3">
+        <a:scrgbClr r="0" g="0" b="0"/>
+      </a:fillRef>
+      <a:effectRef idx="2">
+        <a:scrgbClr r="0" g="0" b="0"/>
+      </a:effectRef>
+      <a:fontRef idx="minor">
+        <a:schemeClr val="lt1"/>
+      </a:fontRef>
+    </dgm:style>
+  </dgm:styleLbl>
+  <dgm:styleLbl name="sibTrans1D1">
+    <dgm:scene3d>
+      <a:camera prst="orthographicFront"/>
+      <a:lightRig rig="threePt" dir="t"/>
+    </dgm:scene3d>
+    <dgm:sp3d/>
+    <dgm:txPr/>
+    <dgm:style>
+      <a:lnRef idx="1">
+        <a:scrgbClr r="0" g="0" b="0"/>
+      </a:lnRef>
+      <a:fillRef idx="0">
+        <a:scrgbClr r="0" g="0" b="0"/>
+      </a:fillRef>
+      <a:effectRef idx="0">
+        <a:scrgbClr r="0" g="0" b="0"/>
+      </a:effectRef>
+      <a:fontRef idx="minor"/>
+    </dgm:style>
+  </dgm:styleLbl>
+  <dgm:styleLbl name="callout">
+    <dgm:scene3d>
+      <a:camera prst="orthographicFront"/>
+      <a:lightRig rig="threePt" dir="t"/>
+    </dgm:scene3d>
+    <dgm:sp3d/>
+    <dgm:txPr/>
+    <dgm:style>
+      <a:lnRef idx="2">
+        <a:scrgbClr r="0" g="0" b="0"/>
+      </a:lnRef>
+      <a:fillRef idx="1">
+        <a:scrgbClr r="0" g="0" b="0"/>
+      </a:fillRef>
+      <a:effectRef idx="1">
+        <a:scrgbClr r="0" g="0" b="0"/>
+      </a:effectRef>
+      <a:fontRef idx="minor"/>
+    </dgm:style>
+  </dgm:styleLbl>
+  <dgm:styleLbl name="asst0">
+    <dgm:scene3d>
+      <a:camera prst="orthographicFront"/>
+      <a:lightRig rig="threePt" dir="t"/>
+    </dgm:scene3d>
+    <dgm:sp3d/>
+    <dgm:txPr/>
+    <dgm:style>
+      <a:lnRef idx="0">
+        <a:scrgbClr r="0" g="0" b="0"/>
+      </a:lnRef>
+      <a:fillRef idx="3">
+        <a:scrgbClr r="0" g="0" b="0"/>
+      </a:fillRef>
+      <a:effectRef idx="2">
+        <a:scrgbClr r="0" g="0" b="0"/>
+      </a:effectRef>
+      <a:fontRef idx="minor">
+        <a:schemeClr val="lt1"/>
+      </a:fontRef>
+    </dgm:style>
+  </dgm:styleLbl>
+  <dgm:styleLbl name="asst1">
+    <dgm:scene3d>
+      <a:camera prst="orthographicFront"/>
+      <a:lightRig rig="threePt" dir="t"/>
+    </dgm:scene3d>
+    <dgm:sp3d/>
+    <dgm:txPr/>
+    <dgm:style>
+      <a:lnRef idx="0">
+        <a:scrgbClr r="0" g="0" b="0"/>
+      </a:lnRef>
+      <a:fillRef idx="3">
+        <a:scrgbClr r="0" g="0" b="0"/>
+      </a:fillRef>
+      <a:effectRef idx="2">
+        <a:scrgbClr r="0" g="0" b="0"/>
+      </a:effectRef>
+      <a:fontRef idx="minor">
+        <a:schemeClr val="lt1"/>
+      </a:fontRef>
+    </dgm:style>
+  </dgm:styleLbl>
+  <dgm:styleLbl name="asst2">
+    <dgm:scene3d>
+      <a:camera prst="orthographicFront"/>
+      <a:lightRig rig="threePt" dir="t"/>
+    </dgm:scene3d>
+    <dgm:sp3d/>
+    <dgm:txPr/>
+    <dgm:style>
+      <a:lnRef idx="0">
+        <a:scrgbClr r="0" g="0" b="0"/>
+      </a:lnRef>
+      <a:fillRef idx="3">
+        <a:scrgbClr r="0" g="0" b="0"/>
+      </a:fillRef>
+      <a:effectRef idx="2">
+        <a:scrgbClr r="0" g="0" b="0"/>
+      </a:effectRef>
+      <a:fontRef idx="minor">
+        <a:schemeClr val="lt1"/>
+      </a:fontRef>
+    </dgm:style>
+  </dgm:styleLbl>
+  <dgm:styleLbl name="asst3">
+    <dgm:scene3d>
+      <a:camera prst="orthographicFront"/>
+      <a:lightRig rig="threePt" dir="t"/>
+    </dgm:scene3d>
+    <dgm:sp3d/>
+    <dgm:txPr/>
+    <dgm:style>
+      <a:lnRef idx="0">
+        <a:scrgbClr r="0" g="0" b="0"/>
+      </a:lnRef>
+      <a:fillRef idx="3">
+        <a:scrgbClr r="0" g="0" b="0"/>
+      </a:fillRef>
+      <a:effectRef idx="2">
+        <a:scrgbClr r="0" g="0" b="0"/>
+      </a:effectRef>
+      <a:fontRef idx="minor">
+        <a:schemeClr val="lt1"/>
+      </a:fontRef>
+    </dgm:style>
+  </dgm:styleLbl>
+  <dgm:styleLbl name="asst4">
+    <dgm:scene3d>
+      <a:camera prst="orthographicFront"/>
+      <a:lightRig rig="threePt" dir="t"/>
+    </dgm:scene3d>
+    <dgm:sp3d/>
+    <dgm:txPr/>
+    <dgm:style>
+      <a:lnRef idx="0">
+        <a:scrgbClr r="0" g="0" b="0"/>
+      </a:lnRef>
+      <a:fillRef idx="3">
+        <a:scrgbClr r="0" g="0" b="0"/>
+      </a:fillRef>
+      <a:effectRef idx="2">
+        <a:scrgbClr r="0" g="0" b="0"/>
+      </a:effectRef>
+      <a:fontRef idx="minor">
+        <a:schemeClr val="lt1"/>
+      </a:fontRef>
+    </dgm:style>
+  </dgm:styleLbl>
+  <dgm:styleLbl name="parChTrans2D1">
+    <dgm:scene3d>
+      <a:camera prst="orthographicFront"/>
+      <a:lightRig rig="threePt" dir="t"/>
+    </dgm:scene3d>
+    <dgm:sp3d/>
+    <dgm:txPr/>
+    <dgm:style>
+      <a:lnRef idx="0">
+        <a:scrgbClr r="0" g="0" b="0"/>
+      </a:lnRef>
+      <a:fillRef idx="3">
+        <a:scrgbClr r="0" g="0" b="0"/>
+      </a:fillRef>
+      <a:effectRef idx="2">
+        <a:scrgbClr r="0" g="0" b="0"/>
+      </a:effectRef>
+      <a:fontRef idx="minor">
+        <a:schemeClr val="lt1"/>
+      </a:fontRef>
+    </dgm:style>
+  </dgm:styleLbl>
+  <dgm:styleLbl name="parChTrans2D2">
+    <dgm:scene3d>
+      <a:camera prst="orthographicFront"/>
+      <a:lightRig rig="threePt" dir="t"/>
+    </dgm:scene3d>
+    <dgm:sp3d/>
+    <dgm:txPr/>
+    <dgm:style>
+      <a:lnRef idx="0">
+        <a:scrgbClr r="0" g="0" b="0"/>
+      </a:lnRef>
+      <a:fillRef idx="3">
+        <a:scrgbClr r="0" g="0" b="0"/>
+      </a:fillRef>
+      <a:effectRef idx="2">
+        <a:scrgbClr r="0" g="0" b="0"/>
+      </a:effectRef>
+      <a:fontRef idx="minor">
+        <a:schemeClr val="lt1"/>
+      </a:fontRef>
+    </dgm:style>
+  </dgm:styleLbl>
+  <dgm:styleLbl name="parChTrans2D3">
+    <dgm:scene3d>
+      <a:camera prst="orthographicFront"/>
+      <a:lightRig rig="threePt" dir="t"/>
+    </dgm:scene3d>
+    <dgm:sp3d/>
+    <dgm:txPr/>
+    <dgm:style>
+      <a:lnRef idx="1">
+        <a:scrgbClr r="0" g="0" b="0"/>
+      </a:lnRef>
+      <a:fillRef idx="3">
+        <a:scrgbClr r="0" g="0" b="0"/>
+      </a:fillRef>
+      <a:effectRef idx="2">
+        <a:scrgbClr r="0" g="0" b="0"/>
+      </a:effectRef>
+      <a:fontRef idx="minor">
+        <a:schemeClr val="lt1"/>
+      </a:fontRef>
+    </dgm:style>
+  </dgm:styleLbl>
+  <dgm:styleLbl name="parChTrans2D4">
+    <dgm:scene3d>
+      <a:camera prst="orthographicFront"/>
+      <a:lightRig rig="threePt" dir="t"/>
+    </dgm:scene3d>
+    <dgm:sp3d/>
+    <dgm:txPr/>
+    <dgm:style>
+      <a:lnRef idx="1">
+        <a:scrgbClr r="0" g="0" b="0"/>
+      </a:lnRef>
+      <a:fillRef idx="3">
+        <a:scrgbClr r="0" g="0" b="0"/>
+      </a:fillRef>
+      <a:effectRef idx="2">
+        <a:scrgbClr r="0" g="0" b="0"/>
+      </a:effectRef>
+      <a:fontRef idx="minor">
+        <a:schemeClr val="lt1"/>
+      </a:fontRef>
+    </dgm:style>
+  </dgm:styleLbl>
+  <dgm:styleLbl name="parChTrans1D1">
+    <dgm:scene3d>
+      <a:camera prst="orthographicFront"/>
+      <a:lightRig rig="threePt" dir="t"/>
+    </dgm:scene3d>
+    <dgm:sp3d/>
+    <dgm:txPr/>
+    <dgm:style>
+      <a:lnRef idx="1">
+        <a:scrgbClr r="0" g="0" b="0"/>
+      </a:lnRef>
+      <a:fillRef idx="0">
+        <a:scrgbClr r="0" g="0" b="0"/>
+      </a:fillRef>
+      <a:effectRef idx="0">
+        <a:scrgbClr r="0" g="0" b="0"/>
+      </a:effectRef>
+      <a:fontRef idx="minor"/>
+    </dgm:style>
+  </dgm:styleLbl>
+  <dgm:styleLbl name="parChTrans1D2">
+    <dgm:scene3d>
+      <a:camera prst="orthographicFront"/>
+      <a:lightRig rig="threePt" dir="t"/>
+    </dgm:scene3d>
+    <dgm:sp3d/>
+    <dgm:txPr/>
+    <dgm:style>
+      <a:lnRef idx="1">
+        <a:scrgbClr r="0" g="0" b="0"/>
+      </a:lnRef>
+      <a:fillRef idx="0">
+        <a:scrgbClr r="0" g="0" b="0"/>
+      </a:fillRef>
+      <a:effectRef idx="0">
+        <a:scrgbClr r="0" g="0" b="0"/>
+      </a:effectRef>
+      <a:fontRef idx="minor"/>
+    </dgm:style>
+  </dgm:styleLbl>
+  <dgm:styleLbl name="parChTrans1D3">
+    <dgm:scene3d>
+      <a:camera prst="orthographicFront"/>
+      <a:lightRig rig="threePt" dir="t"/>
+    </dgm:scene3d>
+    <dgm:sp3d/>
+    <dgm:txPr/>
+    <dgm:style>
+      <a:lnRef idx="1">
+        <a:scrgbClr r="0" g="0" b="0"/>
+      </a:lnRef>
+      <a:fillRef idx="0">
+        <a:scrgbClr r="0" g="0" b="0"/>
+      </a:fillRef>
+      <a:effectRef idx="0">
+        <a:scrgbClr r="0" g="0" b="0"/>
+      </a:effectRef>
+      <a:fontRef idx="minor"/>
+    </dgm:style>
+  </dgm:styleLbl>
+  <dgm:styleLbl name="parChTrans1D4">
+    <dgm:scene3d>
+      <a:camera prst="orthographicFront"/>
+      <a:lightRig rig="threePt" dir="t"/>
+    </dgm:scene3d>
+    <dgm:sp3d/>
+    <dgm:txPr/>
+    <dgm:style>
+      <a:lnRef idx="1">
+        <a:scrgbClr r="0" g="0" b="0"/>
+      </a:lnRef>
+      <a:fillRef idx="0">
+        <a:scrgbClr r="0" g="0" b="0"/>
+      </a:fillRef>
+      <a:effectRef idx="0">
+        <a:scrgbClr r="0" g="0" b="0"/>
+      </a:effectRef>
+      <a:fontRef idx="minor"/>
+    </dgm:style>
+  </dgm:styleLbl>
+  <dgm:styleLbl name="fgAcc1">
+    <dgm:scene3d>
+      <a:camera prst="orthographicFront"/>
+      <a:lightRig rig="threePt" dir="t"/>
+    </dgm:scene3d>
+    <dgm:sp3d/>
+    <dgm:txPr/>
+    <dgm:style>
+      <a:lnRef idx="1">
+        <a:scrgbClr r="0" g="0" b="0"/>
+      </a:lnRef>
+      <a:fillRef idx="1">
+        <a:scrgbClr r="0" g="0" b="0"/>
+      </a:fillRef>
+      <a:effectRef idx="0">
+        <a:scrgbClr r="0" g="0" b="0"/>
+      </a:effectRef>
+      <a:fontRef idx="minor"/>
+    </dgm:style>
+  </dgm:styleLbl>
+  <dgm:styleLbl name="conFgAcc1">
+    <dgm:scene3d>
+      <a:camera prst="orthographicFront"/>
+      <a:lightRig rig="threePt" dir="t"/>
+    </dgm:scene3d>
+    <dgm:sp3d/>
+    <dgm:txPr/>
+    <dgm:style>
+      <a:lnRef idx="1">
+        <a:scrgbClr r="0" g="0" b="0"/>
+      </a:lnRef>
+      <a:fillRef idx="1">
+        <a:scrgbClr r="0" g="0" b="0"/>
+      </a:fillRef>
+      <a:effectRef idx="0">
+        <a:scrgbClr r="0" g="0" b="0"/>
+      </a:effectRef>
+      <a:fontRef idx="minor"/>
+    </dgm:style>
+  </dgm:styleLbl>
+  <dgm:styleLbl name="alignAcc1">
+    <dgm:scene3d>
+      <a:camera prst="orthographicFront"/>
+      <a:lightRig rig="threePt" dir="t"/>
+    </dgm:scene3d>
+    <dgm:sp3d/>
+    <dgm:txPr/>
+    <dgm:style>
+      <a:lnRef idx="1">
+        <a:scrgbClr r="0" g="0" b="0"/>
+      </a:lnRef>
+      <a:fillRef idx="1">
+        <a:scrgbClr r="0" g="0" b="0"/>
+      </a:fillRef>
+      <a:effectRef idx="0">
+        <a:scrgbClr r="0" g="0" b="0"/>
+      </a:effectRef>
+      <a:fontRef idx="minor"/>
+    </dgm:style>
+  </dgm:styleLbl>
+  <dgm:styleLbl name="trAlignAcc1">
+    <dgm:scene3d>
+      <a:camera prst="orthographicFront"/>
+      <a:lightRig rig="threePt" dir="t"/>
+    </dgm:scene3d>
+    <dgm:sp3d/>
+    <dgm:txPr/>
+    <dgm:style>
+      <a:lnRef idx="1">
+        <a:scrgbClr r="0" g="0" b="0"/>
+      </a:lnRef>
+      <a:fillRef idx="1">
+        <a:scrgbClr r="0" g="0" b="0"/>
+      </a:fillRef>
+      <a:effectRef idx="0">
+        <a:scrgbClr r="0" g="0" b="0"/>
+      </a:effectRef>
+      <a:fontRef idx="minor"/>
+    </dgm:style>
+  </dgm:styleLbl>
+  <dgm:styleLbl name="bgAcc1">
+    <dgm:scene3d>
+      <a:camera prst="orthographicFront"/>
+      <a:lightRig rig="threePt" dir="t"/>
+    </dgm:scene3d>
+    <dgm:sp3d/>
+    <dgm:txPr/>
+    <dgm:style>
+      <a:lnRef idx="1">
+        <a:scrgbClr r="0" g="0" b="0"/>
+      </a:lnRef>
+      <a:fillRef idx="1">
+        <a:scrgbClr r="0" g="0" b="0"/>
+      </a:fillRef>
+      <a:effectRef idx="0">
+        <a:scrgbClr r="0" g="0" b="0"/>
+      </a:effectRef>
+      <a:fontRef idx="minor"/>
+    </dgm:style>
+  </dgm:styleLbl>
+  <dgm:styleLbl name="solidFgAcc1">
+    <dgm:scene3d>
+      <a:camera prst="orthographicFront"/>
+      <a:lightRig rig="threePt" dir="t"/>
+    </dgm:scene3d>
+    <dgm:sp3d/>
+    <dgm:txPr/>
+    <dgm:style>
+      <a:lnRef idx="1">
+        <a:scrgbClr r="0" g="0" b="0"/>
+      </a:lnRef>
+      <a:fillRef idx="1">
+        <a:scrgbClr r="0" g="0" b="0"/>
+      </a:fillRef>
+      <a:effectRef idx="0">
+        <a:scrgbClr r="0" g="0" b="0"/>
+      </a:effectRef>
+      <a:fontRef idx="minor"/>
+    </dgm:style>
+  </dgm:styleLbl>
+  <dgm:styleLbl name="solidAlignAcc1">
+    <dgm:scene3d>
+      <a:camera prst="orthographicFront"/>
+      <a:lightRig rig="threePt" dir="t"/>
+    </dgm:scene3d>
+    <dgm:sp3d/>
+    <dgm:txPr/>
+    <dgm:style>
+      <a:lnRef idx="1">
+        <a:scrgbClr r="0" g="0" b="0"/>
+      </a:lnRef>
+      <a:fillRef idx="1">
+        <a:scrgbClr r="0" g="0" b="0"/>
+      </a:fillRef>
+      <a:effectRef idx="0">
+        <a:scrgbClr r="0" g="0" b="0"/>
+      </a:effectRef>
+      <a:fontRef idx="minor"/>
+    </dgm:style>
+  </dgm:styleLbl>
+  <dgm:styleLbl name="solidBgAcc1">
+    <dgm:scene3d>
+      <a:camera prst="orthographicFront"/>
+      <a:lightRig rig="threePt" dir="t"/>
+    </dgm:scene3d>
+    <dgm:sp3d/>
+    <dgm:txPr/>
+    <dgm:style>
+      <a:lnRef idx="1">
+        <a:scrgbClr r="0" g="0" b="0"/>
+      </a:lnRef>
+      <a:fillRef idx="1">
+        <a:scrgbClr r="0" g="0" b="0"/>
+      </a:fillRef>
+      <a:effectRef idx="0">
+        <a:scrgbClr r="0" g="0" b="0"/>
+      </a:effectRef>
+      <a:fontRef idx="minor"/>
+    </dgm:style>
+  </dgm:styleLbl>
+  <dgm:styleLbl name="fgAccFollowNode1">
+    <dgm:scene3d>
+      <a:camera prst="orthographicFront"/>
+      <a:lightRig rig="threePt" dir="t"/>
+    </dgm:scene3d>
+    <dgm:sp3d/>
+    <dgm:txPr/>
+    <dgm:style>
+      <a:lnRef idx="1">
+        <a:scrgbClr r="0" g="0" b="0"/>
+      </a:lnRef>
+      <a:fillRef idx="1">
+        <a:scrgbClr r="0" g="0" b="0"/>
+      </a:fillRef>
+      <a:effectRef idx="0">
+        <a:scrgbClr r="0" g="0" b="0"/>
+      </a:effectRef>
+      <a:fontRef idx="minor"/>
+    </dgm:style>
+  </dgm:styleLbl>
+  <dgm:styleLbl name="alignAccFollowNode1">
+    <dgm:scene3d>
+      <a:camera prst="orthographicFront"/>
+      <a:lightRig rig="threePt" dir="t"/>
+    </dgm:scene3d>
+    <dgm:sp3d/>
+    <dgm:txPr/>
+    <dgm:style>
+      <a:lnRef idx="1">
+        <a:scrgbClr r="0" g="0" b="0"/>
+      </a:lnRef>
+      <a:fillRef idx="1">
+        <a:scrgbClr r="0" g="0" b="0"/>
+      </a:fillRef>
+      <a:effectRef idx="0">
+        <a:scrgbClr r="0" g="0" b="0"/>
+      </a:effectRef>
+      <a:fontRef idx="minor"/>
+    </dgm:style>
+  </dgm:styleLbl>
+  <dgm:styleLbl name="bgAccFollowNode1">
+    <dgm:scene3d>
+      <a:camera prst="orthographicFront"/>
+      <a:lightRig rig="threePt" dir="t"/>
+    </dgm:scene3d>
+    <dgm:sp3d/>
+    <dgm:txPr/>
+    <dgm:style>
+      <a:lnRef idx="1">
+        <a:scrgbClr r="0" g="0" b="0"/>
+      </a:lnRef>
+      <a:fillRef idx="1">
+        <a:scrgbClr r="0" g="0" b="0"/>
+      </a:fillRef>
+      <a:effectRef idx="0">
+        <a:scrgbClr r="0" g="0" b="0"/>
+      </a:effectRef>
+      <a:fontRef idx="minor"/>
+    </dgm:style>
+  </dgm:styleLbl>
+  <dgm:styleLbl name="fgAcc0">
+    <dgm:scene3d>
+      <a:camera prst="orthographicFront"/>
+      <a:lightRig rig="threePt" dir="t"/>
+    </dgm:scene3d>
+    <dgm:sp3d/>
+    <dgm:txPr/>
+    <dgm:style>
+      <a:lnRef idx="1">
+        <a:scrgbClr r="0" g="0" b="0"/>
+      </a:lnRef>
+      <a:fillRef idx="1">
+        <a:scrgbClr r="0" g="0" b="0"/>
+      </a:fillRef>
+      <a:effectRef idx="0">
+        <a:scrgbClr r="0" g="0" b="0"/>
+      </a:effectRef>
+      <a:fontRef idx="minor"/>
+    </dgm:style>
+  </dgm:styleLbl>
+  <dgm:styleLbl name="fgAcc2">
+    <dgm:scene3d>
+      <a:camera prst="orthographicFront"/>
+      <a:lightRig rig="threePt" dir="t"/>
+    </dgm:scene3d>
+    <dgm:sp3d/>
+    <dgm:txPr/>
+    <dgm:style>
+      <a:lnRef idx="1">
+        <a:scrgbClr r="0" g="0" b="0"/>
+      </a:lnRef>
+      <a:fillRef idx="1">
+        <a:scrgbClr r="0" g="0" b="0"/>
+      </a:fillRef>
+      <a:effectRef idx="0">
+        <a:scrgbClr r="0" g="0" b="0"/>
+      </a:effectRef>
+      <a:fontRef idx="minor"/>
+    </dgm:style>
+  </dgm:styleLbl>
+  <dgm:styleLbl name="fgAcc3">
+    <dgm:scene3d>
+      <a:camera prst="orthographicFront"/>
+      <a:lightRig rig="threePt" dir="t"/>
+    </dgm:scene3d>
+    <dgm:sp3d/>
+    <dgm:txPr/>
+    <dgm:style>
+      <a:lnRef idx="1">
+        <a:scrgbClr r="0" g="0" b="0"/>
+      </a:lnRef>
+      <a:fillRef idx="1">
+        <a:scrgbClr r="0" g="0" b="0"/>
+      </a:fillRef>
+      <a:effectRef idx="0">
+        <a:scrgbClr r="0" g="0" b="0"/>
+      </a:effectRef>
+      <a:fontRef idx="minor"/>
+    </dgm:style>
+  </dgm:styleLbl>
+  <dgm:styleLbl name="fgAcc4">
+    <dgm:scene3d>
+      <a:camera prst="orthographicFront"/>
+      <a:lightRig rig="threePt" dir="t"/>
+    </dgm:scene3d>
+    <dgm:sp3d/>
+    <dgm:txPr/>
+    <dgm:style>
+      <a:lnRef idx="1">
+        <a:scrgbClr r="0" g="0" b="0"/>
+      </a:lnRef>
+      <a:fillRef idx="1">
+        <a:scrgbClr r="0" g="0" b="0"/>
+      </a:fillRef>
+      <a:effectRef idx="0">
+        <a:scrgbClr r="0" g="0" b="0"/>
+      </a:effectRef>
+      <a:fontRef idx="minor"/>
+    </dgm:style>
+  </dgm:styleLbl>
+  <dgm:styleLbl name="bgShp">
+    <dgm:scene3d>
+      <a:camera prst="orthographicFront"/>
+      <a:lightRig rig="threePt" dir="t"/>
+    </dgm:scene3d>
+    <dgm:sp3d/>
+    <dgm:txPr/>
+    <dgm:style>
+      <a:lnRef idx="0">
+        <a:scrgbClr r="0" g="0" b="0"/>
+      </a:lnRef>
+      <a:fillRef idx="1">
+        <a:scrgbClr r="0" g="0" b="0"/>
+      </a:fillRef>
+      <a:effectRef idx="2">
+        <a:scrgbClr r="0" g="0" b="0"/>
+      </a:effectRef>
+      <a:fontRef idx="minor"/>
+    </dgm:style>
+  </dgm:styleLbl>
+  <dgm:styleLbl name="dkBgShp">
+    <dgm:scene3d>
+      <a:camera prst="orthographicFront"/>
+      <a:lightRig rig="threePt" dir="t"/>
+    </dgm:scene3d>
+    <dgm:sp3d/>
+    <dgm:txPr/>
+    <dgm:style>
+      <a:lnRef idx="0">
+        <a:scrgbClr r="0" g="0" b="0"/>
+      </a:lnRef>
+      <a:fillRef idx="1">
+        <a:scrgbClr r="0" g="0" b="0"/>
+      </a:fillRef>
+      <a:effectRef idx="2">
+        <a:scrgbClr r="0" g="0" b="0"/>
+      </a:effectRef>
+      <a:fontRef idx="minor"/>
+    </dgm:style>
+  </dgm:styleLbl>
+  <dgm:styleLbl name="trBgShp">
+    <dgm:scene3d>
+      <a:camera prst="orthographicFront"/>
+      <a:lightRig rig="threePt" dir="t"/>
+    </dgm:scene3d>
+    <dgm:sp3d/>
+    <dgm:txPr/>
+    <dgm:style>
+      <a:lnRef idx="0">
+        <a:scrgbClr r="0" g="0" b="0"/>
+      </a:lnRef>
+      <a:fillRef idx="1">
+        <a:scrgbClr r="0" g="0" b="0"/>
+      </a:fillRef>
+      <a:effectRef idx="0">
+        <a:scrgbClr r="0" g="0" b="0"/>
+      </a:effectRef>
+      <a:fontRef idx="minor"/>
+    </dgm:style>
+  </dgm:styleLbl>
+  <dgm:styleLbl name="fgShp">
+    <dgm:scene3d>
+      <a:camera prst="orthographicFront"/>
+      <a:lightRig rig="threePt" dir="t"/>
+    </dgm:scene3d>
+    <dgm:sp3d/>
+    <dgm:txPr/>
+    <dgm:style>
+      <a:lnRef idx="0">
+        <a:scrgbClr r="0" g="0" b="0"/>
+      </a:lnRef>
+      <a:fillRef idx="3">
+        <a:scrgbClr r="0" g="0" b="0"/>
+      </a:fillRef>
+      <a:effectRef idx="2">
+        <a:scrgbClr r="0" g="0" b="0"/>
+      </a:effectRef>
+      <a:fontRef idx="minor"/>
+    </dgm:style>
+  </dgm:styleLbl>
+  <dgm:styleLbl name="revTx">
+    <dgm:scene3d>
+      <a:camera prst="orthographicFront"/>
+      <a:lightRig rig="threePt" dir="t"/>
+    </dgm:scene3d>
+    <dgm:sp3d/>
+    <dgm:txPr/>
+    <dgm:style>
+      <a:lnRef idx="0">
+        <a:scrgbClr r="0" g="0" b="0"/>
+      </a:lnRef>
+      <a:fillRef idx="0">
+        <a:scrgbClr r="0" g="0" b="0"/>
+      </a:fillRef>
+      <a:effectRef idx="0">
+        <a:scrgbClr r="0" g="0" b="0"/>
+      </a:effectRef>
+      <a:fontRef idx="minor"/>
+    </dgm:style>
+  </dgm:styleLbl>
+</dgm:styleDef>
+</file>
+
+<file path=ppt/notesMasters/notesMaster1.xml><?xml version="1.0" encoding="utf-8"?>
+<p:notesMaster xmlns:a="http://schemas.openxmlformats.org/drawingml/2006/main" xmlns:r="http://schemas.openxmlformats.org/officeDocument/2006/relationships" xmlns:p="http://schemas.openxmlformats.org/presentationml/2006/main">
+  <p:cSld>
+    <p:bg>
+      <p:bgRef idx="1001">
+        <a:schemeClr val="bg1"/>
+      </p:bgRef>
+    </p:bg>
+    <p:spTree>
+      <p:nvGrpSpPr>
+        <p:cNvPr id="1" name=""/>
+        <p:cNvGrpSpPr/>
+        <p:nvPr/>
+      </p:nvGrpSpPr>
+      <p:grpSpPr>
+        <a:xfrm>
+          <a:off x="0" y="0"/>
+          <a:ext cx="0" cy="0"/>
+          <a:chOff x="0" y="0"/>
+          <a:chExt cx="0" cy="0"/>
+        </a:xfrm>
+      </p:grpSpPr>
+      <p:sp>
+        <p:nvSpPr>
+          <p:cNvPr id="2" name="Header Placeholder 1"/>
+          <p:cNvSpPr>
+            <a:spLocks noGrp="1"/>
+          </p:cNvSpPr>
+          <p:nvPr>
+            <p:ph type="hdr" sz="quarter"/>
+          </p:nvPr>
+        </p:nvSpPr>
+        <p:spPr>
+          <a:xfrm>
+            <a:off x="0" y="0"/>
+            <a:ext cx="2971800" cy="458788"/>
+          </a:xfrm>
+          <a:prstGeom prst="rect">
+            <a:avLst/>
+          </a:prstGeom>
+        </p:spPr>
+        <p:txBody>
+          <a:bodyPr vert="horz" lIns="91440" tIns="45720" rIns="91440" bIns="45720" rtlCol="0"/>
+          <a:lstStyle>
+            <a:lvl1pPr algn="l">
+              <a:defRPr sz="1200"/>
+            </a:lvl1pPr>
+          </a:lstStyle>
+          <a:p>
+            <a:endParaRPr lang="en-US"/>
+          </a:p>
+        </p:txBody>
+      </p:sp>
+      <p:sp>
+        <p:nvSpPr>
+          <p:cNvPr id="3" name="Date Placeholder 2"/>
+          <p:cNvSpPr>
+            <a:spLocks noGrp="1"/>
+          </p:cNvSpPr>
+          <p:nvPr>
+            <p:ph type="dt" idx="1"/>
+          </p:nvPr>
+        </p:nvSpPr>
+        <p:spPr>
+          <a:xfrm>
+            <a:off x="3884613" y="0"/>
+            <a:ext cx="2971800" cy="458788"/>
+          </a:xfrm>
+          <a:prstGeom prst="rect">
+            <a:avLst/>
+          </a:prstGeom>
+        </p:spPr>
+        <p:txBody>
+          <a:bodyPr vert="horz" lIns="91440" tIns="45720" rIns="91440" bIns="45720" rtlCol="0"/>
+          <a:lstStyle>
+            <a:lvl1pPr algn="r">
+              <a:defRPr sz="1200"/>
+            </a:lvl1pPr>
+          </a:lstStyle>
+          <a:p>
+            <a:fld id="{79DE6F73-CED8-413F-B494-7EB9B1852469}" type="datetimeFigureOut">
+              <a:rPr lang="en-US" smtClean="0"/>
+              <a:t>21/02/2024</a:t>
+            </a:fld>
+            <a:endParaRPr lang="en-US"/>
+          </a:p>
+        </p:txBody>
+      </p:sp>
+      <p:sp>
+        <p:nvSpPr>
+          <p:cNvPr id="4" name="Slide Image Placeholder 3"/>
+          <p:cNvSpPr>
+            <a:spLocks noGrp="1" noRot="1" noChangeAspect="1"/>
+          </p:cNvSpPr>
+          <p:nvPr>
+            <p:ph type="sldImg" idx="2"/>
+          </p:nvPr>
+        </p:nvSpPr>
+        <p:spPr>
+          <a:xfrm>
+            <a:off x="685800" y="1143000"/>
+            <a:ext cx="5486400" cy="3086100"/>
+          </a:xfrm>
+          <a:prstGeom prst="rect">
+            <a:avLst/>
+          </a:prstGeom>
+          <a:noFill/>
+          <a:ln w="12700">
+            <a:solidFill>
+              <a:prstClr val="black"/>
+            </a:solidFill>
+          </a:ln>
+        </p:spPr>
+        <p:txBody>
+          <a:bodyPr vert="horz" lIns="91440" tIns="45720" rIns="91440" bIns="45720" rtlCol="0" anchor="ctr"/>
+          <a:lstStyle/>
+          <a:p>
+            <a:endParaRPr lang="en-US"/>
+          </a:p>
+        </p:txBody>
+      </p:sp>
+      <p:sp>
+        <p:nvSpPr>
+          <p:cNvPr id="5" name="Notes Placeholder 4"/>
+          <p:cNvSpPr>
+            <a:spLocks noGrp="1"/>
+          </p:cNvSpPr>
+          <p:nvPr>
+            <p:ph type="body" sz="quarter" idx="3"/>
+          </p:nvPr>
+        </p:nvSpPr>
+        <p:spPr>
+          <a:xfrm>
+            <a:off x="685800" y="4400550"/>
+            <a:ext cx="5486400" cy="3600450"/>
+          </a:xfrm>
+          <a:prstGeom prst="rect">
+            <a:avLst/>
+          </a:prstGeom>
+        </p:spPr>
+        <p:txBody>
+          <a:bodyPr vert="horz" lIns="91440" tIns="45720" rIns="91440" bIns="45720" rtlCol="0"/>
+          <a:lstStyle/>
+          <a:p>
+            <a:pPr lvl="0"/>
+            <a:r>
+              <a:rPr lang="en-US"/>
+              <a:t>Click to edit Master text styles</a:t>
+            </a:r>
+          </a:p>
+          <a:p>
+            <a:pPr lvl="1"/>
+            <a:r>
+              <a:rPr lang="en-US"/>
+              <a:t>Second level</a:t>
+            </a:r>
+          </a:p>
+          <a:p>
+            <a:pPr lvl="2"/>
+            <a:r>
+              <a:rPr lang="en-US"/>
+              <a:t>Third level</a:t>
+            </a:r>
+          </a:p>
+          <a:p>
+            <a:pPr lvl="3"/>
+            <a:r>
+              <a:rPr lang="en-US"/>
+              <a:t>Fourth level</a:t>
+            </a:r>
+          </a:p>
+          <a:p>
+            <a:pPr lvl="4"/>
+            <a:r>
+              <a:rPr lang="en-US"/>
+              <a:t>Fifth level</a:t>
+            </a:r>
+          </a:p>
+        </p:txBody>
+      </p:sp>
+      <p:sp>
+        <p:nvSpPr>
+          <p:cNvPr id="6" name="Footer Placeholder 5"/>
+          <p:cNvSpPr>
+            <a:spLocks noGrp="1"/>
+          </p:cNvSpPr>
+          <p:nvPr>
+            <p:ph type="ftr" sz="quarter" idx="4"/>
+          </p:nvPr>
+        </p:nvSpPr>
+        <p:spPr>
+          <a:xfrm>
+            <a:off x="0" y="8685213"/>
+            <a:ext cx="2971800" cy="458787"/>
+          </a:xfrm>
+          <a:prstGeom prst="rect">
+            <a:avLst/>
+          </a:prstGeom>
+        </p:spPr>
+        <p:txBody>
+          <a:bodyPr vert="horz" lIns="91440" tIns="45720" rIns="91440" bIns="45720" rtlCol="0" anchor="b"/>
+          <a:lstStyle>
+            <a:lvl1pPr algn="l">
+              <a:defRPr sz="1200"/>
+            </a:lvl1pPr>
+          </a:lstStyle>
+          <a:p>
+            <a:endParaRPr lang="en-US"/>
+          </a:p>
+        </p:txBody>
+      </p:sp>
+      <p:sp>
+        <p:nvSpPr>
+          <p:cNvPr id="7" name="Slide Number Placeholder 6"/>
+          <p:cNvSpPr>
+            <a:spLocks noGrp="1"/>
+          </p:cNvSpPr>
+          <p:nvPr>
+            <p:ph type="sldNum" sz="quarter" idx="5"/>
+          </p:nvPr>
+        </p:nvSpPr>
+        <p:spPr>
+          <a:xfrm>
+            <a:off x="3884613" y="8685213"/>
+            <a:ext cx="2971800" cy="458787"/>
+          </a:xfrm>
+          <a:prstGeom prst="rect">
+            <a:avLst/>
+          </a:prstGeom>
+        </p:spPr>
+        <p:txBody>
+          <a:bodyPr vert="horz" lIns="91440" tIns="45720" rIns="91440" bIns="45720" rtlCol="0" anchor="b"/>
+          <a:lstStyle>
+            <a:lvl1pPr algn="r">
+              <a:defRPr sz="1200"/>
+            </a:lvl1pPr>
+          </a:lstStyle>
+          <a:p>
+            <a:fld id="{0AB714CC-2430-4D79-833C-740A0A3A81D7}" type="slidenum">
+              <a:rPr lang="en-US" smtClean="0"/>
+              <a:t>‹#›</a:t>
+            </a:fld>
+            <a:endParaRPr lang="en-US"/>
+          </a:p>
+        </p:txBody>
+      </p:sp>
+    </p:spTree>
+    <p:extLst>
+      <p:ext uri="{BB962C8B-B14F-4D97-AF65-F5344CB8AC3E}">
+        <p14:creationId xmlns:p14="http://schemas.microsoft.com/office/powerpoint/2010/main" val="2422345866"/>
+      </p:ext>
+    </p:extLst>
+  </p:cSld>
+  <p:clrMap bg1="lt1" tx1="dk1" bg2="lt2" tx2="dk2" accent1="accent1" accent2="accent2" accent3="accent3" accent4="accent4" accent5="accent5" accent6="accent6" hlink="hlink" folHlink="folHlink"/>
+  <p:notesStyle>
+    <a:lvl1pPr marL="0" algn="l" defTabSz="914400" rtl="0" eaLnBrk="1" latinLnBrk="0" hangingPunct="1">
+      <a:defRPr sz="1200" kern="1200">
+        <a:solidFill>
+          <a:schemeClr val="tx1"/>
+        </a:solidFill>
+        <a:latin typeface="+mn-lt"/>
+        <a:ea typeface="+mn-ea"/>
+        <a:cs typeface="+mn-cs"/>
+      </a:defRPr>
+    </a:lvl1pPr>
+    <a:lvl2pPr marL="457200" algn="l" defTabSz="914400" rtl="0" eaLnBrk="1" latinLnBrk="0" hangingPunct="1">
+      <a:defRPr sz="1200" kern="1200">
+        <a:solidFill>
+          <a:schemeClr val="tx1"/>
+        </a:solidFill>
+        <a:latin typeface="+mn-lt"/>
+        <a:ea typeface="+mn-ea"/>
+        <a:cs typeface="+mn-cs"/>
+      </a:defRPr>
+    </a:lvl2pPr>
+    <a:lvl3pPr marL="914400" algn="l" defTabSz="914400" rtl="0" eaLnBrk="1" latinLnBrk="0" hangingPunct="1">
+      <a:defRPr sz="1200" kern="1200">
+        <a:solidFill>
+          <a:schemeClr val="tx1"/>
+        </a:solidFill>
+        <a:latin typeface="+mn-lt"/>
+        <a:ea typeface="+mn-ea"/>
+        <a:cs typeface="+mn-cs"/>
+      </a:defRPr>
+    </a:lvl3pPr>
+    <a:lvl4pPr marL="1371600" algn="l" defTabSz="914400" rtl="0" eaLnBrk="1" latinLnBrk="0" hangingPunct="1">
+      <a:defRPr sz="1200" kern="1200">
+        <a:solidFill>
+          <a:schemeClr val="tx1"/>
+        </a:solidFill>
+        <a:latin typeface="+mn-lt"/>
+        <a:ea typeface="+mn-ea"/>
+        <a:cs typeface="+mn-cs"/>
+      </a:defRPr>
+    </a:lvl4pPr>
+    <a:lvl5pPr marL="1828800" algn="l" defTabSz="914400" rtl="0" eaLnBrk="1" latinLnBrk="0" hangingPunct="1">
+      <a:defRPr sz="1200" kern="1200">
+        <a:solidFill>
+          <a:schemeClr val="tx1"/>
+        </a:solidFill>
+        <a:latin typeface="+mn-lt"/>
+        <a:ea typeface="+mn-ea"/>
+        <a:cs typeface="+mn-cs"/>
+      </a:defRPr>
+    </a:lvl5pPr>
+    <a:lvl6pPr marL="2286000" algn="l" defTabSz="914400" rtl="0" eaLnBrk="1" latinLnBrk="0" hangingPunct="1">
+      <a:defRPr sz="1200" kern="1200">
+        <a:solidFill>
+          <a:schemeClr val="tx1"/>
+        </a:solidFill>
+        <a:latin typeface="+mn-lt"/>
+        <a:ea typeface="+mn-ea"/>
+        <a:cs typeface="+mn-cs"/>
+      </a:defRPr>
+    </a:lvl6pPr>
+    <a:lvl7pPr marL="2743200" algn="l" defTabSz="914400" rtl="0" eaLnBrk="1" latinLnBrk="0" hangingPunct="1">
+      <a:defRPr sz="1200" kern="1200">
+        <a:solidFill>
+          <a:schemeClr val="tx1"/>
+        </a:solidFill>
+        <a:latin typeface="+mn-lt"/>
+        <a:ea typeface="+mn-ea"/>
+        <a:cs typeface="+mn-cs"/>
+      </a:defRPr>
+    </a:lvl7pPr>
+    <a:lvl8pPr marL="3200400" algn="l" defTabSz="914400" rtl="0" eaLnBrk="1" latinLnBrk="0" hangingPunct="1">
+      <a:defRPr sz="1200" kern="1200">
+        <a:solidFill>
+          <a:schemeClr val="tx1"/>
+        </a:solidFill>
+        <a:latin typeface="+mn-lt"/>
+        <a:ea typeface="+mn-ea"/>
+        <a:cs typeface="+mn-cs"/>
+      </a:defRPr>
+    </a:lvl8pPr>
+    <a:lvl9pPr marL="3657600" algn="l" defTabSz="914400" rtl="0" eaLnBrk="1" latinLnBrk="0" hangingPunct="1">
+      <a:defRPr sz="1200" kern="1200">
+        <a:solidFill>
+          <a:schemeClr val="tx1"/>
+        </a:solidFill>
+        <a:latin typeface="+mn-lt"/>
+        <a:ea typeface="+mn-ea"/>
+        <a:cs typeface="+mn-cs"/>
+      </a:defRPr>
+    </a:lvl9pPr>
+  </p:notesStyle>
+</p:notesMaster>
+</file>
+
+<file path=ppt/notesSlides/notesSlide1.xml><?xml version="1.0" encoding="utf-8"?>
+<p:notes xmlns:a="http://schemas.openxmlformats.org/drawingml/2006/main" xmlns:r="http://schemas.openxmlformats.org/officeDocument/2006/relationships" xmlns:p="http://schemas.openxmlformats.org/presentationml/2006/main">
+  <p:cSld>
+    <p:spTree>
+      <p:nvGrpSpPr>
+        <p:cNvPr id="1" name=""/>
+        <p:cNvGrpSpPr/>
+        <p:nvPr/>
+      </p:nvGrpSpPr>
+      <p:grpSpPr>
+        <a:xfrm>
+          <a:off x="0" y="0"/>
+          <a:ext cx="0" cy="0"/>
+          <a:chOff x="0" y="0"/>
+          <a:chExt cx="0" cy="0"/>
+        </a:xfrm>
+      </p:grpSpPr>
+      <p:sp>
+        <p:nvSpPr>
+          <p:cNvPr id="2" name="Slide Image Placeholder 1"/>
+          <p:cNvSpPr>
+            <a:spLocks noGrp="1" noRot="1" noChangeAspect="1"/>
+          </p:cNvSpPr>
+          <p:nvPr>
+            <p:ph type="sldImg"/>
+          </p:nvPr>
+        </p:nvSpPr>
+        <p:spPr/>
+      </p:sp>
+      <p:sp>
+        <p:nvSpPr>
+          <p:cNvPr id="3" name="Notes Placeholder 2"/>
+          <p:cNvSpPr>
+            <a:spLocks noGrp="1"/>
+          </p:cNvSpPr>
+          <p:nvPr>
+            <p:ph type="body" idx="1"/>
+          </p:nvPr>
+        </p:nvSpPr>
+        <p:spPr/>
+        <p:txBody>
+          <a:bodyPr/>
+          <a:lstStyle/>
+          <a:p>
+            <a:r>
+              <a:rPr lang="en-US" dirty="0"/>
+              <a:t>Authorities is an object type used to restrict access to features. The features are grouped by roles</a:t>
+            </a:r>
+          </a:p>
+        </p:txBody>
+      </p:sp>
+      <p:sp>
+        <p:nvSpPr>
+          <p:cNvPr id="4" name="Slide Number Placeholder 3"/>
+          <p:cNvSpPr>
+            <a:spLocks noGrp="1"/>
+          </p:cNvSpPr>
+          <p:nvPr>
+            <p:ph type="sldNum" sz="quarter" idx="5"/>
+          </p:nvPr>
+        </p:nvSpPr>
+        <p:spPr/>
+        <p:txBody>
+          <a:bodyPr/>
+          <a:lstStyle/>
+          <a:p>
+            <a:fld id="{0AB714CC-2430-4D79-833C-740A0A3A81D7}" type="slidenum">
+              <a:rPr lang="en-US" smtClean="0"/>
+              <a:t>5</a:t>
+            </a:fld>
+            <a:endParaRPr lang="en-US"/>
+          </a:p>
+        </p:txBody>
+      </p:sp>
+    </p:spTree>
+    <p:extLst>
+      <p:ext uri="{BB962C8B-B14F-4D97-AF65-F5344CB8AC3E}">
+        <p14:creationId xmlns:p14="http://schemas.microsoft.com/office/powerpoint/2010/main" val="2676779836"/>
+      </p:ext>
+    </p:extLst>
+  </p:cSld>
+  <p:clrMapOvr>
+    <a:masterClrMapping/>
+  </p:clrMapOvr>
+</p:notes>
 </file>
 
 <file path=ppt/slideLayouts/slideLayout1.xml><?xml version="1.0" encoding="utf-8"?>
@@ -1266,7 +6045,7 @@
           <a:p>
             <a:fld id="{202E2F12-B70C-4E97-B354-FBCBEB440A75}" type="datetimeFigureOut">
               <a:rPr lang="en-US" smtClean="0"/>
-              <a:t>16/02/2024</a:t>
+              <a:t>21/02/2024</a:t>
             </a:fld>
             <a:endParaRPr lang="en-US"/>
           </a:p>
@@ -1464,7 +6243,7 @@
           <a:p>
             <a:fld id="{202E2F12-B70C-4E97-B354-FBCBEB440A75}" type="datetimeFigureOut">
               <a:rPr lang="en-US" smtClean="0"/>
-              <a:t>16/02/2024</a:t>
+              <a:t>21/02/2024</a:t>
             </a:fld>
             <a:endParaRPr lang="en-US"/>
           </a:p>
@@ -1672,7 +6451,7 @@
           <a:p>
             <a:fld id="{202E2F12-B70C-4E97-B354-FBCBEB440A75}" type="datetimeFigureOut">
               <a:rPr lang="en-US" smtClean="0"/>
-              <a:t>16/02/2024</a:t>
+              <a:t>21/02/2024</a:t>
             </a:fld>
             <a:endParaRPr lang="en-US"/>
           </a:p>
@@ -1870,7 +6649,7 @@
           <a:p>
             <a:fld id="{202E2F12-B70C-4E97-B354-FBCBEB440A75}" type="datetimeFigureOut">
               <a:rPr lang="en-US" smtClean="0"/>
-              <a:t>16/02/2024</a:t>
+              <a:t>21/02/2024</a:t>
             </a:fld>
             <a:endParaRPr lang="en-US"/>
           </a:p>
@@ -2145,7 +6924,7 @@
           <a:p>
             <a:fld id="{202E2F12-B70C-4E97-B354-FBCBEB440A75}" type="datetimeFigureOut">
               <a:rPr lang="en-US" smtClean="0"/>
-              <a:t>16/02/2024</a:t>
+              <a:t>21/02/2024</a:t>
             </a:fld>
             <a:endParaRPr lang="en-US"/>
           </a:p>
@@ -2410,7 +7189,7 @@
           <a:p>
             <a:fld id="{202E2F12-B70C-4E97-B354-FBCBEB440A75}" type="datetimeFigureOut">
               <a:rPr lang="en-US" smtClean="0"/>
-              <a:t>16/02/2024</a:t>
+              <a:t>21/02/2024</a:t>
             </a:fld>
             <a:endParaRPr lang="en-US"/>
           </a:p>
@@ -2822,7 +7601,7 @@
           <a:p>
             <a:fld id="{202E2F12-B70C-4E97-B354-FBCBEB440A75}" type="datetimeFigureOut">
               <a:rPr lang="en-US" smtClean="0"/>
-              <a:t>16/02/2024</a:t>
+              <a:t>21/02/2024</a:t>
             </a:fld>
             <a:endParaRPr lang="en-US"/>
           </a:p>
@@ -2963,7 +7742,7 @@
           <a:p>
             <a:fld id="{202E2F12-B70C-4E97-B354-FBCBEB440A75}" type="datetimeFigureOut">
               <a:rPr lang="en-US" smtClean="0"/>
-              <a:t>16/02/2024</a:t>
+              <a:t>21/02/2024</a:t>
             </a:fld>
             <a:endParaRPr lang="en-US"/>
           </a:p>
@@ -3076,7 +7855,7 @@
           <a:p>
             <a:fld id="{202E2F12-B70C-4E97-B354-FBCBEB440A75}" type="datetimeFigureOut">
               <a:rPr lang="en-US" smtClean="0"/>
-              <a:t>16/02/2024</a:t>
+              <a:t>21/02/2024</a:t>
             </a:fld>
             <a:endParaRPr lang="en-US"/>
           </a:p>
@@ -3387,7 +8166,7 @@
           <a:p>
             <a:fld id="{202E2F12-B70C-4E97-B354-FBCBEB440A75}" type="datetimeFigureOut">
               <a:rPr lang="en-US" smtClean="0"/>
-              <a:t>16/02/2024</a:t>
+              <a:t>21/02/2024</a:t>
             </a:fld>
             <a:endParaRPr lang="en-US"/>
           </a:p>
@@ -3675,7 +8454,7 @@
           <a:p>
             <a:fld id="{202E2F12-B70C-4E97-B354-FBCBEB440A75}" type="datetimeFigureOut">
               <a:rPr lang="en-US" smtClean="0"/>
-              <a:t>16/02/2024</a:t>
+              <a:t>21/02/2024</a:t>
             </a:fld>
             <a:endParaRPr lang="en-US"/>
           </a:p>
@@ -3916,7 +8695,7 @@
           <a:p>
             <a:fld id="{202E2F12-B70C-4E97-B354-FBCBEB440A75}" type="datetimeFigureOut">
               <a:rPr lang="en-US" smtClean="0"/>
-              <a:t>16/02/2024</a:t>
+              <a:t>21/02/2024</a:t>
             </a:fld>
             <a:endParaRPr lang="en-US"/>
           </a:p>
@@ -4627,7 +9406,7 @@
         </p:nvSpPr>
         <p:spPr>
           <a:xfrm>
-            <a:off x="9385069" y="5790459"/>
+            <a:off x="9256668" y="5789818"/>
             <a:ext cx="2739550" cy="400110"/>
           </a:xfrm>
           <a:prstGeom prst="rect">
@@ -4682,8 +9461,44 @@
         </p:blipFill>
         <p:spPr>
           <a:xfrm>
-            <a:off x="9869539" y="4019850"/>
-            <a:ext cx="1770609" cy="1770609"/>
+            <a:off x="9128267" y="4418218"/>
+            <a:ext cx="1371600" cy="1371600"/>
+          </a:xfrm>
+          <a:prstGeom prst="rect">
+            <a:avLst/>
+          </a:prstGeom>
+        </p:spPr>
+      </p:pic>
+      <p:pic>
+        <p:nvPicPr>
+          <p:cNvPr id="3" name="Picture 2" descr="A qr code with a blue and black logo&#10;&#10;Description automatically generated">
+            <a:extLst>
+              <a:ext uri="{FF2B5EF4-FFF2-40B4-BE49-F238E27FC236}">
+                <a16:creationId xmlns:a16="http://schemas.microsoft.com/office/drawing/2014/main" id="{2E10B9DC-373E-C057-B100-44C3BF8EE565}"/>
+              </a:ext>
+            </a:extLst>
+          </p:cNvPr>
+          <p:cNvPicPr>
+            <a:picLocks noChangeAspect="1"/>
+          </p:cNvPicPr>
+          <p:nvPr/>
+        </p:nvPicPr>
+        <p:blipFill>
+          <a:blip r:embed="rId4">
+            <a:extLst>
+              <a:ext uri="{28A0092B-C50C-407E-A947-70E740481C1C}">
+                <a14:useLocalDpi xmlns:a14="http://schemas.microsoft.com/office/drawing/2010/main" val="0"/>
+              </a:ext>
+            </a:extLst>
+          </a:blip>
+          <a:stretch>
+            <a:fillRect/>
+          </a:stretch>
+        </p:blipFill>
+        <p:spPr>
+          <a:xfrm>
+            <a:off x="10753019" y="4418218"/>
+            <a:ext cx="1371600" cy="1371600"/>
           </a:xfrm>
           <a:prstGeom prst="rect">
             <a:avLst/>
@@ -4694,6 +9509,259 @@
     <p:extLst>
       <p:ext uri="{BB962C8B-B14F-4D97-AF65-F5344CB8AC3E}">
         <p14:creationId xmlns:p14="http://schemas.microsoft.com/office/powerpoint/2010/main" val="1245718015"/>
+      </p:ext>
+    </p:extLst>
+  </p:cSld>
+  <p:clrMapOvr>
+    <a:masterClrMapping/>
+  </p:clrMapOvr>
+</p:sld>
+</file>
+
+<file path=ppt/slides/slide10.xml><?xml version="1.0" encoding="utf-8"?>
+<p:sld xmlns:a="http://schemas.openxmlformats.org/drawingml/2006/main" xmlns:r="http://schemas.openxmlformats.org/officeDocument/2006/relationships" xmlns:p="http://schemas.openxmlformats.org/presentationml/2006/main">
+  <p:cSld>
+    <p:bg>
+      <p:bgPr>
+        <a:solidFill>
+          <a:schemeClr val="bg1"/>
+        </a:solidFill>
+        <a:effectLst/>
+      </p:bgPr>
+    </p:bg>
+    <p:spTree>
+      <p:nvGrpSpPr>
+        <p:cNvPr id="1" name=""/>
+        <p:cNvGrpSpPr/>
+        <p:nvPr/>
+      </p:nvGrpSpPr>
+      <p:grpSpPr>
+        <a:xfrm>
+          <a:off x="0" y="0"/>
+          <a:ext cx="0" cy="0"/>
+          <a:chOff x="0" y="0"/>
+          <a:chExt cx="0" cy="0"/>
+        </a:xfrm>
+      </p:grpSpPr>
+      <p:sp useBgFill="1">
+        <p:nvSpPr>
+          <p:cNvPr id="16" name="Rectangle 15">
+            <a:extLst>
+              <a:ext uri="{FF2B5EF4-FFF2-40B4-BE49-F238E27FC236}">
+                <a16:creationId xmlns:a16="http://schemas.microsoft.com/office/drawing/2014/main" id="{3A930249-8242-4E2B-AF17-C01826488321}"/>
+              </a:ext>
+              <a:ext uri="{C183D7F6-B498-43B3-948B-1728B52AA6E4}">
+                <adec:decorative xmlns:adec="http://schemas.microsoft.com/office/drawing/2017/decorative" val="1"/>
+              </a:ext>
+            </a:extLst>
+          </p:cNvPr>
+          <p:cNvSpPr>
+            <a:spLocks noGrp="1" noRot="1" noChangeAspect="1" noMove="1" noResize="1" noEditPoints="1" noAdjustHandles="1" noChangeArrowheads="1" noChangeShapeType="1" noTextEdit="1"/>
+          </p:cNvSpPr>
+          <p:nvPr>
+            <p:extLst>
+              <p:ext uri="{386F3935-93C4-4BCD-93E2-E3B085C9AB24}">
+                <p16:designElem xmlns:p16="http://schemas.microsoft.com/office/powerpoint/2015/main" val="1"/>
+              </p:ext>
+            </p:extLst>
+          </p:nvPr>
+        </p:nvSpPr>
+        <p:spPr>
+          <a:xfrm>
+            <a:off x="-1" y="0"/>
+            <a:ext cx="12188952" cy="6858000"/>
+          </a:xfrm>
+          <a:prstGeom prst="rect">
+            <a:avLst/>
+          </a:prstGeom>
+          <a:ln>
+            <a:noFill/>
+          </a:ln>
+        </p:spPr>
+        <p:style>
+          <a:lnRef idx="2">
+            <a:schemeClr val="accent1">
+              <a:shade val="50000"/>
+            </a:schemeClr>
+          </a:lnRef>
+          <a:fillRef idx="1">
+            <a:schemeClr val="accent1"/>
+          </a:fillRef>
+          <a:effectRef idx="0">
+            <a:schemeClr val="accent1"/>
+          </a:effectRef>
+          <a:fontRef idx="minor">
+            <a:schemeClr val="lt1"/>
+          </a:fontRef>
+        </p:style>
+        <p:txBody>
+          <a:bodyPr rtlCol="0" anchor="ctr"/>
+          <a:lstStyle/>
+          <a:p>
+            <a:pPr algn="ctr"/>
+            <a:endParaRPr lang="en-US"/>
+          </a:p>
+        </p:txBody>
+      </p:sp>
+      <p:sp>
+        <p:nvSpPr>
+          <p:cNvPr id="18" name="Rectangle 17">
+            <a:extLst>
+              <a:ext uri="{FF2B5EF4-FFF2-40B4-BE49-F238E27FC236}">
+                <a16:creationId xmlns:a16="http://schemas.microsoft.com/office/drawing/2014/main" id="{A5BDD999-C5E1-4B3E-A710-768673819165}"/>
+              </a:ext>
+              <a:ext uri="{C183D7F6-B498-43B3-948B-1728B52AA6E4}">
+                <adec:decorative xmlns:adec="http://schemas.microsoft.com/office/drawing/2017/decorative" val="1"/>
+              </a:ext>
+            </a:extLst>
+          </p:cNvPr>
+          <p:cNvSpPr>
+            <a:spLocks noGrp="1" noRot="1" noChangeAspect="1" noMove="1" noResize="1" noEditPoints="1" noAdjustHandles="1" noChangeArrowheads="1" noChangeShapeType="1" noTextEdit="1"/>
+          </p:cNvSpPr>
+          <p:nvPr>
+            <p:extLst>
+              <p:ext uri="{386F3935-93C4-4BCD-93E2-E3B085C9AB24}">
+                <p16:designElem xmlns:p16="http://schemas.microsoft.com/office/powerpoint/2015/main" val="1"/>
+              </p:ext>
+            </p:extLst>
+          </p:nvPr>
+        </p:nvSpPr>
+        <p:spPr>
+          <a:xfrm>
+            <a:off x="187388" y="181576"/>
+            <a:ext cx="11823637" cy="6501088"/>
+          </a:xfrm>
+          <a:prstGeom prst="rect">
+            <a:avLst/>
+          </a:prstGeom>
+          <a:solidFill>
+            <a:srgbClr val="000000"/>
+          </a:solidFill>
+          <a:ln>
+            <a:noFill/>
+          </a:ln>
+        </p:spPr>
+        <p:style>
+          <a:lnRef idx="2">
+            <a:schemeClr val="accent1">
+              <a:shade val="50000"/>
+            </a:schemeClr>
+          </a:lnRef>
+          <a:fillRef idx="1">
+            <a:schemeClr val="accent1"/>
+          </a:fillRef>
+          <a:effectRef idx="0">
+            <a:schemeClr val="accent1"/>
+          </a:effectRef>
+          <a:fontRef idx="minor">
+            <a:schemeClr val="lt1"/>
+          </a:fontRef>
+        </p:style>
+        <p:txBody>
+          <a:bodyPr rtlCol="0" anchor="ctr"/>
+          <a:lstStyle/>
+          <a:p>
+            <a:pPr algn="ctr"/>
+            <a:endParaRPr lang="en-US">
+              <a:solidFill>
+                <a:srgbClr val="000000"/>
+              </a:solidFill>
+            </a:endParaRPr>
+          </a:p>
+        </p:txBody>
+      </p:sp>
+      <p:pic>
+        <p:nvPicPr>
+          <p:cNvPr id="3" name="Picture 2" descr="A cat with a handkerchief in its mouth">
+            <a:extLst>
+              <a:ext uri="{FF2B5EF4-FFF2-40B4-BE49-F238E27FC236}">
+                <a16:creationId xmlns:a16="http://schemas.microsoft.com/office/drawing/2014/main" id="{63935268-55E1-F3C2-A40D-812C2957D230}"/>
+              </a:ext>
+            </a:extLst>
+          </p:cNvPr>
+          <p:cNvPicPr>
+            <a:picLocks noChangeAspect="1"/>
+          </p:cNvPicPr>
+          <p:nvPr/>
+        </p:nvPicPr>
+        <p:blipFill rotWithShape="1">
+          <a:blip r:embed="rId2">
+            <a:alphaModFix amt="60000"/>
+            <a:extLst>
+              <a:ext uri="{28A0092B-C50C-407E-A947-70E740481C1C}">
+                <a14:useLocalDpi xmlns:a14="http://schemas.microsoft.com/office/drawing/2010/main" val="0"/>
+              </a:ext>
+            </a:extLst>
+          </a:blip>
+          <a:srcRect r="-1" b="2277"/>
+          <a:stretch/>
+        </p:blipFill>
+        <p:spPr>
+          <a:xfrm>
+            <a:off x="187388" y="182880"/>
+            <a:ext cx="11824481" cy="6499784"/>
+          </a:xfrm>
+          <a:prstGeom prst="rect">
+            <a:avLst/>
+          </a:prstGeom>
+        </p:spPr>
+      </p:pic>
+      <p:sp>
+        <p:nvSpPr>
+          <p:cNvPr id="4" name="TextBox 3">
+            <a:extLst>
+              <a:ext uri="{FF2B5EF4-FFF2-40B4-BE49-F238E27FC236}">
+                <a16:creationId xmlns:a16="http://schemas.microsoft.com/office/drawing/2014/main" id="{5BFAFE23-8E03-3E78-76FC-DB5AE863144E}"/>
+              </a:ext>
+            </a:extLst>
+          </p:cNvPr>
+          <p:cNvSpPr txBox="1"/>
+          <p:nvPr/>
+        </p:nvSpPr>
+        <p:spPr>
+          <a:xfrm>
+            <a:off x="1198181" y="1122363"/>
+            <a:ext cx="9795637" cy="2217158"/>
+          </a:xfrm>
+          <a:prstGeom prst="rect">
+            <a:avLst/>
+          </a:prstGeom>
+        </p:spPr>
+        <p:txBody>
+          <a:bodyPr vert="horz" lIns="91440" tIns="45720" rIns="91440" bIns="45720" rtlCol="0" anchor="b">
+            <a:normAutofit/>
+          </a:bodyPr>
+          <a:lstStyle/>
+          <a:p>
+            <a:pPr>
+              <a:lnSpc>
+                <a:spcPct val="90000"/>
+              </a:lnSpc>
+              <a:spcBef>
+                <a:spcPct val="0"/>
+              </a:spcBef>
+              <a:spcAft>
+                <a:spcPts val="600"/>
+              </a:spcAft>
+            </a:pPr>
+            <a:r>
+              <a:rPr lang="en-US" sz="6000" dirty="0">
+                <a:solidFill>
+                  <a:srgbClr val="FFFFFF"/>
+                </a:solidFill>
+                <a:latin typeface="Ubuntu" panose="020B0504030602030204" pitchFamily="34" charset="0"/>
+                <a:ea typeface="+mj-ea"/>
+                <a:cs typeface="+mj-cs"/>
+              </a:rPr>
+              <a:t>Demo Time!</a:t>
+            </a:r>
+          </a:p>
+        </p:txBody>
+      </p:sp>
+    </p:spTree>
+    <p:extLst>
+      <p:ext uri="{BB962C8B-B14F-4D97-AF65-F5344CB8AC3E}">
+        <p14:creationId xmlns:p14="http://schemas.microsoft.com/office/powerpoint/2010/main" val="1963614957"/>
       </p:ext>
     </p:extLst>
   </p:cSld>
@@ -11058,10 +16126,10 @@
       </p:grpSpPr>
       <p:sp>
         <p:nvSpPr>
-          <p:cNvPr id="1040" name="Rectangle 1039">
+          <p:cNvPr id="1049" name="Rectangle 1048">
             <a:extLst>
               <a:ext uri="{FF2B5EF4-FFF2-40B4-BE49-F238E27FC236}">
-                <a16:creationId xmlns:a16="http://schemas.microsoft.com/office/drawing/2014/main" id="{6EA86598-DA2C-41D5-BC0C-E877F8818EEB}"/>
+                <a16:creationId xmlns:a16="http://schemas.microsoft.com/office/drawing/2014/main" id="{FCCDD320-F060-4CF7-AE20-8592F7C9571D}"/>
               </a:ext>
               <a:ext uri="{C183D7F6-B498-43B3-948B-1728B52AA6E4}">
                 <adec:decorative xmlns:adec="http://schemas.microsoft.com/office/drawing/2017/decorative" val="1"/>
@@ -11081,21 +16149,21 @@
         </p:nvSpPr>
         <p:spPr>
           <a:xfrm>
-            <a:off x="10" y="0"/>
-            <a:ext cx="6095990" cy="6858001"/>
+            <a:off x="0" y="0"/>
+            <a:ext cx="12192000" cy="6858000"/>
           </a:xfrm>
           <a:prstGeom prst="rect">
             <a:avLst/>
           </a:prstGeom>
           <a:solidFill>
-            <a:schemeClr val="tx1">
-              <a:lumMod val="85000"/>
-              <a:lumOff val="15000"/>
-            </a:schemeClr>
+            <a:schemeClr val="tx1"/>
           </a:solidFill>
-          <a:ln>
+          <a:ln w="12700" cap="flat" cmpd="sng" algn="ctr">
             <a:noFill/>
+            <a:prstDash val="solid"/>
+            <a:miter lim="800000"/>
           </a:ln>
+          <a:effectLst/>
         </p:spPr>
         <p:style>
           <a:lnRef idx="2">
@@ -11124,67 +16192,10 @@
       </p:sp>
       <p:sp>
         <p:nvSpPr>
-          <p:cNvPr id="3" name="Title 2">
+          <p:cNvPr id="1051" name="Rectangle 1050">
             <a:extLst>
               <a:ext uri="{FF2B5EF4-FFF2-40B4-BE49-F238E27FC236}">
-                <a16:creationId xmlns:a16="http://schemas.microsoft.com/office/drawing/2014/main" id="{897C9B21-7C6A-1169-0C6E-3A66586255B3}"/>
-              </a:ext>
-            </a:extLst>
-          </p:cNvPr>
-          <p:cNvSpPr>
-            <a:spLocks noGrp="1"/>
-          </p:cNvSpPr>
-          <p:nvPr>
-            <p:ph type="title"/>
-          </p:nvPr>
-        </p:nvSpPr>
-        <p:spPr>
-          <a:xfrm>
-            <a:off x="1155557" y="637763"/>
-            <a:ext cx="4310698" cy="1627274"/>
-          </a:xfrm>
-        </p:spPr>
-        <p:txBody>
-          <a:bodyPr vert="horz" lIns="91440" tIns="45720" rIns="91440" bIns="45720" rtlCol="0" anchor="t">
-            <a:normAutofit/>
-          </a:bodyPr>
-          <a:lstStyle/>
-          <a:p>
-            <a:r>
-              <a:rPr lang="en-US" sz="4000" kern="1200" dirty="0">
-                <a:solidFill>
-                  <a:schemeClr val="bg1"/>
-                </a:solidFill>
-                <a:latin typeface="Ubuntu" panose="020B0504030602030204" pitchFamily="34" charset="0"/>
-              </a:rPr>
-              <a:t>Why </a:t>
-            </a:r>
-            <a:br>
-              <a:rPr lang="en-US" sz="4000" kern="1200" dirty="0">
-                <a:solidFill>
-                  <a:schemeClr val="bg1"/>
-                </a:solidFill>
-                <a:latin typeface="Ubuntu" panose="020B0504030602030204" pitchFamily="34" charset="0"/>
-              </a:rPr>
-            </a:br>
-            <a:r>
-              <a:rPr lang="en-US" sz="4000" kern="1200" dirty="0">
-                <a:solidFill>
-                  <a:schemeClr val="bg1"/>
-                </a:solidFill>
-                <a:latin typeface="Ubuntu" panose="020B0504030602030204" pitchFamily="34" charset="0"/>
-              </a:rPr>
-              <a:t>PET-ME?</a:t>
-            </a:r>
-          </a:p>
-        </p:txBody>
-      </p:sp>
-      <p:sp>
-        <p:nvSpPr>
-          <p:cNvPr id="1042" name="Rectangle 1041">
-            <a:extLst>
-              <a:ext uri="{FF2B5EF4-FFF2-40B4-BE49-F238E27FC236}">
-                <a16:creationId xmlns:a16="http://schemas.microsoft.com/office/drawing/2014/main" id="{450D3AD2-FA80-415F-A9CE-54D884561CD7}"/>
+                <a16:creationId xmlns:a16="http://schemas.microsoft.com/office/drawing/2014/main" id="{4B49AD00-D954-4DA1-88A1-FFCD8F596D2D}"/>
               </a:ext>
               <a:ext uri="{C183D7F6-B498-43B3-948B-1728B52AA6E4}">
                 <adec:decorative xmlns:adec="http://schemas.microsoft.com/office/drawing/2017/decorative" val="1"/>
@@ -11204,14 +16215,16 @@
         </p:nvSpPr>
         <p:spPr>
           <a:xfrm>
-            <a:off x="1155556" y="2372156"/>
-            <a:ext cx="457200" cy="45720"/>
+            <a:off x="735544" y="685798"/>
+            <a:ext cx="4613397" cy="5486399"/>
           </a:xfrm>
           <a:prstGeom prst="rect">
             <a:avLst/>
           </a:prstGeom>
           <a:solidFill>
-            <a:schemeClr val="bg1"/>
+            <a:schemeClr val="tx2">
+              <a:alpha val="40000"/>
+            </a:schemeClr>
           </a:solidFill>
           <a:ln>
             <a:noFill/>
@@ -11237,11 +16250,36 @@
           <a:bodyPr rtlCol="0" anchor="ctr"/>
           <a:lstStyle/>
           <a:p>
-            <a:pPr algn="ctr"/>
-            <a:endParaRPr lang="en-US">
+            <a:pPr marL="0" marR="0" lvl="0" indent="0" algn="ctr" defTabSz="914400" rtl="0" eaLnBrk="1" fontAlgn="auto" latinLnBrk="0" hangingPunct="1">
+              <a:lnSpc>
+                <a:spcPct val="100000"/>
+              </a:lnSpc>
+              <a:spcBef>
+                <a:spcPts val="0"/>
+              </a:spcBef>
+              <a:spcAft>
+                <a:spcPts val="0"/>
+              </a:spcAft>
+              <a:buClrTx/>
+              <a:buSzTx/>
+              <a:buFontTx/>
+              <a:buNone/>
+              <a:tabLst/>
+              <a:defRPr/>
+            </a:pPr>
+            <a:endParaRPr kumimoji="0" lang="en-US" sz="1800" b="0" i="0" u="none" strike="noStrike" kern="1200" cap="none" spc="0" normalizeH="0" baseline="0" noProof="0">
+              <a:ln>
+                <a:noFill/>
+              </a:ln>
               <a:solidFill>
-                <a:schemeClr val="bg1"/>
+                <a:prstClr val="white"/>
               </a:solidFill>
+              <a:effectLst/>
+              <a:uLnTx/>
+              <a:uFillTx/>
+              <a:latin typeface="Calibri" panose="020F0502020204030204"/>
+              <a:ea typeface="+mn-ea"/>
+              <a:cs typeface="+mn-cs"/>
             </a:endParaRPr>
           </a:p>
         </p:txBody>
@@ -11264,12 +16302,12 @@
         </p:nvSpPr>
         <p:spPr>
           <a:xfrm>
-            <a:off x="1155556" y="2581065"/>
-            <a:ext cx="4284416" cy="3633467"/>
+            <a:off x="1217925" y="2132122"/>
+            <a:ext cx="3648635" cy="3564735"/>
           </a:xfrm>
         </p:spPr>
         <p:txBody>
-          <a:bodyPr vert="horz" lIns="91440" tIns="45720" rIns="91440" bIns="45720" rtlCol="0">
+          <a:bodyPr vert="horz" lIns="91440" tIns="45720" rIns="91440" bIns="45720" rtlCol="0" anchor="t">
             <a:normAutofit/>
           </a:bodyPr>
           <a:lstStyle/>
@@ -11335,71 +16373,6 @@
           </a:p>
         </p:txBody>
       </p:sp>
-      <p:sp>
-        <p:nvSpPr>
-          <p:cNvPr id="1044" name="Rectangle 1043">
-            <a:extLst>
-              <a:ext uri="{FF2B5EF4-FFF2-40B4-BE49-F238E27FC236}">
-                <a16:creationId xmlns:a16="http://schemas.microsoft.com/office/drawing/2014/main" id="{87F16C5A-0D41-47A9-B0A2-9C2AD7A8CF32}"/>
-              </a:ext>
-              <a:ext uri="{C183D7F6-B498-43B3-948B-1728B52AA6E4}">
-                <adec:decorative xmlns:adec="http://schemas.microsoft.com/office/drawing/2017/decorative" val="1"/>
-              </a:ext>
-            </a:extLst>
-          </p:cNvPr>
-          <p:cNvSpPr>
-            <a:spLocks noGrp="1" noRot="1" noChangeAspect="1" noMove="1" noResize="1" noEditPoints="1" noAdjustHandles="1" noChangeArrowheads="1" noChangeShapeType="1" noTextEdit="1"/>
-          </p:cNvSpPr>
-          <p:nvPr>
-            <p:extLst>
-              <p:ext uri="{386F3935-93C4-4BCD-93E2-E3B085C9AB24}">
-                <p16:designElem xmlns:p16="http://schemas.microsoft.com/office/powerpoint/2015/main" val="1"/>
-              </p:ext>
-            </p:extLst>
-          </p:nvPr>
-        </p:nvSpPr>
-        <p:spPr>
-          <a:xfrm>
-            <a:off x="6096000" y="0"/>
-            <a:ext cx="6095990" cy="6858001"/>
-          </a:xfrm>
-          <a:prstGeom prst="rect">
-            <a:avLst/>
-          </a:prstGeom>
-          <a:solidFill>
-            <a:schemeClr val="bg1">
-              <a:lumMod val="95000"/>
-            </a:schemeClr>
-          </a:solidFill>
-          <a:ln>
-            <a:noFill/>
-          </a:ln>
-        </p:spPr>
-        <p:style>
-          <a:lnRef idx="2">
-            <a:schemeClr val="accent1">
-              <a:shade val="50000"/>
-            </a:schemeClr>
-          </a:lnRef>
-          <a:fillRef idx="1">
-            <a:schemeClr val="accent1"/>
-          </a:fillRef>
-          <a:effectRef idx="0">
-            <a:schemeClr val="accent1"/>
-          </a:effectRef>
-          <a:fontRef idx="minor">
-            <a:schemeClr val="lt1"/>
-          </a:fontRef>
-        </p:style>
-        <p:txBody>
-          <a:bodyPr rtlCol="0" anchor="ctr"/>
-          <a:lstStyle/>
-          <a:p>
-            <a:pPr algn="ctr"/>
-            <a:endParaRPr lang="en-US"/>
-          </a:p>
-        </p:txBody>
-      </p:sp>
       <p:pic>
         <p:nvPicPr>
           <p:cNvPr id="1026" name="Picture 2">
@@ -11428,8 +16401,8 @@
         </p:blipFill>
         <p:spPr bwMode="auto">
           <a:xfrm>
-            <a:off x="7602781" y="637762"/>
-            <a:ext cx="2579256" cy="5576770"/>
+            <a:off x="6095999" y="660510"/>
+            <a:ext cx="5428121" cy="5428121"/>
           </a:xfrm>
           <a:prstGeom prst="rect">
             <a:avLst/>
@@ -11444,6 +16417,106 @@
               </a14:hiddenFill>
             </a:ext>
           </a:extLst>
+        </p:spPr>
+      </p:pic>
+      <p:sp>
+        <p:nvSpPr>
+          <p:cNvPr id="3" name="Title 2">
+            <a:extLst>
+              <a:ext uri="{FF2B5EF4-FFF2-40B4-BE49-F238E27FC236}">
+                <a16:creationId xmlns:a16="http://schemas.microsoft.com/office/drawing/2014/main" id="{897C9B21-7C6A-1169-0C6E-3A66586255B3}"/>
+              </a:ext>
+            </a:extLst>
+          </p:cNvPr>
+          <p:cNvSpPr>
+            <a:spLocks noGrp="1"/>
+          </p:cNvSpPr>
+          <p:nvPr>
+            <p:ph type="title"/>
+          </p:nvPr>
+        </p:nvSpPr>
+        <p:spPr>
+          <a:xfrm>
+            <a:off x="1117605" y="979715"/>
+            <a:ext cx="3849274" cy="881448"/>
+          </a:xfrm>
+        </p:spPr>
+        <p:txBody>
+          <a:bodyPr vert="horz" lIns="91440" tIns="45720" rIns="91440" bIns="45720" rtlCol="0" anchor="b">
+            <a:noAutofit/>
+          </a:bodyPr>
+          <a:lstStyle/>
+          <a:p>
+            <a:pPr algn="ctr"/>
+            <a:r>
+              <a:rPr lang="en-US" sz="4000" kern="1200" dirty="0">
+                <a:solidFill>
+                  <a:schemeClr val="bg1">
+                    <a:alpha val="50000"/>
+                  </a:schemeClr>
+                </a:solidFill>
+                <a:latin typeface="Ubuntu" panose="020B0504030602030204" pitchFamily="34" charset="0"/>
+              </a:rPr>
+              <a:t>Why </a:t>
+            </a:r>
+            <a:br>
+              <a:rPr lang="en-US" sz="4000" kern="1200" dirty="0">
+                <a:solidFill>
+                  <a:schemeClr val="bg1">
+                    <a:alpha val="50000"/>
+                  </a:schemeClr>
+                </a:solidFill>
+                <a:latin typeface="Ubuntu" panose="020B0504030602030204" pitchFamily="34" charset="0"/>
+              </a:rPr>
+            </a:br>
+            <a:r>
+              <a:rPr lang="en-US" sz="4000" kern="1200" dirty="0">
+                <a:solidFill>
+                  <a:schemeClr val="bg1">
+                    <a:alpha val="50000"/>
+                  </a:schemeClr>
+                </a:solidFill>
+                <a:latin typeface="Ubuntu" panose="020B0504030602030204" pitchFamily="34" charset="0"/>
+              </a:rPr>
+              <a:t>PET-ME?</a:t>
+            </a:r>
+          </a:p>
+        </p:txBody>
+      </p:sp>
+      <p:pic>
+        <p:nvPicPr>
+          <p:cNvPr id="5" name="Picture 4" descr="A square white square with a logo on it">
+            <a:extLst>
+              <a:ext uri="{FF2B5EF4-FFF2-40B4-BE49-F238E27FC236}">
+                <a16:creationId xmlns:a16="http://schemas.microsoft.com/office/drawing/2014/main" id="{FE5E8C89-EC39-FB3E-3FD9-40C306B61CCA}"/>
+              </a:ext>
+            </a:extLst>
+          </p:cNvPr>
+          <p:cNvPicPr>
+            <a:picLocks noChangeAspect="1"/>
+          </p:cNvPicPr>
+          <p:nvPr/>
+        </p:nvPicPr>
+        <p:blipFill>
+          <a:blip r:embed="rId4">
+            <a:extLst>
+              <a:ext uri="{28A0092B-C50C-407E-A947-70E740481C1C}">
+                <a14:useLocalDpi xmlns:a14="http://schemas.microsoft.com/office/drawing/2010/main" val="0"/>
+              </a:ext>
+            </a:extLst>
+          </a:blip>
+          <a:stretch>
+            <a:fillRect/>
+          </a:stretch>
+        </p:blipFill>
+        <p:spPr>
+          <a:xfrm>
+            <a:off x="9030370" y="3802631"/>
+            <a:ext cx="2281247" cy="2286000"/>
+          </a:xfrm>
+          <a:prstGeom prst="rect">
+            <a:avLst/>
+          </a:prstGeom>
         </p:spPr>
       </p:pic>
     </p:spTree>
@@ -11777,6 +16850,345 @@
 </file>
 
 <file path=ppt/slides/slide5.xml><?xml version="1.0" encoding="utf-8"?>
+<p:sld xmlns:a="http://schemas.openxmlformats.org/drawingml/2006/main" xmlns:r="http://schemas.openxmlformats.org/officeDocument/2006/relationships" xmlns:p="http://schemas.openxmlformats.org/presentationml/2006/main">
+  <p:cSld>
+    <p:bg>
+      <p:bgPr>
+        <a:solidFill>
+          <a:schemeClr val="bg1"/>
+        </a:solidFill>
+        <a:effectLst/>
+      </p:bgPr>
+    </p:bg>
+    <p:spTree>
+      <p:nvGrpSpPr>
+        <p:cNvPr id="1" name=""/>
+        <p:cNvGrpSpPr/>
+        <p:nvPr/>
+      </p:nvGrpSpPr>
+      <p:grpSpPr>
+        <a:xfrm>
+          <a:off x="0" y="0"/>
+          <a:ext cx="0" cy="0"/>
+          <a:chOff x="0" y="0"/>
+          <a:chExt cx="0" cy="0"/>
+        </a:xfrm>
+      </p:grpSpPr>
+      <p:sp>
+        <p:nvSpPr>
+          <p:cNvPr id="9" name="Rectangle 8">
+            <a:extLst>
+              <a:ext uri="{FF2B5EF4-FFF2-40B4-BE49-F238E27FC236}">
+                <a16:creationId xmlns:a16="http://schemas.microsoft.com/office/drawing/2014/main" id="{B50AB553-2A96-4A92-96F2-93548E096954}"/>
+              </a:ext>
+              <a:ext uri="{C183D7F6-B498-43B3-948B-1728B52AA6E4}">
+                <adec:decorative xmlns:adec="http://schemas.microsoft.com/office/drawing/2017/decorative" val="1"/>
+              </a:ext>
+            </a:extLst>
+          </p:cNvPr>
+          <p:cNvSpPr>
+            <a:spLocks noGrp="1" noRot="1" noChangeAspect="1" noMove="1" noResize="1" noEditPoints="1" noAdjustHandles="1" noChangeArrowheads="1" noChangeShapeType="1" noTextEdit="1"/>
+          </p:cNvSpPr>
+          <p:nvPr>
+            <p:extLst>
+              <p:ext uri="{386F3935-93C4-4BCD-93E2-E3B085C9AB24}">
+                <p16:designElem xmlns:p16="http://schemas.microsoft.com/office/powerpoint/2015/main" val="1"/>
+              </p:ext>
+            </p:extLst>
+          </p:nvPr>
+        </p:nvSpPr>
+        <p:spPr>
+          <a:xfrm>
+            <a:off x="0" y="0"/>
+            <a:ext cx="12192000" cy="6858000"/>
+          </a:xfrm>
+          <a:prstGeom prst="rect">
+            <a:avLst/>
+          </a:prstGeom>
+          <a:gradFill>
+            <a:gsLst>
+              <a:gs pos="10000">
+                <a:schemeClr val="bg2">
+                  <a:alpha val="68000"/>
+                </a:schemeClr>
+              </a:gs>
+              <a:gs pos="85000">
+                <a:schemeClr val="bg2">
+                  <a:alpha val="97000"/>
+                </a:schemeClr>
+              </a:gs>
+            </a:gsLst>
+            <a:path path="circle">
+              <a:fillToRect l="50000" t="50000" r="50000" b="50000"/>
+            </a:path>
+          </a:gradFill>
+          <a:ln>
+            <a:noFill/>
+          </a:ln>
+        </p:spPr>
+        <p:style>
+          <a:lnRef idx="2">
+            <a:schemeClr val="accent1">
+              <a:shade val="50000"/>
+            </a:schemeClr>
+          </a:lnRef>
+          <a:fillRef idx="1">
+            <a:schemeClr val="accent1"/>
+          </a:fillRef>
+          <a:effectRef idx="0">
+            <a:schemeClr val="accent1"/>
+          </a:effectRef>
+          <a:fontRef idx="minor">
+            <a:schemeClr val="lt1"/>
+          </a:fontRef>
+        </p:style>
+        <p:txBody>
+          <a:bodyPr rtlCol="0" anchor="ctr"/>
+          <a:lstStyle/>
+          <a:p>
+            <a:pPr algn="ctr"/>
+            <a:endParaRPr lang="en-US"/>
+          </a:p>
+        </p:txBody>
+      </p:sp>
+      <p:sp>
+        <p:nvSpPr>
+          <p:cNvPr id="2" name="Title 1">
+            <a:extLst>
+              <a:ext uri="{FF2B5EF4-FFF2-40B4-BE49-F238E27FC236}">
+                <a16:creationId xmlns:a16="http://schemas.microsoft.com/office/drawing/2014/main" id="{12375841-23B9-7FB8-6DDE-B89D6F55EFED}"/>
+              </a:ext>
+            </a:extLst>
+          </p:cNvPr>
+          <p:cNvSpPr>
+            <a:spLocks noGrp="1"/>
+          </p:cNvSpPr>
+          <p:nvPr>
+            <p:ph type="title"/>
+          </p:nvPr>
+        </p:nvSpPr>
+        <p:spPr>
+          <a:xfrm>
+            <a:off x="838200" y="365125"/>
+            <a:ext cx="10515600" cy="1325563"/>
+          </a:xfrm>
+        </p:spPr>
+        <p:txBody>
+          <a:bodyPr>
+            <a:normAutofit/>
+          </a:bodyPr>
+          <a:lstStyle/>
+          <a:p>
+            <a:r>
+              <a:rPr lang="en-US" sz="4000" dirty="0">
+                <a:latin typeface="Ubuntu" panose="020B0504030602030204" pitchFamily="34" charset="0"/>
+              </a:rPr>
+              <a:t>User Workflow (used to drive database schema)</a:t>
+            </a:r>
+          </a:p>
+        </p:txBody>
+      </p:sp>
+      <p:graphicFrame>
+        <p:nvGraphicFramePr>
+          <p:cNvPr id="4" name="Content Placeholder 3">
+            <a:extLst>
+              <a:ext uri="{FF2B5EF4-FFF2-40B4-BE49-F238E27FC236}">
+                <a16:creationId xmlns:a16="http://schemas.microsoft.com/office/drawing/2014/main" id="{269C7424-87E6-94E0-AA09-641E7ED21518}"/>
+              </a:ext>
+            </a:extLst>
+          </p:cNvPr>
+          <p:cNvGraphicFramePr>
+            <a:graphicFrameLocks noGrp="1"/>
+          </p:cNvGraphicFramePr>
+          <p:nvPr>
+            <p:ph idx="1"/>
+            <p:extLst>
+              <p:ext uri="{D42A27DB-BD31-4B8C-83A1-F6EECF244321}">
+                <p14:modId xmlns:p14="http://schemas.microsoft.com/office/powerpoint/2010/main" val="3455459516"/>
+              </p:ext>
+            </p:extLst>
+          </p:nvPr>
+        </p:nvGraphicFramePr>
+        <p:xfrm>
+          <a:off x="838200" y="1825625"/>
+          <a:ext cx="10515600" cy="4351338"/>
+        </p:xfrm>
+        <a:graphic>
+          <a:graphicData uri="http://schemas.openxmlformats.org/drawingml/2006/diagram">
+            <dgm:relIds xmlns:dgm="http://schemas.openxmlformats.org/drawingml/2006/diagram" xmlns:r="http://schemas.openxmlformats.org/officeDocument/2006/relationships" r:dm="rId3" r:lo="rId4" r:qs="rId5" r:cs="rId6"/>
+          </a:graphicData>
+        </a:graphic>
+      </p:graphicFrame>
+      <p:pic>
+        <p:nvPicPr>
+          <p:cNvPr id="6" name="Graphic 5" descr="Cat with solid fill">
+            <a:extLst>
+              <a:ext uri="{FF2B5EF4-FFF2-40B4-BE49-F238E27FC236}">
+                <a16:creationId xmlns:a16="http://schemas.microsoft.com/office/drawing/2014/main" id="{74B1C895-66FE-19A3-4A15-009E58F2F205}"/>
+              </a:ext>
+            </a:extLst>
+          </p:cNvPr>
+          <p:cNvPicPr>
+            <a:picLocks noChangeAspect="1"/>
+          </p:cNvPicPr>
+          <p:nvPr/>
+        </p:nvPicPr>
+        <p:blipFill>
+          <a:blip r:embed="rId8">
+            <a:extLst>
+              <a:ext uri="{28A0092B-C50C-407E-A947-70E740481C1C}">
+                <a14:useLocalDpi xmlns:a14="http://schemas.microsoft.com/office/drawing/2010/main" val="0"/>
+              </a:ext>
+              <a:ext uri="{96DAC541-7B7A-43D3-8B79-37D633B846F1}">
+                <asvg:svgBlip xmlns:asvg="http://schemas.microsoft.com/office/drawing/2016/SVG/main" r:embed="rId9"/>
+              </a:ext>
+            </a:extLst>
+          </a:blip>
+          <a:stretch>
+            <a:fillRect/>
+          </a:stretch>
+        </p:blipFill>
+        <p:spPr>
+          <a:xfrm>
+            <a:off x="7286683" y="3679031"/>
+            <a:ext cx="914400" cy="914400"/>
+          </a:xfrm>
+          <a:prstGeom prst="rect">
+            <a:avLst/>
+          </a:prstGeom>
+        </p:spPr>
+      </p:pic>
+      <p:pic>
+        <p:nvPicPr>
+          <p:cNvPr id="8" name="Graphic 7" descr="Dog with solid fill">
+            <a:extLst>
+              <a:ext uri="{FF2B5EF4-FFF2-40B4-BE49-F238E27FC236}">
+                <a16:creationId xmlns:a16="http://schemas.microsoft.com/office/drawing/2014/main" id="{E80640A9-71D4-6DB2-9960-04BE731562E7}"/>
+              </a:ext>
+            </a:extLst>
+          </p:cNvPr>
+          <p:cNvPicPr>
+            <a:picLocks noChangeAspect="1"/>
+          </p:cNvPicPr>
+          <p:nvPr/>
+        </p:nvPicPr>
+        <p:blipFill>
+          <a:blip r:embed="rId10">
+            <a:extLst>
+              <a:ext uri="{28A0092B-C50C-407E-A947-70E740481C1C}">
+                <a14:useLocalDpi xmlns:a14="http://schemas.microsoft.com/office/drawing/2010/main" val="0"/>
+              </a:ext>
+              <a:ext uri="{96DAC541-7B7A-43D3-8B79-37D633B846F1}">
+                <asvg:svgBlip xmlns:asvg="http://schemas.microsoft.com/office/drawing/2016/SVG/main" r:embed="rId11"/>
+              </a:ext>
+            </a:extLst>
+          </a:blip>
+          <a:stretch>
+            <a:fillRect/>
+          </a:stretch>
+        </p:blipFill>
+        <p:spPr>
+          <a:xfrm flipH="1">
+            <a:off x="8124883" y="3679031"/>
+            <a:ext cx="914400" cy="914400"/>
+          </a:xfrm>
+          <a:prstGeom prst="rect">
+            <a:avLst/>
+          </a:prstGeom>
+        </p:spPr>
+      </p:pic>
+      <p:pic>
+        <p:nvPicPr>
+          <p:cNvPr id="11" name="Graphic 10" descr="Needle with solid fill">
+            <a:extLst>
+              <a:ext uri="{FF2B5EF4-FFF2-40B4-BE49-F238E27FC236}">
+                <a16:creationId xmlns:a16="http://schemas.microsoft.com/office/drawing/2014/main" id="{611CA344-31E8-E32C-1B0D-A784CCE584F4}"/>
+              </a:ext>
+            </a:extLst>
+          </p:cNvPr>
+          <p:cNvPicPr>
+            <a:picLocks noChangeAspect="1"/>
+          </p:cNvPicPr>
+          <p:nvPr/>
+        </p:nvPicPr>
+        <p:blipFill>
+          <a:blip r:embed="rId12">
+            <a:extLst>
+              <a:ext uri="{28A0092B-C50C-407E-A947-70E740481C1C}">
+                <a14:useLocalDpi xmlns:a14="http://schemas.microsoft.com/office/drawing/2010/main" val="0"/>
+              </a:ext>
+              <a:ext uri="{96DAC541-7B7A-43D3-8B79-37D633B846F1}">
+                <asvg:svgBlip xmlns:asvg="http://schemas.microsoft.com/office/drawing/2016/SVG/main" r:embed="rId13"/>
+              </a:ext>
+            </a:extLst>
+          </a:blip>
+          <a:stretch>
+            <a:fillRect/>
+          </a:stretch>
+        </p:blipFill>
+        <p:spPr>
+          <a:xfrm>
+            <a:off x="9587777" y="3543659"/>
+            <a:ext cx="914400" cy="914400"/>
+          </a:xfrm>
+          <a:prstGeom prst="rect">
+            <a:avLst/>
+          </a:prstGeom>
+        </p:spPr>
+      </p:pic>
+      <p:pic>
+        <p:nvPicPr>
+          <p:cNvPr id="13" name="Graphic 12" descr="Medicine with solid fill">
+            <a:extLst>
+              <a:ext uri="{FF2B5EF4-FFF2-40B4-BE49-F238E27FC236}">
+                <a16:creationId xmlns:a16="http://schemas.microsoft.com/office/drawing/2014/main" id="{CCD6867B-2EE4-E0AF-10D7-EE6E64D580F1}"/>
+              </a:ext>
+            </a:extLst>
+          </p:cNvPr>
+          <p:cNvPicPr>
+            <a:picLocks noChangeAspect="1"/>
+          </p:cNvPicPr>
+          <p:nvPr/>
+        </p:nvPicPr>
+        <p:blipFill>
+          <a:blip r:embed="rId14">
+            <a:extLst>
+              <a:ext uri="{28A0092B-C50C-407E-A947-70E740481C1C}">
+                <a14:useLocalDpi xmlns:a14="http://schemas.microsoft.com/office/drawing/2010/main" val="0"/>
+              </a:ext>
+              <a:ext uri="{96DAC541-7B7A-43D3-8B79-37D633B846F1}">
+                <asvg:svgBlip xmlns:asvg="http://schemas.microsoft.com/office/drawing/2016/SVG/main" r:embed="rId15"/>
+              </a:ext>
+            </a:extLst>
+          </a:blip>
+          <a:stretch>
+            <a:fillRect/>
+          </a:stretch>
+        </p:blipFill>
+        <p:spPr>
+          <a:xfrm>
+            <a:off x="10425977" y="3544094"/>
+            <a:ext cx="914400" cy="914400"/>
+          </a:xfrm>
+          <a:prstGeom prst="rect">
+            <a:avLst/>
+          </a:prstGeom>
+        </p:spPr>
+      </p:pic>
+    </p:spTree>
+    <p:extLst>
+      <p:ext uri="{BB962C8B-B14F-4D97-AF65-F5344CB8AC3E}">
+        <p14:creationId xmlns:p14="http://schemas.microsoft.com/office/powerpoint/2010/main" val="2650574482"/>
+      </p:ext>
+    </p:extLst>
+  </p:cSld>
+  <p:clrMapOvr>
+    <a:masterClrMapping/>
+  </p:clrMapOvr>
+</p:sld>
+</file>
+
+<file path=ppt/slides/slide6.xml><?xml version="1.0" encoding="utf-8"?>
 <p:sld xmlns:a="http://schemas.openxmlformats.org/drawingml/2006/main" xmlns:r="http://schemas.openxmlformats.org/officeDocument/2006/relationships" xmlns:p="http://schemas.openxmlformats.org/presentationml/2006/main">
   <p:cSld>
     <p:bg>
@@ -12339,7 +17751,7 @@
 </p:sld>
 </file>
 
-<file path=ppt/slides/slide6.xml><?xml version="1.0" encoding="utf-8"?>
+<file path=ppt/slides/slide7.xml><?xml version="1.0" encoding="utf-8"?>
 <p:sld xmlns:a="http://schemas.openxmlformats.org/drawingml/2006/main" xmlns:r="http://schemas.openxmlformats.org/officeDocument/2006/relationships" xmlns:p="http://schemas.openxmlformats.org/presentationml/2006/main">
   <p:cSld>
     <p:bg>
@@ -12514,8 +17926,8 @@
         </p:nvSpPr>
         <p:spPr>
           <a:xfrm>
-            <a:off x="4380855" y="1412489"/>
-            <a:ext cx="3427283" cy="4363844"/>
+            <a:off x="4380855" y="940777"/>
+            <a:ext cx="3427283" cy="4835556"/>
           </a:xfrm>
         </p:spPr>
         <p:txBody>
@@ -12639,6 +18051,63 @@
             <a:endParaRPr lang="en-US" sz="2000" dirty="0">
               <a:latin typeface="Ubuntu" panose="020B0504030602030204" pitchFamily="34" charset="0"/>
             </a:endParaRPr>
+          </a:p>
+          <a:p>
+            <a:pPr>
+              <a:buBlip>
+                <a:blip r:embed="rId2">
+                  <a:extLst>
+                    <a:ext uri="{96DAC541-7B7A-43D3-8B79-37D633B846F1}">
+                      <asvg:svgBlip xmlns:asvg="http://schemas.microsoft.com/office/drawing/2016/SVG/main" r:embed="rId3"/>
+                    </a:ext>
+                  </a:extLst>
+                </a:blip>
+              </a:buBlip>
+            </a:pPr>
+            <a:r>
+              <a:rPr lang="en-US" sz="2000" dirty="0">
+                <a:latin typeface="Ubuntu" panose="020B0504030602030204" pitchFamily="34" charset="0"/>
+              </a:rPr>
+              <a:t> Security</a:t>
+            </a:r>
+          </a:p>
+          <a:p>
+            <a:pPr lvl="1">
+              <a:buBlip>
+                <a:blip r:embed="rId2">
+                  <a:extLst>
+                    <a:ext uri="{96DAC541-7B7A-43D3-8B79-37D633B846F1}">
+                      <asvg:svgBlip xmlns:asvg="http://schemas.microsoft.com/office/drawing/2016/SVG/main" r:embed="rId3"/>
+                    </a:ext>
+                  </a:extLst>
+                </a:blip>
+              </a:buBlip>
+            </a:pPr>
+            <a:r>
+              <a:rPr lang="en-US" sz="2000" dirty="0">
+                <a:latin typeface="Ubuntu" panose="020B0504030602030204" pitchFamily="34" charset="0"/>
+              </a:rPr>
+              <a:t>Spring Security (Java 17 version)</a:t>
+            </a:r>
+          </a:p>
+          <a:p>
+            <a:pPr lvl="1">
+              <a:buBlip>
+                <a:blip r:embed="rId2">
+                  <a:extLst>
+                    <a:ext uri="{96DAC541-7B7A-43D3-8B79-37D633B846F1}">
+                      <asvg:svgBlip xmlns:asvg="http://schemas.microsoft.com/office/drawing/2016/SVG/main" r:embed="rId3"/>
+                    </a:ext>
+                  </a:extLst>
+                </a:blip>
+              </a:buBlip>
+            </a:pPr>
+            <a:r>
+              <a:rPr lang="en-US" sz="2000" dirty="0">
+                <a:latin typeface="Ubuntu" panose="020B0504030602030204" pitchFamily="34" charset="0"/>
+              </a:rPr>
+              <a:t>JSON Web Tokens (JWTs)</a:t>
+            </a:r>
           </a:p>
           <a:p>
             <a:pPr>
@@ -12796,7 +18265,7 @@
         </p:blipFill>
         <p:spPr bwMode="auto">
           <a:xfrm>
-            <a:off x="8764389" y="3379304"/>
+            <a:off x="8764389" y="2658330"/>
             <a:ext cx="2634730" cy="670551"/>
           </a:xfrm>
           <a:prstGeom prst="rect">
@@ -12897,7 +18366,7 @@
         </p:blipFill>
         <p:spPr bwMode="auto">
           <a:xfrm>
-            <a:off x="9171025" y="4167543"/>
+            <a:off x="9171025" y="3446569"/>
             <a:ext cx="1805090" cy="1805090"/>
           </a:xfrm>
           <a:prstGeom prst="rect">
@@ -12975,7 +18444,7 @@
         </p:blipFill>
         <p:spPr bwMode="auto">
           <a:xfrm>
-            <a:off x="9100924" y="672322"/>
+            <a:off x="9092740" y="374082"/>
             <a:ext cx="1961659" cy="1089250"/>
           </a:xfrm>
           <a:prstGeom prst="rect">
@@ -13022,7 +18491,7 @@
         </p:blipFill>
         <p:spPr bwMode="auto">
           <a:xfrm>
-            <a:off x="9171025" y="2092305"/>
+            <a:off x="9162841" y="1582698"/>
             <a:ext cx="1821458" cy="956266"/>
           </a:xfrm>
           <a:prstGeom prst="rect">
@@ -13076,6 +18545,95 @@
           </a:prstGeom>
         </p:spPr>
       </p:pic>
+      <p:pic>
+        <p:nvPicPr>
+          <p:cNvPr id="1026" name="Picture 2" descr="Get started with spring security 6.xx | by Mohammed Faiz | Medium">
+            <a:extLst>
+              <a:ext uri="{FF2B5EF4-FFF2-40B4-BE49-F238E27FC236}">
+                <a16:creationId xmlns:a16="http://schemas.microsoft.com/office/drawing/2014/main" id="{60EDD86D-CC06-08CD-92D0-93061721187F}"/>
+              </a:ext>
+            </a:extLst>
+          </p:cNvPr>
+          <p:cNvPicPr>
+            <a:picLocks noChangeAspect="1" noChangeArrowheads="1"/>
+          </p:cNvPicPr>
+          <p:nvPr/>
+        </p:nvPicPr>
+        <p:blipFill>
+          <a:blip r:embed="rId12">
+            <a:extLst>
+              <a:ext uri="{BEBA8EAE-BF5A-486C-A8C5-ECC9F3942E4B}">
+                <a14:imgProps xmlns:a14="http://schemas.microsoft.com/office/drawing/2010/main">
+                  <a14:imgLayer r:embed="rId13">
+                    <a14:imgEffect>
+                      <a14:backgroundRemoval t="9091" b="88312" l="5215" r="90798">
+                        <a14:foregroundMark x1="6748" y1="24675" x2="12577" y2="34416"/>
+                        <a14:foregroundMark x1="12577" y1="34416" x2="14724" y2="21429"/>
+                        <a14:foregroundMark x1="14724" y1="21429" x2="8896" y2="22727"/>
+                        <a14:foregroundMark x1="8896" y1="22727" x2="6442" y2="33766"/>
+                        <a14:foregroundMark x1="6442" y1="33766" x2="8589" y2="44805"/>
+                        <a14:foregroundMark x1="8589" y1="44805" x2="14110" y2="43506"/>
+                        <a14:foregroundMark x1="14110" y1="43506" x2="9202" y2="45455"/>
+                        <a14:foregroundMark x1="5521" y1="28571" x2="5828" y2="35065"/>
+                        <a14:foregroundMark x1="17178" y1="25325" x2="16564" y2="38961"/>
+                        <a14:foregroundMark x1="24233" y1="23377" x2="25767" y2="25325"/>
+                        <a14:foregroundMark x1="31595" y1="23377" x2="31595" y2="28571"/>
+                        <a14:foregroundMark x1="39571" y1="23377" x2="39264" y2="25974"/>
+                        <a14:foregroundMark x1="44172" y1="23377" x2="44785" y2="27922"/>
+                        <a14:foregroundMark x1="44785" y1="16883" x2="44785" y2="16883"/>
+                        <a14:foregroundMark x1="47853" y1="25325" x2="50000" y2="22078"/>
+                        <a14:foregroundMark x1="56748" y1="21429" x2="54908" y2="25325"/>
+                        <a14:foregroundMark x1="30675" y1="53247" x2="32822" y2="54545"/>
+                        <a14:foregroundMark x1="38300" y1="55844" x2="38957" y2="59091"/>
+                        <a14:foregroundMark x1="38037" y1="54545" x2="38300" y2="55844"/>
+                        <a14:foregroundMark x1="44479" y1="54545" x2="44785" y2="52597"/>
+                        <a14:foregroundMark x1="51227" y1="56494" x2="51227" y2="59740"/>
+                        <a14:foregroundMark x1="57975" y1="56494" x2="57975" y2="59740"/>
+                        <a14:foregroundMark x1="63190" y1="54545" x2="63497" y2="59740"/>
+                        <a14:foregroundMark x1="63497" y1="46753" x2="63497" y2="46753"/>
+                        <a14:foregroundMark x1="66258" y1="51299" x2="67791" y2="51948"/>
+                        <a14:foregroundMark x1="72086" y1="56494" x2="72699" y2="59740"/>
+                        <a14:foregroundMark x1="90184" y1="54545" x2="90184" y2="57792"/>
+                        <a14:foregroundMark x1="90491" y1="42857" x2="90798" y2="45455"/>
+                        <a14:foregroundMark x1="85276" y1="45455" x2="84663" y2="55195"/>
+                        <a14:backgroundMark x1="56748" y1="25974" x2="57055" y2="27922"/>
+                        <a14:backgroundMark x1="39264" y1="54545" x2="39264" y2="54545"/>
+                        <a14:backgroundMark x1="38957" y1="55844" x2="38957" y2="55844"/>
+                      </a14:backgroundRemoval>
+                    </a14:imgEffect>
+                  </a14:imgLayer>
+                </a14:imgProps>
+              </a:ext>
+              <a:ext uri="{28A0092B-C50C-407E-A947-70E740481C1C}">
+                <a14:useLocalDpi xmlns:a14="http://schemas.microsoft.com/office/drawing/2010/main" val="0"/>
+              </a:ext>
+            </a:extLst>
+          </a:blip>
+          <a:srcRect/>
+          <a:stretch>
+            <a:fillRect/>
+          </a:stretch>
+        </p:blipFill>
+        <p:spPr bwMode="auto">
+          <a:xfrm>
+            <a:off x="8756205" y="5369347"/>
+            <a:ext cx="2634730" cy="1244627"/>
+          </a:xfrm>
+          <a:prstGeom prst="rect">
+            <a:avLst/>
+          </a:prstGeom>
+          <a:noFill/>
+          <a:extLst>
+            <a:ext uri="{909E8E84-426E-40DD-AFC4-6F175D3DCCD1}">
+              <a14:hiddenFill xmlns:a14="http://schemas.microsoft.com/office/drawing/2010/main">
+                <a:solidFill>
+                  <a:srgbClr val="FFFFFF"/>
+                </a:solidFill>
+              </a14:hiddenFill>
+            </a:ext>
+          </a:extLst>
+        </p:spPr>
+      </p:pic>
     </p:spTree>
     <p:extLst>
       <p:ext uri="{BB962C8B-B14F-4D97-AF65-F5344CB8AC3E}">
@@ -13089,7 +18647,7 @@
 </p:sld>
 </file>
 
-<file path=ppt/slides/slide7.xml><?xml version="1.0" encoding="utf-8"?>
+<file path=ppt/slides/slide8.xml><?xml version="1.0" encoding="utf-8"?>
 <p:sld xmlns:a="http://schemas.openxmlformats.org/drawingml/2006/main" xmlns:r="http://schemas.openxmlformats.org/officeDocument/2006/relationships" xmlns:p="http://schemas.openxmlformats.org/presentationml/2006/main">
   <p:cSld>
     <p:bg>
@@ -13855,7 +19413,7 @@
 </p:sld>
 </file>
 
-<file path=ppt/slides/slide8.xml><?xml version="1.0" encoding="utf-8"?>
+<file path=ppt/slides/slide9.xml><?xml version="1.0" encoding="utf-8"?>
 <p:sld xmlns:a="http://schemas.openxmlformats.org/drawingml/2006/main" xmlns:r="http://schemas.openxmlformats.org/officeDocument/2006/relationships" xmlns:p="http://schemas.openxmlformats.org/presentationml/2006/main">
   <p:cSld>
     <p:bg>
@@ -14186,7 +19744,7 @@
               <a:rPr lang="en-US" sz="2000" dirty="0">
                 <a:latin typeface="Ubuntu" panose="020B0504030602030204" pitchFamily="34" charset="0"/>
               </a:rPr>
-              <a:t>Synchronization to phone calendar for reminders of the medication due date</a:t>
+              <a:t>Synchronization to phone calendar for reminders of the medication due date and vet visits</a:t>
             </a:r>
           </a:p>
           <a:p>
@@ -14213,259 +19771,6 @@
     <p:extLst>
       <p:ext uri="{BB962C8B-B14F-4D97-AF65-F5344CB8AC3E}">
         <p14:creationId xmlns:p14="http://schemas.microsoft.com/office/powerpoint/2010/main" val="4136869874"/>
-      </p:ext>
-    </p:extLst>
-  </p:cSld>
-  <p:clrMapOvr>
-    <a:masterClrMapping/>
-  </p:clrMapOvr>
-</p:sld>
-</file>
-
-<file path=ppt/slides/slide9.xml><?xml version="1.0" encoding="utf-8"?>
-<p:sld xmlns:a="http://schemas.openxmlformats.org/drawingml/2006/main" xmlns:r="http://schemas.openxmlformats.org/officeDocument/2006/relationships" xmlns:p="http://schemas.openxmlformats.org/presentationml/2006/main">
-  <p:cSld>
-    <p:bg>
-      <p:bgPr>
-        <a:solidFill>
-          <a:schemeClr val="bg1"/>
-        </a:solidFill>
-        <a:effectLst/>
-      </p:bgPr>
-    </p:bg>
-    <p:spTree>
-      <p:nvGrpSpPr>
-        <p:cNvPr id="1" name=""/>
-        <p:cNvGrpSpPr/>
-        <p:nvPr/>
-      </p:nvGrpSpPr>
-      <p:grpSpPr>
-        <a:xfrm>
-          <a:off x="0" y="0"/>
-          <a:ext cx="0" cy="0"/>
-          <a:chOff x="0" y="0"/>
-          <a:chExt cx="0" cy="0"/>
-        </a:xfrm>
-      </p:grpSpPr>
-      <p:sp useBgFill="1">
-        <p:nvSpPr>
-          <p:cNvPr id="16" name="Rectangle 15">
-            <a:extLst>
-              <a:ext uri="{FF2B5EF4-FFF2-40B4-BE49-F238E27FC236}">
-                <a16:creationId xmlns:a16="http://schemas.microsoft.com/office/drawing/2014/main" id="{3A930249-8242-4E2B-AF17-C01826488321}"/>
-              </a:ext>
-              <a:ext uri="{C183D7F6-B498-43B3-948B-1728B52AA6E4}">
-                <adec:decorative xmlns:adec="http://schemas.microsoft.com/office/drawing/2017/decorative" val="1"/>
-              </a:ext>
-            </a:extLst>
-          </p:cNvPr>
-          <p:cNvSpPr>
-            <a:spLocks noGrp="1" noRot="1" noChangeAspect="1" noMove="1" noResize="1" noEditPoints="1" noAdjustHandles="1" noChangeArrowheads="1" noChangeShapeType="1" noTextEdit="1"/>
-          </p:cNvSpPr>
-          <p:nvPr>
-            <p:extLst>
-              <p:ext uri="{386F3935-93C4-4BCD-93E2-E3B085C9AB24}">
-                <p16:designElem xmlns:p16="http://schemas.microsoft.com/office/powerpoint/2015/main" val="1"/>
-              </p:ext>
-            </p:extLst>
-          </p:nvPr>
-        </p:nvSpPr>
-        <p:spPr>
-          <a:xfrm>
-            <a:off x="-1" y="0"/>
-            <a:ext cx="12188952" cy="6858000"/>
-          </a:xfrm>
-          <a:prstGeom prst="rect">
-            <a:avLst/>
-          </a:prstGeom>
-          <a:ln>
-            <a:noFill/>
-          </a:ln>
-        </p:spPr>
-        <p:style>
-          <a:lnRef idx="2">
-            <a:schemeClr val="accent1">
-              <a:shade val="50000"/>
-            </a:schemeClr>
-          </a:lnRef>
-          <a:fillRef idx="1">
-            <a:schemeClr val="accent1"/>
-          </a:fillRef>
-          <a:effectRef idx="0">
-            <a:schemeClr val="accent1"/>
-          </a:effectRef>
-          <a:fontRef idx="minor">
-            <a:schemeClr val="lt1"/>
-          </a:fontRef>
-        </p:style>
-        <p:txBody>
-          <a:bodyPr rtlCol="0" anchor="ctr"/>
-          <a:lstStyle/>
-          <a:p>
-            <a:pPr algn="ctr"/>
-            <a:endParaRPr lang="en-US"/>
-          </a:p>
-        </p:txBody>
-      </p:sp>
-      <p:sp>
-        <p:nvSpPr>
-          <p:cNvPr id="18" name="Rectangle 17">
-            <a:extLst>
-              <a:ext uri="{FF2B5EF4-FFF2-40B4-BE49-F238E27FC236}">
-                <a16:creationId xmlns:a16="http://schemas.microsoft.com/office/drawing/2014/main" id="{A5BDD999-C5E1-4B3E-A710-768673819165}"/>
-              </a:ext>
-              <a:ext uri="{C183D7F6-B498-43B3-948B-1728B52AA6E4}">
-                <adec:decorative xmlns:adec="http://schemas.microsoft.com/office/drawing/2017/decorative" val="1"/>
-              </a:ext>
-            </a:extLst>
-          </p:cNvPr>
-          <p:cNvSpPr>
-            <a:spLocks noGrp="1" noRot="1" noChangeAspect="1" noMove="1" noResize="1" noEditPoints="1" noAdjustHandles="1" noChangeArrowheads="1" noChangeShapeType="1" noTextEdit="1"/>
-          </p:cNvSpPr>
-          <p:nvPr>
-            <p:extLst>
-              <p:ext uri="{386F3935-93C4-4BCD-93E2-E3B085C9AB24}">
-                <p16:designElem xmlns:p16="http://schemas.microsoft.com/office/powerpoint/2015/main" val="1"/>
-              </p:ext>
-            </p:extLst>
-          </p:nvPr>
-        </p:nvSpPr>
-        <p:spPr>
-          <a:xfrm>
-            <a:off x="187388" y="181576"/>
-            <a:ext cx="11823637" cy="6501088"/>
-          </a:xfrm>
-          <a:prstGeom prst="rect">
-            <a:avLst/>
-          </a:prstGeom>
-          <a:solidFill>
-            <a:srgbClr val="000000"/>
-          </a:solidFill>
-          <a:ln>
-            <a:noFill/>
-          </a:ln>
-        </p:spPr>
-        <p:style>
-          <a:lnRef idx="2">
-            <a:schemeClr val="accent1">
-              <a:shade val="50000"/>
-            </a:schemeClr>
-          </a:lnRef>
-          <a:fillRef idx="1">
-            <a:schemeClr val="accent1"/>
-          </a:fillRef>
-          <a:effectRef idx="0">
-            <a:schemeClr val="accent1"/>
-          </a:effectRef>
-          <a:fontRef idx="minor">
-            <a:schemeClr val="lt1"/>
-          </a:fontRef>
-        </p:style>
-        <p:txBody>
-          <a:bodyPr rtlCol="0" anchor="ctr"/>
-          <a:lstStyle/>
-          <a:p>
-            <a:pPr algn="ctr"/>
-            <a:endParaRPr lang="en-US">
-              <a:solidFill>
-                <a:srgbClr val="000000"/>
-              </a:solidFill>
-            </a:endParaRPr>
-          </a:p>
-        </p:txBody>
-      </p:sp>
-      <p:pic>
-        <p:nvPicPr>
-          <p:cNvPr id="3" name="Picture 2" descr="A cat with a handkerchief in its mouth">
-            <a:extLst>
-              <a:ext uri="{FF2B5EF4-FFF2-40B4-BE49-F238E27FC236}">
-                <a16:creationId xmlns:a16="http://schemas.microsoft.com/office/drawing/2014/main" id="{63935268-55E1-F3C2-A40D-812C2957D230}"/>
-              </a:ext>
-            </a:extLst>
-          </p:cNvPr>
-          <p:cNvPicPr>
-            <a:picLocks noChangeAspect="1"/>
-          </p:cNvPicPr>
-          <p:nvPr/>
-        </p:nvPicPr>
-        <p:blipFill rotWithShape="1">
-          <a:blip r:embed="rId2">
-            <a:alphaModFix amt="60000"/>
-            <a:extLst>
-              <a:ext uri="{28A0092B-C50C-407E-A947-70E740481C1C}">
-                <a14:useLocalDpi xmlns:a14="http://schemas.microsoft.com/office/drawing/2010/main" val="0"/>
-              </a:ext>
-            </a:extLst>
-          </a:blip>
-          <a:srcRect r="-1" b="2277"/>
-          <a:stretch/>
-        </p:blipFill>
-        <p:spPr>
-          <a:xfrm>
-            <a:off x="187388" y="182880"/>
-            <a:ext cx="11824481" cy="6499784"/>
-          </a:xfrm>
-          <a:prstGeom prst="rect">
-            <a:avLst/>
-          </a:prstGeom>
-        </p:spPr>
-      </p:pic>
-      <p:sp>
-        <p:nvSpPr>
-          <p:cNvPr id="4" name="TextBox 3">
-            <a:extLst>
-              <a:ext uri="{FF2B5EF4-FFF2-40B4-BE49-F238E27FC236}">
-                <a16:creationId xmlns:a16="http://schemas.microsoft.com/office/drawing/2014/main" id="{5BFAFE23-8E03-3E78-76FC-DB5AE863144E}"/>
-              </a:ext>
-            </a:extLst>
-          </p:cNvPr>
-          <p:cNvSpPr txBox="1"/>
-          <p:nvPr/>
-        </p:nvSpPr>
-        <p:spPr>
-          <a:xfrm>
-            <a:off x="1198181" y="1122363"/>
-            <a:ext cx="9795637" cy="2217158"/>
-          </a:xfrm>
-          <a:prstGeom prst="rect">
-            <a:avLst/>
-          </a:prstGeom>
-        </p:spPr>
-        <p:txBody>
-          <a:bodyPr vert="horz" lIns="91440" tIns="45720" rIns="91440" bIns="45720" rtlCol="0" anchor="b">
-            <a:normAutofit/>
-          </a:bodyPr>
-          <a:lstStyle/>
-          <a:p>
-            <a:pPr>
-              <a:lnSpc>
-                <a:spcPct val="90000"/>
-              </a:lnSpc>
-              <a:spcBef>
-                <a:spcPct val="0"/>
-              </a:spcBef>
-              <a:spcAft>
-                <a:spcPts val="600"/>
-              </a:spcAft>
-            </a:pPr>
-            <a:r>
-              <a:rPr lang="en-US" sz="6000" dirty="0">
-                <a:solidFill>
-                  <a:srgbClr val="FFFFFF"/>
-                </a:solidFill>
-                <a:latin typeface="Ubuntu" panose="020B0504030602030204" pitchFamily="34" charset="0"/>
-                <a:ea typeface="+mj-ea"/>
-                <a:cs typeface="+mj-cs"/>
-              </a:rPr>
-              <a:t>Demo Time!</a:t>
-            </a:r>
-          </a:p>
-        </p:txBody>
-      </p:sp>
-    </p:spTree>
-    <p:extLst>
-      <p:ext uri="{BB962C8B-B14F-4D97-AF65-F5344CB8AC3E}">
-        <p14:creationId xmlns:p14="http://schemas.microsoft.com/office/powerpoint/2010/main" val="1963614957"/>
       </p:ext>
     </p:extLst>
   </p:cSld>
@@ -14768,4 +20073,299 @@
     </a:ext>
   </a:extLst>
 </a:theme>
+</file>
+
+<file path=ppt/theme/theme2.xml><?xml version="1.0" encoding="utf-8"?>
+<a:theme xmlns:a="http://schemas.openxmlformats.org/drawingml/2006/main" name="Office Theme">
+  <a:themeElements>
+    <a:clrScheme name="Office">
+      <a:dk1>
+        <a:sysClr val="windowText" lastClr="000000"/>
+      </a:dk1>
+      <a:lt1>
+        <a:sysClr val="window" lastClr="FFFFFF"/>
+      </a:lt1>
+      <a:dk2>
+        <a:srgbClr val="44546A"/>
+      </a:dk2>
+      <a:lt2>
+        <a:srgbClr val="E7E6E6"/>
+      </a:lt2>
+      <a:accent1>
+        <a:srgbClr val="4472C4"/>
+      </a:accent1>
+      <a:accent2>
+        <a:srgbClr val="ED7D31"/>
+      </a:accent2>
+      <a:accent3>
+        <a:srgbClr val="A5A5A5"/>
+      </a:accent3>
+      <a:accent4>
+        <a:srgbClr val="FFC000"/>
+      </a:accent4>
+      <a:accent5>
+        <a:srgbClr val="5B9BD5"/>
+      </a:accent5>
+      <a:accent6>
+        <a:srgbClr val="70AD47"/>
+      </a:accent6>
+      <a:hlink>
+        <a:srgbClr val="0563C1"/>
+      </a:hlink>
+      <a:folHlink>
+        <a:srgbClr val="954F72"/>
+      </a:folHlink>
+    </a:clrScheme>
+    <a:fontScheme name="Office">
+      <a:majorFont>
+        <a:latin typeface="Calibri Light" panose="020F0302020204030204"/>
+        <a:ea typeface=""/>
+        <a:cs typeface=""/>
+        <a:font script="Jpan" typeface="游ゴシック Light"/>
+        <a:font script="Hang" typeface="맑은 고딕"/>
+        <a:font script="Hans" typeface="等线 Light"/>
+        <a:font script="Hant" typeface="新細明體"/>
+        <a:font script="Arab" typeface="Times New Roman"/>
+        <a:font script="Hebr" typeface="Times New Roman"/>
+        <a:font script="Thai" typeface="Angsana New"/>
+        <a:font script="Ethi" typeface="Nyala"/>
+        <a:font script="Beng" typeface="Vrinda"/>
+        <a:font script="Gujr" typeface="Shruti"/>
+        <a:font script="Khmr" typeface="MoolBoran"/>
+        <a:font script="Knda" typeface="Tunga"/>
+        <a:font script="Guru" typeface="Raavi"/>
+        <a:font script="Cans" typeface="Euphemia"/>
+        <a:font script="Cher" typeface="Plantagenet Cherokee"/>
+        <a:font script="Yiii" typeface="Microsoft Yi Baiti"/>
+        <a:font script="Tibt" typeface="Microsoft Himalaya"/>
+        <a:font script="Thaa" typeface="MV Boli"/>
+        <a:font script="Deva" typeface="Mangal"/>
+        <a:font script="Telu" typeface="Gautami"/>
+        <a:font script="Taml" typeface="Latha"/>
+        <a:font script="Syrc" typeface="Estrangelo Edessa"/>
+        <a:font script="Orya" typeface="Kalinga"/>
+        <a:font script="Mlym" typeface="Kartika"/>
+        <a:font script="Laoo" typeface="DokChampa"/>
+        <a:font script="Sinh" typeface="Iskoola Pota"/>
+        <a:font script="Mong" typeface="Mongolian Baiti"/>
+        <a:font script="Viet" typeface="Times New Roman"/>
+        <a:font script="Uigh" typeface="Microsoft Uighur"/>
+        <a:font script="Geor" typeface="Sylfaen"/>
+        <a:font script="Armn" typeface="Arial"/>
+        <a:font script="Bugi" typeface="Leelawadee UI"/>
+        <a:font script="Bopo" typeface="Microsoft JhengHei"/>
+        <a:font script="Java" typeface="Javanese Text"/>
+        <a:font script="Lisu" typeface="Segoe UI"/>
+        <a:font script="Mymr" typeface="Myanmar Text"/>
+        <a:font script="Nkoo" typeface="Ebrima"/>
+        <a:font script="Olck" typeface="Nirmala UI"/>
+        <a:font script="Osma" typeface="Ebrima"/>
+        <a:font script="Phag" typeface="Phagspa"/>
+        <a:font script="Syrn" typeface="Estrangelo Edessa"/>
+        <a:font script="Syrj" typeface="Estrangelo Edessa"/>
+        <a:font script="Syre" typeface="Estrangelo Edessa"/>
+        <a:font script="Sora" typeface="Nirmala UI"/>
+        <a:font script="Tale" typeface="Microsoft Tai Le"/>
+        <a:font script="Talu" typeface="Microsoft New Tai Lue"/>
+        <a:font script="Tfng" typeface="Ebrima"/>
+      </a:majorFont>
+      <a:minorFont>
+        <a:latin typeface="Calibri" panose="020F0502020204030204"/>
+        <a:ea typeface=""/>
+        <a:cs typeface=""/>
+        <a:font script="Jpan" typeface="游ゴシック"/>
+        <a:font script="Hang" typeface="맑은 고딕"/>
+        <a:font script="Hans" typeface="等线"/>
+        <a:font script="Hant" typeface="新細明體"/>
+        <a:font script="Arab" typeface="Arial"/>
+        <a:font script="Hebr" typeface="Arial"/>
+        <a:font script="Thai" typeface="Cordia New"/>
+        <a:font script="Ethi" typeface="Nyala"/>
+        <a:font script="Beng" typeface="Vrinda"/>
+        <a:font script="Gujr" typeface="Shruti"/>
+        <a:font script="Khmr" typeface="DaunPenh"/>
+        <a:font script="Knda" typeface="Tunga"/>
+        <a:font script="Guru" typeface="Raavi"/>
+        <a:font script="Cans" typeface="Euphemia"/>
+        <a:font script="Cher" typeface="Plantagenet Cherokee"/>
+        <a:font script="Yiii" typeface="Microsoft Yi Baiti"/>
+        <a:font script="Tibt" typeface="Microsoft Himalaya"/>
+        <a:font script="Thaa" typeface="MV Boli"/>
+        <a:font script="Deva" typeface="Mangal"/>
+        <a:font script="Telu" typeface="Gautami"/>
+        <a:font script="Taml" typeface="Latha"/>
+        <a:font script="Syrc" typeface="Estrangelo Edessa"/>
+        <a:font script="Orya" typeface="Kalinga"/>
+        <a:font script="Mlym" typeface="Kartika"/>
+        <a:font script="Laoo" typeface="DokChampa"/>
+        <a:font script="Sinh" typeface="Iskoola Pota"/>
+        <a:font script="Mong" typeface="Mongolian Baiti"/>
+        <a:font script="Viet" typeface="Arial"/>
+        <a:font script="Uigh" typeface="Microsoft Uighur"/>
+        <a:font script="Geor" typeface="Sylfaen"/>
+        <a:font script="Armn" typeface="Arial"/>
+        <a:font script="Bugi" typeface="Leelawadee UI"/>
+        <a:font script="Bopo" typeface="Microsoft JhengHei"/>
+        <a:font script="Java" typeface="Javanese Text"/>
+        <a:font script="Lisu" typeface="Segoe UI"/>
+        <a:font script="Mymr" typeface="Myanmar Text"/>
+        <a:font script="Nkoo" typeface="Ebrima"/>
+        <a:font script="Olck" typeface="Nirmala UI"/>
+        <a:font script="Osma" typeface="Ebrima"/>
+        <a:font script="Phag" typeface="Phagspa"/>
+        <a:font script="Syrn" typeface="Estrangelo Edessa"/>
+        <a:font script="Syrj" typeface="Estrangelo Edessa"/>
+        <a:font script="Syre" typeface="Estrangelo Edessa"/>
+        <a:font script="Sora" typeface="Nirmala UI"/>
+        <a:font script="Tale" typeface="Microsoft Tai Le"/>
+        <a:font script="Talu" typeface="Microsoft New Tai Lue"/>
+        <a:font script="Tfng" typeface="Ebrima"/>
+      </a:minorFont>
+    </a:fontScheme>
+    <a:fmtScheme name="Office">
+      <a:fillStyleLst>
+        <a:solidFill>
+          <a:schemeClr val="phClr"/>
+        </a:solidFill>
+        <a:gradFill rotWithShape="1">
+          <a:gsLst>
+            <a:gs pos="0">
+              <a:schemeClr val="phClr">
+                <a:lumMod val="110000"/>
+                <a:satMod val="105000"/>
+                <a:tint val="67000"/>
+              </a:schemeClr>
+            </a:gs>
+            <a:gs pos="50000">
+              <a:schemeClr val="phClr">
+                <a:lumMod val="105000"/>
+                <a:satMod val="103000"/>
+                <a:tint val="73000"/>
+              </a:schemeClr>
+            </a:gs>
+            <a:gs pos="100000">
+              <a:schemeClr val="phClr">
+                <a:lumMod val="105000"/>
+                <a:satMod val="109000"/>
+                <a:tint val="81000"/>
+              </a:schemeClr>
+            </a:gs>
+          </a:gsLst>
+          <a:lin ang="5400000" scaled="0"/>
+        </a:gradFill>
+        <a:gradFill rotWithShape="1">
+          <a:gsLst>
+            <a:gs pos="0">
+              <a:schemeClr val="phClr">
+                <a:satMod val="103000"/>
+                <a:lumMod val="102000"/>
+                <a:tint val="94000"/>
+              </a:schemeClr>
+            </a:gs>
+            <a:gs pos="50000">
+              <a:schemeClr val="phClr">
+                <a:satMod val="110000"/>
+                <a:lumMod val="100000"/>
+                <a:shade val="100000"/>
+              </a:schemeClr>
+            </a:gs>
+            <a:gs pos="100000">
+              <a:schemeClr val="phClr">
+                <a:lumMod val="99000"/>
+                <a:satMod val="120000"/>
+                <a:shade val="78000"/>
+              </a:schemeClr>
+            </a:gs>
+          </a:gsLst>
+          <a:lin ang="5400000" scaled="0"/>
+        </a:gradFill>
+      </a:fillStyleLst>
+      <a:lnStyleLst>
+        <a:ln w="6350" cap="flat" cmpd="sng" algn="ctr">
+          <a:solidFill>
+            <a:schemeClr val="phClr"/>
+          </a:solidFill>
+          <a:prstDash val="solid"/>
+          <a:miter lim="800000"/>
+        </a:ln>
+        <a:ln w="12700" cap="flat" cmpd="sng" algn="ctr">
+          <a:solidFill>
+            <a:schemeClr val="phClr"/>
+          </a:solidFill>
+          <a:prstDash val="solid"/>
+          <a:miter lim="800000"/>
+        </a:ln>
+        <a:ln w="19050" cap="flat" cmpd="sng" algn="ctr">
+          <a:solidFill>
+            <a:schemeClr val="phClr"/>
+          </a:solidFill>
+          <a:prstDash val="solid"/>
+          <a:miter lim="800000"/>
+        </a:ln>
+      </a:lnStyleLst>
+      <a:effectStyleLst>
+        <a:effectStyle>
+          <a:effectLst/>
+        </a:effectStyle>
+        <a:effectStyle>
+          <a:effectLst/>
+        </a:effectStyle>
+        <a:effectStyle>
+          <a:effectLst>
+            <a:outerShdw blurRad="57150" dist="19050" dir="5400000" algn="ctr" rotWithShape="0">
+              <a:srgbClr val="000000">
+                <a:alpha val="63000"/>
+              </a:srgbClr>
+            </a:outerShdw>
+          </a:effectLst>
+        </a:effectStyle>
+      </a:effectStyleLst>
+      <a:bgFillStyleLst>
+        <a:solidFill>
+          <a:schemeClr val="phClr"/>
+        </a:solidFill>
+        <a:solidFill>
+          <a:schemeClr val="phClr">
+            <a:tint val="95000"/>
+            <a:satMod val="170000"/>
+          </a:schemeClr>
+        </a:solidFill>
+        <a:gradFill rotWithShape="1">
+          <a:gsLst>
+            <a:gs pos="0">
+              <a:schemeClr val="phClr">
+                <a:tint val="93000"/>
+                <a:satMod val="150000"/>
+                <a:shade val="98000"/>
+                <a:lumMod val="102000"/>
+              </a:schemeClr>
+            </a:gs>
+            <a:gs pos="50000">
+              <a:schemeClr val="phClr">
+                <a:tint val="98000"/>
+                <a:satMod val="130000"/>
+                <a:shade val="90000"/>
+                <a:lumMod val="103000"/>
+              </a:schemeClr>
+            </a:gs>
+            <a:gs pos="100000">
+              <a:schemeClr val="phClr">
+                <a:shade val="63000"/>
+                <a:satMod val="120000"/>
+              </a:schemeClr>
+            </a:gs>
+          </a:gsLst>
+          <a:lin ang="5400000" scaled="0"/>
+        </a:gradFill>
+      </a:bgFillStyleLst>
+    </a:fmtScheme>
+  </a:themeElements>
+  <a:objectDefaults/>
+  <a:extraClrSchemeLst/>
+  <a:extLst>
+    <a:ext uri="{05A4C25C-085E-4340-85A3-A5531E510DB2}">
+      <thm15:themeFamily xmlns:thm15="http://schemas.microsoft.com/office/thememl/2012/main" name="Office Theme" id="{62F939B6-93AF-4DB8-9C6B-D6C7DFDC589F}" vid="{4A3C46E8-61CC-4603-A589-7422A47A8E4A}"/>
+    </a:ext>
+  </a:extLst>
+</a:theme>
 </file>